--- a/docs/final_presentation_class.pptx
+++ b/docs/final_presentation_class.pptx
@@ -2,14 +2,14 @@
 <file path=ppt/presentation.xml><?xml version="1.0" encoding="utf-8"?>
 <p:presentation xmlns:a="http://schemas.openxmlformats.org/drawingml/2006/main" xmlns:r="http://schemas.openxmlformats.org/officeDocument/2006/relationships" xmlns:p="http://schemas.openxmlformats.org/presentationml/2006/main" saveSubsetFonts="1" autoCompressPictures="0">
   <p:sldMasterIdLst>
-    <p:sldMasterId id="2147483684" r:id="rId1"/>
+    <p:sldMasterId id="2147483696" r:id="rId1"/>
   </p:sldMasterIdLst>
   <p:sldIdLst>
     <p:sldId id="257" r:id="rId2"/>
     <p:sldId id="258" r:id="rId3"/>
     <p:sldId id="259" r:id="rId4"/>
-    <p:sldId id="260" r:id="rId5"/>
-    <p:sldId id="261" r:id="rId6"/>
+    <p:sldId id="261" r:id="rId5"/>
+    <p:sldId id="260" r:id="rId6"/>
     <p:sldId id="256" r:id="rId7"/>
   </p:sldIdLst>
   <p:sldSz cx="9144000" cy="6858000" type="screen4x3"/>
@@ -113,7 +113,7 @@
 </file>
 
 <file path=ppt/slideLayouts/slideLayout1.xml><?xml version="1.0" encoding="utf-8"?>
-<p:sldLayout xmlns:a="http://schemas.openxmlformats.org/drawingml/2006/main" xmlns:r="http://schemas.openxmlformats.org/officeDocument/2006/relationships" xmlns:p="http://schemas.openxmlformats.org/presentationml/2006/main" type="title" preserve="1">
+<p:sldLayout xmlns:a="http://schemas.openxmlformats.org/drawingml/2006/main" xmlns:r="http://schemas.openxmlformats.org/officeDocument/2006/relationships" xmlns:p="http://schemas.openxmlformats.org/presentationml/2006/main" showMasterSp="0" type="title" preserve="1">
   <p:cSld name="Title Slide">
     <p:spTree>
       <p:nvGrpSpPr>
@@ -131,35 +131,132 @@
       </p:grpSpPr>
       <p:sp>
         <p:nvSpPr>
-          <p:cNvPr id="2" name="Title 1"/>
-          <p:cNvSpPr>
-            <a:spLocks noGrp="1"/>
-          </p:cNvSpPr>
-          <p:nvPr>
-            <p:ph type="ctrTitle"/>
-          </p:nvPr>
+          <p:cNvPr id="10" name="Right Triangle 9"/>
+          <p:cNvSpPr/>
+          <p:nvPr/>
         </p:nvSpPr>
         <p:spPr>
           <a:xfrm>
-            <a:off x="685800" y="2130425"/>
-            <a:ext cx="7772400" cy="1470025"/>
+            <a:off x="-2" y="4664147"/>
+            <a:ext cx="9151089" cy="0"/>
+          </a:xfrm>
+          <a:prstGeom prst="rtTriangle">
+            <a:avLst/>
+          </a:prstGeom>
+          <a:gradFill flip="none" rotWithShape="1">
+            <a:gsLst>
+              <a:gs pos="0">
+                <a:schemeClr val="accent1">
+                  <a:shade val="35000"/>
+                  <a:satMod val="170000"/>
+                  <a:alpha val="100000"/>
+                </a:schemeClr>
+              </a:gs>
+              <a:gs pos="55000">
+                <a:schemeClr val="accent1">
+                  <a:tint val="90000"/>
+                  <a:satMod val="150000"/>
+                  <a:alpha val="100000"/>
+                </a:schemeClr>
+              </a:gs>
+              <a:gs pos="100000">
+                <a:schemeClr val="accent1">
+                  <a:shade val="35000"/>
+                  <a:satMod val="170000"/>
+                  <a:alpha val="100000"/>
+                </a:schemeClr>
+              </a:gs>
+            </a:gsLst>
+            <a:lin ang="3000000" scaled="1"/>
+            <a:tileRect/>
+          </a:gradFill>
+          <a:ln w="12700" cap="rnd" cmpd="thickThin" algn="ctr">
+            <a:noFill/>
+            <a:prstDash val="solid"/>
+          </a:ln>
+          <a:effectLst/>
+        </p:spPr>
+        <p:style>
+          <a:lnRef idx="3">
+            <a:schemeClr val="lt1"/>
+          </a:lnRef>
+          <a:fillRef idx="1">
+            <a:schemeClr val="accent1"/>
+          </a:fillRef>
+          <a:effectRef idx="1">
+            <a:schemeClr val="accent1"/>
+          </a:effectRef>
+          <a:fontRef idx="minor">
+            <a:schemeClr val="lt1"/>
+          </a:fontRef>
+        </p:style>
+        <p:txBody>
+          <a:bodyPr anchor="ctr"/>
+          <a:lstStyle>
+            <a:extLst/>
+          </a:lstStyle>
+          <a:p>
+            <a:pPr algn="ctr" eaLnBrk="1" latinLnBrk="0" hangingPunct="1"/>
+            <a:endParaRPr kumimoji="0" lang="en-US"/>
+          </a:p>
+        </p:txBody>
+      </p:sp>
+      <p:sp>
+        <p:nvSpPr>
+          <p:cNvPr id="9" name="Title 8"/>
+          <p:cNvSpPr>
+            <a:spLocks noGrp="1"/>
+          </p:cNvSpPr>
+          <p:nvPr>
+            <p:ph type="ctrTitle"/>
+          </p:nvPr>
+        </p:nvSpPr>
+        <p:spPr>
+          <a:xfrm>
+            <a:off x="685800" y="1752601"/>
+            <a:ext cx="7772400" cy="1829761"/>
           </a:xfrm>
         </p:spPr>
         <p:txBody>
-          <a:bodyPr/>
-          <a:lstStyle/>
-          <a:p>
-            <a:r>
-              <a:rPr lang="en-US" smtClean="0"/>
+          <a:bodyPr vert="horz" anchor="b">
+            <a:normAutofit/>
+            <a:scene3d>
+              <a:camera prst="orthographicFront"/>
+              <a:lightRig rig="soft" dir="t"/>
+            </a:scene3d>
+            <a:sp3d prstMaterial="softEdge">
+              <a:bevelT w="25400" h="25400"/>
+            </a:sp3d>
+          </a:bodyPr>
+          <a:lstStyle>
+            <a:lvl1pPr algn="r">
+              <a:defRPr sz="4800" b="1">
+                <a:solidFill>
+                  <a:schemeClr val="tx2"/>
+                </a:solidFill>
+                <a:effectLst>
+                  <a:outerShdw blurRad="31750" dist="25400" dir="5400000" algn="tl" rotWithShape="0">
+                    <a:srgbClr val="000000">
+                      <a:alpha val="25000"/>
+                    </a:srgbClr>
+                  </a:outerShdw>
+                </a:effectLst>
+              </a:defRPr>
+            </a:lvl1pPr>
+            <a:extLst/>
+          </a:lstStyle>
+          <a:p>
+            <a:r>
+              <a:rPr kumimoji="0" lang="en-US" smtClean="0"/>
               <a:t>Click to edit Master title style</a:t>
             </a:r>
-            <a:endParaRPr lang="en-US"/>
-          </a:p>
-        </p:txBody>
-      </p:sp>
-      <p:sp>
-        <p:nvSpPr>
-          <p:cNvPr id="3" name="Subtitle 2"/>
+            <a:endParaRPr kumimoji="0" lang="en-US"/>
+          </a:p>
+        </p:txBody>
+      </p:sp>
+      <p:sp>
+        <p:nvSpPr>
+          <p:cNvPr id="17" name="Subtitle 16"/>
           <p:cNvSpPr>
             <a:spLocks noGrp="1"/>
           </p:cNvSpPr>
@@ -169,172 +266,541 @@
         </p:nvSpPr>
         <p:spPr>
           <a:xfrm>
-            <a:off x="1371600" y="3886200"/>
-            <a:ext cx="6400800" cy="1752600"/>
+            <a:off x="685800" y="3611607"/>
+            <a:ext cx="7772400" cy="1199704"/>
           </a:xfrm>
         </p:spPr>
         <p:txBody>
-          <a:bodyPr/>
-          <a:lstStyle>
-            <a:lvl1pPr marL="0" indent="0" algn="ctr">
+          <a:bodyPr lIns="45720" rIns="45720"/>
+          <a:lstStyle>
+            <a:lvl1pPr marL="0" marR="64008" indent="0" algn="r">
               <a:buNone/>
               <a:defRPr>
                 <a:solidFill>
-                  <a:schemeClr val="tx1">
-                    <a:tint val="75000"/>
-                  </a:schemeClr>
+                  <a:schemeClr val="tx2"/>
                 </a:solidFill>
               </a:defRPr>
             </a:lvl1pPr>
             <a:lvl2pPr marL="457200" indent="0" algn="ctr">
               <a:buNone/>
+            </a:lvl2pPr>
+            <a:lvl3pPr marL="914400" indent="0" algn="ctr">
+              <a:buNone/>
+            </a:lvl3pPr>
+            <a:lvl4pPr marL="1371600" indent="0" algn="ctr">
+              <a:buNone/>
+            </a:lvl4pPr>
+            <a:lvl5pPr marL="1828800" indent="0" algn="ctr">
+              <a:buNone/>
+            </a:lvl5pPr>
+            <a:lvl6pPr marL="2286000" indent="0" algn="ctr">
+              <a:buNone/>
+            </a:lvl6pPr>
+            <a:lvl7pPr marL="2743200" indent="0" algn="ctr">
+              <a:buNone/>
+            </a:lvl7pPr>
+            <a:lvl8pPr marL="3200400" indent="0" algn="ctr">
+              <a:buNone/>
+            </a:lvl8pPr>
+            <a:lvl9pPr marL="3657600" indent="0" algn="ctr">
+              <a:buNone/>
+            </a:lvl9pPr>
+            <a:extLst/>
+          </a:lstStyle>
+          <a:p>
+            <a:r>
+              <a:rPr kumimoji="0" lang="en-US" smtClean="0"/>
+              <a:t>Click to edit Master subtitle style</a:t>
+            </a:r>
+            <a:endParaRPr kumimoji="0" lang="en-US"/>
+          </a:p>
+        </p:txBody>
+      </p:sp>
+      <p:grpSp>
+        <p:nvGrpSpPr>
+          <p:cNvPr id="2" name="Group 1"/>
+          <p:cNvGrpSpPr/>
+          <p:nvPr/>
+        </p:nvGrpSpPr>
+        <p:grpSpPr>
+          <a:xfrm>
+            <a:off x="-3765" y="4953000"/>
+            <a:ext cx="9147765" cy="1912088"/>
+            <a:chOff x="-3765" y="4832896"/>
+            <a:chExt cx="9147765" cy="2032192"/>
+          </a:xfrm>
+        </p:grpSpPr>
+        <p:sp>
+          <p:nvSpPr>
+            <p:cNvPr id="7" name="Freeform 6"/>
+            <p:cNvSpPr>
+              <a:spLocks/>
+            </p:cNvSpPr>
+            <p:nvPr/>
+          </p:nvSpPr>
+          <p:spPr bwMode="auto">
+            <a:xfrm>
+              <a:off x="1687513" y="4832896"/>
+              <a:ext cx="7456487" cy="518816"/>
+            </a:xfrm>
+            <a:custGeom>
+              <a:avLst>
+                <a:gd name="A1" fmla="val 0"/>
+                <a:gd name="A2" fmla="val 0"/>
+                <a:gd name="A3" fmla="val 0"/>
+                <a:gd name="A4" fmla="val 0"/>
+                <a:gd name="A5" fmla="val 0"/>
+                <a:gd name="A6" fmla="val 0"/>
+                <a:gd name="A7" fmla="val 0"/>
+                <a:gd name="A8" fmla="val 0"/>
+              </a:avLst>
+              <a:gdLst/>
+              <a:ahLst/>
+              <a:cxnLst>
+                <a:cxn ang="0">
+                  <a:pos x="4697" y="0"/>
+                </a:cxn>
+                <a:cxn ang="0">
+                  <a:pos x="4697" y="367"/>
+                </a:cxn>
+                <a:cxn ang="0">
+                  <a:pos x="0" y="218"/>
+                </a:cxn>
+                <a:cxn ang="0">
+                  <a:pos x="4697" y="0"/>
+                </a:cxn>
+              </a:cxnLst>
+              <a:rect l="0" t="0" r="0" b="0"/>
+              <a:pathLst>
+                <a:path w="4697" h="367">
+                  <a:moveTo>
+                    <a:pt x="4697" y="0"/>
+                  </a:moveTo>
+                  <a:lnTo>
+                    <a:pt x="4697" y="367"/>
+                  </a:lnTo>
+                  <a:lnTo>
+                    <a:pt x="0" y="218"/>
+                  </a:lnTo>
+                  <a:lnTo>
+                    <a:pt x="4697" y="0"/>
+                  </a:lnTo>
+                  <a:close/>
+                </a:path>
+              </a:pathLst>
+            </a:custGeom>
+            <a:solidFill>
+              <a:schemeClr val="accent1">
+                <a:tint val="65000"/>
+                <a:satMod val="115000"/>
+                <a:alpha val="40000"/>
+              </a:schemeClr>
+            </a:solidFill>
+            <a:ln w="9525" cap="flat" cmpd="sng" algn="ctr">
+              <a:noFill/>
+              <a:prstDash val="solid"/>
+              <a:round/>
+              <a:headEnd type="none" w="med" len="med"/>
+              <a:tailEnd type="none" w="med" len="med"/>
+            </a:ln>
+            <a:effectLst/>
+          </p:spPr>
+          <p:txBody>
+            <a:bodyPr vert="horz" wrap="square" lIns="91440" tIns="45720" rIns="91440" bIns="45720" anchor="t" compatLnSpc="1"/>
+            <a:lstStyle>
+              <a:extLst/>
+            </a:lstStyle>
+            <a:p>
+              <a:endParaRPr kumimoji="0" lang="en-US"/>
+            </a:p>
+          </p:txBody>
+        </p:sp>
+        <p:sp>
+          <p:nvSpPr>
+            <p:cNvPr id="8" name="Freeform 7"/>
+            <p:cNvSpPr>
+              <a:spLocks/>
+            </p:cNvSpPr>
+            <p:nvPr/>
+          </p:nvSpPr>
+          <p:spPr bwMode="auto">
+            <a:xfrm>
+              <a:off x="35443" y="5135526"/>
+              <a:ext cx="9108557" cy="838200"/>
+            </a:xfrm>
+            <a:custGeom>
+              <a:avLst>
+                <a:gd name="A1" fmla="val 0"/>
+                <a:gd name="A2" fmla="val 0"/>
+                <a:gd name="A3" fmla="val 0"/>
+                <a:gd name="A4" fmla="val 0"/>
+                <a:gd name="A5" fmla="val 0"/>
+                <a:gd name="A6" fmla="val 0"/>
+                <a:gd name="A7" fmla="val 0"/>
+                <a:gd name="A8" fmla="val 0"/>
+              </a:avLst>
+              <a:gdLst/>
+              <a:ahLst/>
+              <a:cxnLst>
+                <a:cxn ang="0">
+                  <a:pos x="0" y="0"/>
+                </a:cxn>
+                <a:cxn ang="0">
+                  <a:pos x="5760" y="0"/>
+                </a:cxn>
+                <a:cxn ang="0">
+                  <a:pos x="5760" y="528"/>
+                </a:cxn>
+                <a:cxn ang="0">
+                  <a:pos x="48" y="0"/>
+                </a:cxn>
+              </a:cxnLst>
+              <a:rect l="0" t="0" r="0" b="0"/>
+              <a:pathLst>
+                <a:path w="5760" h="528">
+                  <a:moveTo>
+                    <a:pt x="0" y="0"/>
+                  </a:moveTo>
+                  <a:lnTo>
+                    <a:pt x="5760" y="0"/>
+                  </a:lnTo>
+                  <a:lnTo>
+                    <a:pt x="5760" y="528"/>
+                  </a:lnTo>
+                  <a:lnTo>
+                    <a:pt x="48" y="0"/>
+                  </a:lnTo>
+                </a:path>
+              </a:pathLst>
+            </a:custGeom>
+            <a:solidFill>
+              <a:srgbClr val="000000">
+                <a:alpha val="100000"/>
+              </a:srgbClr>
+            </a:solidFill>
+            <a:ln w="9525" cap="flat" cmpd="sng" algn="ctr">
+              <a:noFill/>
+              <a:prstDash val="solid"/>
+              <a:round/>
+              <a:headEnd type="none" w="med" len="med"/>
+              <a:tailEnd type="none" w="med" len="med"/>
+            </a:ln>
+            <a:effectLst/>
+          </p:spPr>
+          <p:txBody>
+            <a:bodyPr vert="horz" wrap="square" lIns="91440" tIns="45720" rIns="91440" bIns="45720" anchor="t" compatLnSpc="1"/>
+            <a:lstStyle>
+              <a:extLst/>
+            </a:lstStyle>
+            <a:p>
+              <a:endParaRPr kumimoji="0" lang="en-US"/>
+            </a:p>
+          </p:txBody>
+        </p:sp>
+        <p:sp>
+          <p:nvSpPr>
+            <p:cNvPr id="11" name="Freeform 10"/>
+            <p:cNvSpPr>
+              <a:spLocks/>
+            </p:cNvSpPr>
+            <p:nvPr/>
+          </p:nvSpPr>
+          <p:spPr bwMode="auto">
+            <a:xfrm>
+              <a:off x="0" y="4883888"/>
+              <a:ext cx="9144000" cy="1981200"/>
+            </a:xfrm>
+            <a:custGeom>
+              <a:avLst>
+                <a:gd name="A1" fmla="val 0"/>
+                <a:gd name="A2" fmla="val 0"/>
+                <a:gd name="A3" fmla="val 0"/>
+                <a:gd name="A4" fmla="val 0"/>
+                <a:gd name="A5" fmla="val 0"/>
+                <a:gd name="A6" fmla="val 0"/>
+                <a:gd name="A7" fmla="val 0"/>
+                <a:gd name="A8" fmla="val 0"/>
+              </a:avLst>
+              <a:gdLst/>
+              <a:ahLst/>
+              <a:cxnLst>
+                <a:cxn ang="0">
+                  <a:pos x="0" y="0"/>
+                </a:cxn>
+                <a:cxn ang="0">
+                  <a:pos x="0" y="1248"/>
+                </a:cxn>
+                <a:cxn ang="0">
+                  <a:pos x="5760" y="1248"/>
+                </a:cxn>
+                <a:cxn ang="0">
+                  <a:pos x="5760" y="528"/>
+                </a:cxn>
+                <a:cxn ang="0">
+                  <a:pos x="0" y="0"/>
+                </a:cxn>
+              </a:cxnLst>
+              <a:rect l="0" t="0" r="0" b="0"/>
+              <a:pathLst>
+                <a:path w="5760" h="1248">
+                  <a:moveTo>
+                    <a:pt x="0" y="0"/>
+                  </a:moveTo>
+                  <a:lnTo>
+                    <a:pt x="0" y="1248"/>
+                  </a:lnTo>
+                  <a:lnTo>
+                    <a:pt x="5760" y="1248"/>
+                  </a:lnTo>
+                  <a:lnTo>
+                    <a:pt x="5760" y="528"/>
+                  </a:lnTo>
+                  <a:lnTo>
+                    <a:pt x="0" y="0"/>
+                  </a:lnTo>
+                  <a:close/>
+                </a:path>
+              </a:pathLst>
+            </a:custGeom>
+            <a:blipFill>
+              <a:blip r:embed="rId2">
+                <a:alphaModFix amt="50000"/>
+              </a:blip>
+              <a:tile tx="0" ty="0" sx="50000" sy="50000" flip="none" algn="t"/>
+            </a:blipFill>
+            <a:ln w="12700" cap="rnd" cmpd="thickThin" algn="ctr">
+              <a:noFill/>
+              <a:prstDash val="solid"/>
+            </a:ln>
+            <a:effectLst>
+              <a:fillOverlay blend="mult">
+                <a:gradFill flip="none" rotWithShape="1">
+                  <a:gsLst>
+                    <a:gs pos="0">
+                      <a:schemeClr val="accent1">
+                        <a:shade val="20000"/>
+                        <a:satMod val="176000"/>
+                        <a:alpha val="100000"/>
+                      </a:schemeClr>
+                    </a:gs>
+                    <a:gs pos="18000">
+                      <a:schemeClr val="accent1">
+                        <a:shade val="48000"/>
+                        <a:satMod val="153000"/>
+                        <a:alpha val="100000"/>
+                      </a:schemeClr>
+                    </a:gs>
+                    <a:gs pos="43000">
+                      <a:schemeClr val="accent1">
+                        <a:tint val="86000"/>
+                        <a:satMod val="149000"/>
+                        <a:alpha val="100000"/>
+                      </a:schemeClr>
+                    </a:gs>
+                    <a:gs pos="45000">
+                      <a:schemeClr val="accent1">
+                        <a:tint val="85000"/>
+                        <a:satMod val="150000"/>
+                        <a:alpha val="100000"/>
+                      </a:schemeClr>
+                    </a:gs>
+                    <a:gs pos="50000">
+                      <a:schemeClr val="accent1">
+                        <a:tint val="86000"/>
+                        <a:satMod val="149000"/>
+                        <a:alpha val="100000"/>
+                      </a:schemeClr>
+                    </a:gs>
+                    <a:gs pos="79000">
+                      <a:schemeClr val="accent1">
+                        <a:shade val="53000"/>
+                        <a:satMod val="150000"/>
+                        <a:alpha val="100000"/>
+                      </a:schemeClr>
+                    </a:gs>
+                    <a:gs pos="100000">
+                      <a:schemeClr val="accent1">
+                        <a:shade val="25000"/>
+                        <a:satMod val="170000"/>
+                        <a:alpha val="100000"/>
+                      </a:schemeClr>
+                    </a:gs>
+                  </a:gsLst>
+                  <a:lin ang="450000" scaled="1"/>
+                  <a:tileRect/>
+                </a:gradFill>
+              </a:fillOverlay>
+            </a:effectLst>
+          </p:spPr>
+          <p:style>
+            <a:lnRef idx="3">
+              <a:schemeClr val="lt1"/>
+            </a:lnRef>
+            <a:fillRef idx="1">
+              <a:schemeClr val="accent1"/>
+            </a:fillRef>
+            <a:effectRef idx="1">
+              <a:schemeClr val="accent1"/>
+            </a:effectRef>
+            <a:fontRef idx="minor">
+              <a:schemeClr val="lt1"/>
+            </a:fontRef>
+          </p:style>
+          <p:txBody>
+            <a:bodyPr vert="horz" wrap="square" lIns="91440" tIns="45720" rIns="91440" bIns="45720" anchor="ctr" compatLnSpc="1"/>
+            <a:lstStyle>
+              <a:extLst/>
+            </a:lstStyle>
+            <a:p>
+              <a:pPr algn="ctr" eaLnBrk="1" latinLnBrk="0" hangingPunct="1"/>
+              <a:endParaRPr kumimoji="0" lang="en-US"/>
+            </a:p>
+          </p:txBody>
+        </p:sp>
+        <p:cxnSp>
+          <p:nvCxnSpPr>
+            <p:cNvPr id="12" name="Straight Connector 11"/>
+            <p:cNvCxnSpPr/>
+            <p:nvPr/>
+          </p:nvCxnSpPr>
+          <p:spPr>
+            <a:xfrm>
+              <a:off x="-3765" y="4880373"/>
+              <a:ext cx="9147765" cy="839943"/>
+            </a:xfrm>
+            <a:prstGeom prst="line">
+              <a:avLst/>
+            </a:prstGeom>
+            <a:noFill/>
+            <a:ln w="12065" cap="flat" cmpd="sng" algn="ctr">
+              <a:gradFill>
+                <a:gsLst>
+                  <a:gs pos="45000">
+                    <a:schemeClr val="accent1">
+                      <a:tint val="70000"/>
+                      <a:satMod val="110000"/>
+                    </a:schemeClr>
+                  </a:gs>
+                  <a:gs pos="15000">
+                    <a:schemeClr val="accent1">
+                      <a:shade val="40000"/>
+                      <a:satMod val="110000"/>
+                    </a:schemeClr>
+                  </a:gs>
+                </a:gsLst>
+                <a:lin ang="5400000" scaled="1"/>
+              </a:gradFill>
+              <a:prstDash val="solid"/>
+              <a:miter lim="800000"/>
+            </a:ln>
+            <a:effectLst/>
+          </p:spPr>
+          <p:style>
+            <a:lnRef idx="2">
+              <a:schemeClr val="accent1"/>
+            </a:lnRef>
+            <a:fillRef idx="0">
+              <a:schemeClr val="accent1"/>
+            </a:fillRef>
+            <a:effectRef idx="1">
+              <a:schemeClr val="accent1"/>
+            </a:effectRef>
+            <a:fontRef idx="minor">
+              <a:schemeClr val="tx1"/>
+            </a:fontRef>
+          </p:style>
+        </p:cxnSp>
+      </p:grpSp>
+      <p:sp>
+        <p:nvSpPr>
+          <p:cNvPr id="30" name="Date Placeholder 29"/>
+          <p:cNvSpPr>
+            <a:spLocks noGrp="1"/>
+          </p:cNvSpPr>
+          <p:nvPr>
+            <p:ph type="dt" sz="half" idx="10"/>
+          </p:nvPr>
+        </p:nvSpPr>
+        <p:spPr/>
+        <p:txBody>
+          <a:bodyPr/>
+          <a:lstStyle>
+            <a:lvl1pPr>
               <a:defRPr>
                 <a:solidFill>
-                  <a:schemeClr val="tx1">
-                    <a:tint val="75000"/>
+                  <a:srgbClr val="FFFFFF"/>
+                </a:solidFill>
+              </a:defRPr>
+            </a:lvl1pPr>
+            <a:extLst/>
+          </a:lstStyle>
+          <a:p>
+            <a:fld id="{4C6D5288-1711-894E-96C7-094693E6B174}" type="datetimeFigureOut">
+              <a:rPr lang="en-US" smtClean="0"/>
+              <a:pPr/>
+              <a:t>11/29/2012</a:t>
+            </a:fld>
+            <a:endParaRPr lang="en-US"/>
+          </a:p>
+        </p:txBody>
+      </p:sp>
+      <p:sp>
+        <p:nvSpPr>
+          <p:cNvPr id="19" name="Footer Placeholder 18"/>
+          <p:cNvSpPr>
+            <a:spLocks noGrp="1"/>
+          </p:cNvSpPr>
+          <p:nvPr>
+            <p:ph type="ftr" sz="quarter" idx="11"/>
+          </p:nvPr>
+        </p:nvSpPr>
+        <p:spPr/>
+        <p:txBody>
+          <a:bodyPr/>
+          <a:lstStyle>
+            <a:lvl1pPr>
+              <a:defRPr>
+                <a:solidFill>
+                  <a:schemeClr val="accent1">
+                    <a:tint val="20000"/>
                   </a:schemeClr>
                 </a:solidFill>
               </a:defRPr>
-            </a:lvl2pPr>
-            <a:lvl3pPr marL="914400" indent="0" algn="ctr">
-              <a:buNone/>
+            </a:lvl1pPr>
+            <a:extLst/>
+          </a:lstStyle>
+          <a:p>
+            <a:endParaRPr lang="en-US"/>
+          </a:p>
+        </p:txBody>
+      </p:sp>
+      <p:sp>
+        <p:nvSpPr>
+          <p:cNvPr id="27" name="Slide Number Placeholder 26"/>
+          <p:cNvSpPr>
+            <a:spLocks noGrp="1"/>
+          </p:cNvSpPr>
+          <p:nvPr>
+            <p:ph type="sldNum" sz="quarter" idx="12"/>
+          </p:nvPr>
+        </p:nvSpPr>
+        <p:spPr/>
+        <p:txBody>
+          <a:bodyPr/>
+          <a:lstStyle>
+            <a:lvl1pPr>
               <a:defRPr>
                 <a:solidFill>
-                  <a:schemeClr val="tx1">
-                    <a:tint val="75000"/>
-                  </a:schemeClr>
+                  <a:srgbClr val="FFFFFF"/>
                 </a:solidFill>
               </a:defRPr>
-            </a:lvl3pPr>
-            <a:lvl4pPr marL="1371600" indent="0" algn="ctr">
-              <a:buNone/>
-              <a:defRPr>
-                <a:solidFill>
-                  <a:schemeClr val="tx1">
-                    <a:tint val="75000"/>
-                  </a:schemeClr>
-                </a:solidFill>
-              </a:defRPr>
-            </a:lvl4pPr>
-            <a:lvl5pPr marL="1828800" indent="0" algn="ctr">
-              <a:buNone/>
-              <a:defRPr>
-                <a:solidFill>
-                  <a:schemeClr val="tx1">
-                    <a:tint val="75000"/>
-                  </a:schemeClr>
-                </a:solidFill>
-              </a:defRPr>
-            </a:lvl5pPr>
-            <a:lvl6pPr marL="2286000" indent="0" algn="ctr">
-              <a:buNone/>
-              <a:defRPr>
-                <a:solidFill>
-                  <a:schemeClr val="tx1">
-                    <a:tint val="75000"/>
-                  </a:schemeClr>
-                </a:solidFill>
-              </a:defRPr>
-            </a:lvl6pPr>
-            <a:lvl7pPr marL="2743200" indent="0" algn="ctr">
-              <a:buNone/>
-              <a:defRPr>
-                <a:solidFill>
-                  <a:schemeClr val="tx1">
-                    <a:tint val="75000"/>
-                  </a:schemeClr>
-                </a:solidFill>
-              </a:defRPr>
-            </a:lvl7pPr>
-            <a:lvl8pPr marL="3200400" indent="0" algn="ctr">
-              <a:buNone/>
-              <a:defRPr>
-                <a:solidFill>
-                  <a:schemeClr val="tx1">
-                    <a:tint val="75000"/>
-                  </a:schemeClr>
-                </a:solidFill>
-              </a:defRPr>
-            </a:lvl8pPr>
-            <a:lvl9pPr marL="3657600" indent="0" algn="ctr">
-              <a:buNone/>
-              <a:defRPr>
-                <a:solidFill>
-                  <a:schemeClr val="tx1">
-                    <a:tint val="75000"/>
-                  </a:schemeClr>
-                </a:solidFill>
-              </a:defRPr>
-            </a:lvl9pPr>
-          </a:lstStyle>
-          <a:p>
-            <a:r>
-              <a:rPr lang="en-US" smtClean="0"/>
-              <a:t>Click to edit Master subtitle style</a:t>
-            </a:r>
-            <a:endParaRPr lang="en-US"/>
-          </a:p>
-        </p:txBody>
-      </p:sp>
-      <p:sp>
-        <p:nvSpPr>
-          <p:cNvPr id="4" name="Date Placeholder 3"/>
-          <p:cNvSpPr>
-            <a:spLocks noGrp="1"/>
-          </p:cNvSpPr>
-          <p:nvPr>
-            <p:ph type="dt" sz="half" idx="10"/>
-          </p:nvPr>
-        </p:nvSpPr>
-        <p:spPr/>
-        <p:txBody>
-          <a:bodyPr/>
-          <a:lstStyle/>
-          <a:p>
-            <a:fld id="{4C6D5288-1711-894E-96C7-094693E6B174}" type="datetimeFigureOut">
-              <a:rPr lang="en-US" smtClean="0"/>
-              <a:t>11/29/12</a:t>
-            </a:fld>
-            <a:endParaRPr lang="en-US"/>
-          </a:p>
-        </p:txBody>
-      </p:sp>
-      <p:sp>
-        <p:nvSpPr>
-          <p:cNvPr id="5" name="Footer Placeholder 4"/>
-          <p:cNvSpPr>
-            <a:spLocks noGrp="1"/>
-          </p:cNvSpPr>
-          <p:nvPr>
-            <p:ph type="ftr" sz="quarter" idx="11"/>
-          </p:nvPr>
-        </p:nvSpPr>
-        <p:spPr/>
-        <p:txBody>
-          <a:bodyPr/>
-          <a:lstStyle/>
-          <a:p>
-            <a:endParaRPr lang="en-US"/>
-          </a:p>
-        </p:txBody>
-      </p:sp>
-      <p:sp>
-        <p:nvSpPr>
-          <p:cNvPr id="6" name="Slide Number Placeholder 5"/>
-          <p:cNvSpPr>
-            <a:spLocks noGrp="1"/>
-          </p:cNvSpPr>
-          <p:nvPr>
-            <p:ph type="sldNum" sz="quarter" idx="12"/>
-          </p:nvPr>
-        </p:nvSpPr>
-        <p:spPr/>
-        <p:txBody>
-          <a:bodyPr/>
-          <a:lstStyle/>
+            </a:lvl1pPr>
+            <a:extLst/>
+          </a:lstStyle>
           <a:p>
             <a:fld id="{01E9B5BF-8D33-8D4C-BBFA-D2487A3BB635}" type="slidenum">
               <a:rPr lang="en-US" smtClean="0"/>
+              <a:pPr/>
               <a:t>‹#›</a:t>
             </a:fld>
             <a:endParaRPr lang="en-US"/>
@@ -342,11 +808,6 @@
         </p:txBody>
       </p:sp>
     </p:spTree>
-    <p:extLst>
-      <p:ext uri="{BB962C8B-B14F-4D97-AF65-F5344CB8AC3E}">
-        <p14:creationId xmlns:p14="http://schemas.microsoft.com/office/powerpoint/2010/main" val="2702019936"/>
-      </p:ext>
-    </p:extLst>
   </p:cSld>
   <p:clrMapOvr>
     <a:masterClrMapping/>
@@ -384,13 +845,15 @@
         <p:spPr/>
         <p:txBody>
           <a:bodyPr/>
-          <a:lstStyle/>
-          <a:p>
-            <a:r>
-              <a:rPr lang="en-US" smtClean="0"/>
+          <a:lstStyle>
+            <a:extLst/>
+          </a:lstStyle>
+          <a:p>
+            <a:r>
+              <a:rPr kumimoji="0" lang="en-US" smtClean="0"/>
               <a:t>Click to edit Master title style</a:t>
             </a:r>
-            <a:endParaRPr lang="en-US"/>
+            <a:endParaRPr kumimoji="0" lang="en-US"/>
           </a:p>
         </p:txBody>
       </p:sp>
@@ -404,66 +867,76 @@
             <p:ph type="body" orient="vert" idx="1"/>
           </p:nvPr>
         </p:nvSpPr>
+        <p:spPr>
+          <a:xfrm>
+            <a:off x="457200" y="1481329"/>
+            <a:ext cx="8229600" cy="4386071"/>
+          </a:xfrm>
+        </p:spPr>
+        <p:txBody>
+          <a:bodyPr vert="eaVert"/>
+          <a:lstStyle>
+            <a:extLst/>
+          </a:lstStyle>
+          <a:p>
+            <a:pPr lvl="0" eaLnBrk="1" latinLnBrk="0" hangingPunct="1"/>
+            <a:r>
+              <a:rPr lang="en-US" smtClean="0"/>
+              <a:t>Click to edit Master text styles</a:t>
+            </a:r>
+          </a:p>
+          <a:p>
+            <a:pPr lvl="1" eaLnBrk="1" latinLnBrk="0" hangingPunct="1"/>
+            <a:r>
+              <a:rPr lang="en-US" smtClean="0"/>
+              <a:t>Second level</a:t>
+            </a:r>
+          </a:p>
+          <a:p>
+            <a:pPr lvl="2" eaLnBrk="1" latinLnBrk="0" hangingPunct="1"/>
+            <a:r>
+              <a:rPr lang="en-US" smtClean="0"/>
+              <a:t>Third level</a:t>
+            </a:r>
+          </a:p>
+          <a:p>
+            <a:pPr lvl="3" eaLnBrk="1" latinLnBrk="0" hangingPunct="1"/>
+            <a:r>
+              <a:rPr lang="en-US" smtClean="0"/>
+              <a:t>Fourth level</a:t>
+            </a:r>
+          </a:p>
+          <a:p>
+            <a:pPr lvl="4" eaLnBrk="1" latinLnBrk="0" hangingPunct="1"/>
+            <a:r>
+              <a:rPr lang="en-US" smtClean="0"/>
+              <a:t>Fifth level</a:t>
+            </a:r>
+            <a:endParaRPr kumimoji="0" lang="en-US"/>
+          </a:p>
+        </p:txBody>
+      </p:sp>
+      <p:sp>
+        <p:nvSpPr>
+          <p:cNvPr id="4" name="Date Placeholder 3"/>
+          <p:cNvSpPr>
+            <a:spLocks noGrp="1"/>
+          </p:cNvSpPr>
+          <p:nvPr>
+            <p:ph type="dt" sz="half" idx="10"/>
+          </p:nvPr>
+        </p:nvSpPr>
         <p:spPr/>
         <p:txBody>
-          <a:bodyPr vert="eaVert"/>
-          <a:lstStyle/>
-          <a:p>
-            <a:pPr lvl="0"/>
-            <a:r>
-              <a:rPr lang="en-US" smtClean="0"/>
-              <a:t>Click to edit Master text styles</a:t>
-            </a:r>
-          </a:p>
-          <a:p>
-            <a:pPr lvl="1"/>
-            <a:r>
-              <a:rPr lang="en-US" smtClean="0"/>
-              <a:t>Second level</a:t>
-            </a:r>
-          </a:p>
-          <a:p>
-            <a:pPr lvl="2"/>
-            <a:r>
-              <a:rPr lang="en-US" smtClean="0"/>
-              <a:t>Third level</a:t>
-            </a:r>
-          </a:p>
-          <a:p>
-            <a:pPr lvl="3"/>
-            <a:r>
-              <a:rPr lang="en-US" smtClean="0"/>
-              <a:t>Fourth level</a:t>
-            </a:r>
-          </a:p>
-          <a:p>
-            <a:pPr lvl="4"/>
-            <a:r>
-              <a:rPr lang="en-US" smtClean="0"/>
-              <a:t>Fifth level</a:t>
-            </a:r>
-            <a:endParaRPr lang="en-US"/>
-          </a:p>
-        </p:txBody>
-      </p:sp>
-      <p:sp>
-        <p:nvSpPr>
-          <p:cNvPr id="4" name="Date Placeholder 3"/>
-          <p:cNvSpPr>
-            <a:spLocks noGrp="1"/>
-          </p:cNvSpPr>
-          <p:nvPr>
-            <p:ph type="dt" sz="half" idx="10"/>
-          </p:nvPr>
-        </p:nvSpPr>
-        <p:spPr/>
-        <p:txBody>
           <a:bodyPr/>
-          <a:lstStyle/>
+          <a:lstStyle>
+            <a:extLst/>
+          </a:lstStyle>
           <a:p>
             <a:fld id="{4C6D5288-1711-894E-96C7-094693E6B174}" type="datetimeFigureOut">
               <a:rPr lang="en-US" smtClean="0"/>
-              <a:t>11/29/12</a:t>
+              <a:pPr/>
+              <a:t>11/29/2012</a:t>
             </a:fld>
             <a:endParaRPr lang="en-US"/>
           </a:p>
@@ -482,7 +955,9 @@
         <p:spPr/>
         <p:txBody>
           <a:bodyPr/>
-          <a:lstStyle/>
+          <a:lstStyle>
+            <a:extLst/>
+          </a:lstStyle>
           <a:p>
             <a:endParaRPr lang="en-US"/>
           </a:p>
@@ -501,10 +976,13 @@
         <p:spPr/>
         <p:txBody>
           <a:bodyPr/>
-          <a:lstStyle/>
+          <a:lstStyle>
+            <a:extLst/>
+          </a:lstStyle>
           <a:p>
             <a:fld id="{01E9B5BF-8D33-8D4C-BBFA-D2487A3BB635}" type="slidenum">
               <a:rPr lang="en-US" smtClean="0"/>
+              <a:pPr/>
               <a:t>‹#›</a:t>
             </a:fld>
             <a:endParaRPr lang="en-US"/>
@@ -512,11 +990,6 @@
         </p:txBody>
       </p:sp>
     </p:spTree>
-    <p:extLst>
-      <p:ext uri="{BB962C8B-B14F-4D97-AF65-F5344CB8AC3E}">
-        <p14:creationId xmlns:p14="http://schemas.microsoft.com/office/powerpoint/2010/main" val="2949498235"/>
-      </p:ext>
-    </p:extLst>
   </p:cSld>
   <p:clrMapOvr>
     <a:masterClrMapping/>
@@ -553,19 +1026,21 @@
         </p:nvSpPr>
         <p:spPr>
           <a:xfrm>
-            <a:off x="6629400" y="274638"/>
-            <a:ext cx="2057400" cy="5851525"/>
+            <a:off x="6844013" y="274640"/>
+            <a:ext cx="1777470" cy="5592761"/>
           </a:xfrm>
         </p:spPr>
         <p:txBody>
           <a:bodyPr vert="eaVert"/>
-          <a:lstStyle/>
-          <a:p>
-            <a:r>
-              <a:rPr lang="en-US" smtClean="0"/>
+          <a:lstStyle>
+            <a:extLst/>
+          </a:lstStyle>
+          <a:p>
+            <a:r>
+              <a:rPr kumimoji="0" lang="en-US" smtClean="0"/>
               <a:t>Click to edit Master title style</a:t>
             </a:r>
-            <a:endParaRPr lang="en-US"/>
+            <a:endParaRPr kumimoji="0" lang="en-US"/>
           </a:p>
         </p:txBody>
       </p:sp>
@@ -581,48 +1056,50 @@
         </p:nvSpPr>
         <p:spPr>
           <a:xfrm>
-            <a:off x="457200" y="274638"/>
-            <a:ext cx="6019800" cy="5851525"/>
+            <a:off x="457200" y="274641"/>
+            <a:ext cx="6324600" cy="5592760"/>
           </a:xfrm>
         </p:spPr>
         <p:txBody>
           <a:bodyPr vert="eaVert"/>
-          <a:lstStyle/>
-          <a:p>
-            <a:pPr lvl="0"/>
+          <a:lstStyle>
+            <a:extLst/>
+          </a:lstStyle>
+          <a:p>
+            <a:pPr lvl="0" eaLnBrk="1" latinLnBrk="0" hangingPunct="1"/>
             <a:r>
               <a:rPr lang="en-US" smtClean="0"/>
               <a:t>Click to edit Master text styles</a:t>
             </a:r>
           </a:p>
           <a:p>
-            <a:pPr lvl="1"/>
+            <a:pPr lvl="1" eaLnBrk="1" latinLnBrk="0" hangingPunct="1"/>
             <a:r>
               <a:rPr lang="en-US" smtClean="0"/>
               <a:t>Second level</a:t>
             </a:r>
           </a:p>
           <a:p>
-            <a:pPr lvl="2"/>
+            <a:pPr lvl="2" eaLnBrk="1" latinLnBrk="0" hangingPunct="1"/>
             <a:r>
               <a:rPr lang="en-US" smtClean="0"/>
               <a:t>Third level</a:t>
             </a:r>
           </a:p>
           <a:p>
-            <a:pPr lvl="3"/>
+            <a:pPr lvl="3" eaLnBrk="1" latinLnBrk="0" hangingPunct="1"/>
             <a:r>
               <a:rPr lang="en-US" smtClean="0"/>
               <a:t>Fourth level</a:t>
             </a:r>
           </a:p>
           <a:p>
-            <a:pPr lvl="4"/>
+            <a:pPr lvl="4" eaLnBrk="1" latinLnBrk="0" hangingPunct="1"/>
             <a:r>
               <a:rPr lang="en-US" smtClean="0"/>
               <a:t>Fifth level</a:t>
             </a:r>
-            <a:endParaRPr lang="en-US"/>
+            <a:endParaRPr kumimoji="0" lang="en-US"/>
           </a:p>
         </p:txBody>
       </p:sp>
@@ -639,11 +1116,14 @@
         <p:spPr/>
         <p:txBody>
           <a:bodyPr/>
-          <a:lstStyle/>
+          <a:lstStyle>
+            <a:extLst/>
+          </a:lstStyle>
           <a:p>
             <a:fld id="{4C6D5288-1711-894E-96C7-094693E6B174}" type="datetimeFigureOut">
               <a:rPr lang="en-US" smtClean="0"/>
-              <a:t>11/29/12</a:t>
+              <a:pPr/>
+              <a:t>11/29/2012</a:t>
             </a:fld>
             <a:endParaRPr lang="en-US"/>
           </a:p>
@@ -662,7 +1142,9 @@
         <p:spPr/>
         <p:txBody>
           <a:bodyPr/>
-          <a:lstStyle/>
+          <a:lstStyle>
+            <a:extLst/>
+          </a:lstStyle>
           <a:p>
             <a:endParaRPr lang="en-US"/>
           </a:p>
@@ -681,10 +1163,13 @@
         <p:spPr/>
         <p:txBody>
           <a:bodyPr/>
-          <a:lstStyle/>
+          <a:lstStyle>
+            <a:extLst/>
+          </a:lstStyle>
           <a:p>
             <a:fld id="{01E9B5BF-8D33-8D4C-BBFA-D2487A3BB635}" type="slidenum">
               <a:rPr lang="en-US" smtClean="0"/>
+              <a:pPr/>
               <a:t>‹#›</a:t>
             </a:fld>
             <a:endParaRPr lang="en-US"/>
@@ -692,11 +1177,6 @@
         </p:txBody>
       </p:sp>
     </p:spTree>
-    <p:extLst>
-      <p:ext uri="{BB962C8B-B14F-4D97-AF65-F5344CB8AC3E}">
-        <p14:creationId xmlns:p14="http://schemas.microsoft.com/office/powerpoint/2010/main" val="1427941222"/>
-      </p:ext>
-    </p:extLst>
   </p:cSld>
   <p:clrMapOvr>
     <a:masterClrMapping/>
@@ -723,97 +1203,79 @@
       </p:grpSpPr>
       <p:sp>
         <p:nvSpPr>
-          <p:cNvPr id="2" name="Title 1"/>
-          <p:cNvSpPr>
-            <a:spLocks noGrp="1"/>
-          </p:cNvSpPr>
-          <p:nvPr>
-            <p:ph type="title"/>
+          <p:cNvPr id="3" name="Content Placeholder 2"/>
+          <p:cNvSpPr>
+            <a:spLocks noGrp="1"/>
+          </p:cNvSpPr>
+          <p:nvPr>
+            <p:ph idx="1"/>
           </p:nvPr>
         </p:nvSpPr>
         <p:spPr/>
         <p:txBody>
           <a:bodyPr/>
-          <a:lstStyle/>
-          <a:p>
-            <a:r>
-              <a:rPr lang="en-US" smtClean="0"/>
-              <a:t>Click to edit Master title style</a:t>
-            </a:r>
-            <a:endParaRPr lang="en-US"/>
-          </a:p>
-        </p:txBody>
-      </p:sp>
-      <p:sp>
-        <p:nvSpPr>
-          <p:cNvPr id="3" name="Content Placeholder 2"/>
-          <p:cNvSpPr>
-            <a:spLocks noGrp="1"/>
-          </p:cNvSpPr>
-          <p:nvPr>
-            <p:ph idx="1"/>
+          <a:lstStyle>
+            <a:extLst/>
+          </a:lstStyle>
+          <a:p>
+            <a:pPr lvl="0" eaLnBrk="1" latinLnBrk="0" hangingPunct="1"/>
+            <a:r>
+              <a:rPr lang="en-US" smtClean="0"/>
+              <a:t>Click to edit Master text styles</a:t>
+            </a:r>
+          </a:p>
+          <a:p>
+            <a:pPr lvl="1" eaLnBrk="1" latinLnBrk="0" hangingPunct="1"/>
+            <a:r>
+              <a:rPr lang="en-US" smtClean="0"/>
+              <a:t>Second level</a:t>
+            </a:r>
+          </a:p>
+          <a:p>
+            <a:pPr lvl="2" eaLnBrk="1" latinLnBrk="0" hangingPunct="1"/>
+            <a:r>
+              <a:rPr lang="en-US" smtClean="0"/>
+              <a:t>Third level</a:t>
+            </a:r>
+          </a:p>
+          <a:p>
+            <a:pPr lvl="3" eaLnBrk="1" latinLnBrk="0" hangingPunct="1"/>
+            <a:r>
+              <a:rPr lang="en-US" smtClean="0"/>
+              <a:t>Fourth level</a:t>
+            </a:r>
+          </a:p>
+          <a:p>
+            <a:pPr lvl="4" eaLnBrk="1" latinLnBrk="0" hangingPunct="1"/>
+            <a:r>
+              <a:rPr lang="en-US" smtClean="0"/>
+              <a:t>Fifth level</a:t>
+            </a:r>
+            <a:endParaRPr kumimoji="0" lang="en-US"/>
+          </a:p>
+        </p:txBody>
+      </p:sp>
+      <p:sp>
+        <p:nvSpPr>
+          <p:cNvPr id="4" name="Date Placeholder 3"/>
+          <p:cNvSpPr>
+            <a:spLocks noGrp="1"/>
+          </p:cNvSpPr>
+          <p:nvPr>
+            <p:ph type="dt" sz="half" idx="10"/>
           </p:nvPr>
         </p:nvSpPr>
         <p:spPr/>
         <p:txBody>
           <a:bodyPr/>
-          <a:lstStyle/>
-          <a:p>
-            <a:pPr lvl="0"/>
-            <a:r>
-              <a:rPr lang="en-US" smtClean="0"/>
-              <a:t>Click to edit Master text styles</a:t>
-            </a:r>
-          </a:p>
-          <a:p>
-            <a:pPr lvl="1"/>
-            <a:r>
-              <a:rPr lang="en-US" smtClean="0"/>
-              <a:t>Second level</a:t>
-            </a:r>
-          </a:p>
-          <a:p>
-            <a:pPr lvl="2"/>
-            <a:r>
-              <a:rPr lang="en-US" smtClean="0"/>
-              <a:t>Third level</a:t>
-            </a:r>
-          </a:p>
-          <a:p>
-            <a:pPr lvl="3"/>
-            <a:r>
-              <a:rPr lang="en-US" smtClean="0"/>
-              <a:t>Fourth level</a:t>
-            </a:r>
-          </a:p>
-          <a:p>
-            <a:pPr lvl="4"/>
-            <a:r>
-              <a:rPr lang="en-US" smtClean="0"/>
-              <a:t>Fifth level</a:t>
-            </a:r>
-            <a:endParaRPr lang="en-US"/>
-          </a:p>
-        </p:txBody>
-      </p:sp>
-      <p:sp>
-        <p:nvSpPr>
-          <p:cNvPr id="4" name="Date Placeholder 3"/>
-          <p:cNvSpPr>
-            <a:spLocks noGrp="1"/>
-          </p:cNvSpPr>
-          <p:nvPr>
-            <p:ph type="dt" sz="half" idx="10"/>
-          </p:nvPr>
-        </p:nvSpPr>
-        <p:spPr/>
-        <p:txBody>
-          <a:bodyPr/>
-          <a:lstStyle/>
+          <a:lstStyle>
+            <a:extLst/>
+          </a:lstStyle>
           <a:p>
             <a:fld id="{4C6D5288-1711-894E-96C7-094693E6B174}" type="datetimeFigureOut">
               <a:rPr lang="en-US" smtClean="0"/>
-              <a:t>11/29/12</a:t>
+              <a:pPr/>
+              <a:t>11/29/2012</a:t>
             </a:fld>
             <a:endParaRPr lang="en-US"/>
           </a:p>
@@ -832,7 +1294,9 @@
         <p:spPr/>
         <p:txBody>
           <a:bodyPr/>
-          <a:lstStyle/>
+          <a:lstStyle>
+            <a:extLst/>
+          </a:lstStyle>
           <a:p>
             <a:endParaRPr lang="en-US"/>
           </a:p>
@@ -851,22 +1315,45 @@
         <p:spPr/>
         <p:txBody>
           <a:bodyPr/>
-          <a:lstStyle/>
+          <a:lstStyle>
+            <a:extLst/>
+          </a:lstStyle>
           <a:p>
             <a:fld id="{01E9B5BF-8D33-8D4C-BBFA-D2487A3BB635}" type="slidenum">
               <a:rPr lang="en-US" smtClean="0"/>
+              <a:pPr/>
               <a:t>‹#›</a:t>
             </a:fld>
             <a:endParaRPr lang="en-US"/>
           </a:p>
         </p:txBody>
       </p:sp>
+      <p:sp>
+        <p:nvSpPr>
+          <p:cNvPr id="7" name="Title 6"/>
+          <p:cNvSpPr>
+            <a:spLocks noGrp="1"/>
+          </p:cNvSpPr>
+          <p:nvPr>
+            <p:ph type="title"/>
+          </p:nvPr>
+        </p:nvSpPr>
+        <p:spPr/>
+        <p:txBody>
+          <a:bodyPr rtlCol="0"/>
+          <a:lstStyle>
+            <a:extLst/>
+          </a:lstStyle>
+          <a:p>
+            <a:r>
+              <a:rPr kumimoji="0" lang="en-US" smtClean="0"/>
+              <a:t>Click to edit Master title style</a:t>
+            </a:r>
+            <a:endParaRPr kumimoji="0" lang="en-US"/>
+          </a:p>
+        </p:txBody>
+      </p:sp>
     </p:spTree>
-    <p:extLst>
-      <p:ext uri="{BB962C8B-B14F-4D97-AF65-F5344CB8AC3E}">
-        <p14:creationId xmlns:p14="http://schemas.microsoft.com/office/powerpoint/2010/main" val="2275933374"/>
-      </p:ext>
-    </p:extLst>
   </p:cSld>
   <p:clrMapOvr>
     <a:masterClrMapping/>
@@ -877,6 +1364,11 @@
 <file path=ppt/slideLayouts/slideLayout3.xml><?xml version="1.0" encoding="utf-8"?>
 <p:sldLayout xmlns:a="http://schemas.openxmlformats.org/drawingml/2006/main" xmlns:r="http://schemas.openxmlformats.org/officeDocument/2006/relationships" xmlns:p="http://schemas.openxmlformats.org/presentationml/2006/main" type="secHead" preserve="1">
   <p:cSld name="Section Header">
+    <p:bg>
+      <p:bgRef idx="1002">
+        <a:schemeClr val="bg1"/>
+      </p:bgRef>
+    </p:bg>
     <p:spTree>
       <p:nvGrpSpPr>
         <p:cNvPr id="1" name=""/>
@@ -903,23 +1395,42 @@
         </p:nvSpPr>
         <p:spPr>
           <a:xfrm>
-            <a:off x="722313" y="4406900"/>
-            <a:ext cx="7772400" cy="1362075"/>
+            <a:off x="722376" y="1059712"/>
+            <a:ext cx="7772400" cy="1828800"/>
           </a:xfrm>
         </p:spPr>
         <p:txBody>
-          <a:bodyPr anchor="t"/>
-          <a:lstStyle>
-            <a:lvl1pPr algn="l">
-              <a:defRPr sz="4000" b="1" cap="all"/>
+          <a:bodyPr vert="horz" anchor="b">
+            <a:normAutofit/>
+            <a:scene3d>
+              <a:camera prst="orthographicFront"/>
+              <a:lightRig rig="soft" dir="t"/>
+            </a:scene3d>
+            <a:sp3d prstMaterial="softEdge">
+              <a:bevelT w="25400" h="25400"/>
+            </a:sp3d>
+          </a:bodyPr>
+          <a:lstStyle>
+            <a:lvl1pPr algn="r">
+              <a:buNone/>
+              <a:defRPr sz="4800" b="1" cap="none" baseline="0">
+                <a:effectLst>
+                  <a:outerShdw blurRad="31750" dist="25400" dir="5400000" algn="tl" rotWithShape="0">
+                    <a:srgbClr val="000000">
+                      <a:alpha val="25000"/>
+                    </a:srgbClr>
+                  </a:outerShdw>
+                </a:effectLst>
+              </a:defRPr>
             </a:lvl1pPr>
-          </a:lstStyle>
-          <a:p>
-            <a:r>
-              <a:rPr lang="en-US" smtClean="0"/>
+            <a:extLst/>
+          </a:lstStyle>
+          <a:p>
+            <a:r>
+              <a:rPr kumimoji="0" lang="en-US" smtClean="0"/>
               <a:t>Click to edit Master title style</a:t>
             </a:r>
-            <a:endParaRPr lang="en-US"/>
+            <a:endParaRPr kumimoji="0" lang="en-US"/>
           </a:p>
         </p:txBody>
       </p:sp>
@@ -935,24 +1446,22 @@
         </p:nvSpPr>
         <p:spPr>
           <a:xfrm>
-            <a:off x="722313" y="2906713"/>
-            <a:ext cx="7772400" cy="1500187"/>
+            <a:off x="3922713" y="2931712"/>
+            <a:ext cx="4572000" cy="1454888"/>
           </a:xfrm>
         </p:spPr>
         <p:txBody>
-          <a:bodyPr anchor="b"/>
-          <a:lstStyle>
-            <a:lvl1pPr marL="0" indent="0">
+          <a:bodyPr lIns="91440" rIns="91440" anchor="t"/>
+          <a:lstStyle>
+            <a:lvl1pPr marL="0" indent="0" algn="l">
               <a:buNone/>
-              <a:defRPr sz="2000">
+              <a:defRPr sz="2300">
                 <a:solidFill>
-                  <a:schemeClr val="tx1">
-                    <a:tint val="75000"/>
-                  </a:schemeClr>
+                  <a:schemeClr val="tx1"/>
                 </a:solidFill>
               </a:defRPr>
             </a:lvl1pPr>
-            <a:lvl2pPr marL="457200" indent="0">
+            <a:lvl2pPr>
               <a:buNone/>
               <a:defRPr sz="1800">
                 <a:solidFill>
@@ -962,7 +1471,7 @@
                 </a:solidFill>
               </a:defRPr>
             </a:lvl2pPr>
-            <a:lvl3pPr marL="914400" indent="0">
+            <a:lvl3pPr>
               <a:buNone/>
               <a:defRPr sz="1600">
                 <a:solidFill>
@@ -972,7 +1481,7 @@
                 </a:solidFill>
               </a:defRPr>
             </a:lvl3pPr>
-            <a:lvl4pPr marL="1371600" indent="0">
+            <a:lvl4pPr>
               <a:buNone/>
               <a:defRPr sz="1400">
                 <a:solidFill>
@@ -982,7 +1491,7 @@
                 </a:solidFill>
               </a:defRPr>
             </a:lvl4pPr>
-            <a:lvl5pPr marL="1828800" indent="0">
+            <a:lvl5pPr>
               <a:buNone/>
               <a:defRPr sz="1400">
                 <a:solidFill>
@@ -992,51 +1501,12 @@
                 </a:solidFill>
               </a:defRPr>
             </a:lvl5pPr>
-            <a:lvl6pPr marL="2286000" indent="0">
-              <a:buNone/>
-              <a:defRPr sz="1400">
-                <a:solidFill>
-                  <a:schemeClr val="tx1">
-                    <a:tint val="75000"/>
-                  </a:schemeClr>
-                </a:solidFill>
-              </a:defRPr>
-            </a:lvl6pPr>
-            <a:lvl7pPr marL="2743200" indent="0">
-              <a:buNone/>
-              <a:defRPr sz="1400">
-                <a:solidFill>
-                  <a:schemeClr val="tx1">
-                    <a:tint val="75000"/>
-                  </a:schemeClr>
-                </a:solidFill>
-              </a:defRPr>
-            </a:lvl7pPr>
-            <a:lvl8pPr marL="3200400" indent="0">
-              <a:buNone/>
-              <a:defRPr sz="1400">
-                <a:solidFill>
-                  <a:schemeClr val="tx1">
-                    <a:tint val="75000"/>
-                  </a:schemeClr>
-                </a:solidFill>
-              </a:defRPr>
-            </a:lvl8pPr>
-            <a:lvl9pPr marL="3657600" indent="0">
-              <a:buNone/>
-              <a:defRPr sz="1400">
-                <a:solidFill>
-                  <a:schemeClr val="tx1">
-                    <a:tint val="75000"/>
-                  </a:schemeClr>
-                </a:solidFill>
-              </a:defRPr>
-            </a:lvl9pPr>
-          </a:lstStyle>
-          <a:p>
-            <a:pPr lvl="0"/>
-            <a:r>
-              <a:rPr lang="en-US" smtClean="0"/>
+            <a:extLst/>
+          </a:lstStyle>
+          <a:p>
+            <a:pPr lvl="0" eaLnBrk="1" latinLnBrk="0" hangingPunct="1"/>
+            <a:r>
+              <a:rPr kumimoji="0" lang="en-US" smtClean="0"/>
               <a:t>Click to edit Master text styles</a:t>
             </a:r>
           </a:p>
@@ -1055,11 +1525,14 @@
         <p:spPr/>
         <p:txBody>
           <a:bodyPr/>
-          <a:lstStyle/>
+          <a:lstStyle>
+            <a:extLst/>
+          </a:lstStyle>
           <a:p>
             <a:fld id="{4C6D5288-1711-894E-96C7-094693E6B174}" type="datetimeFigureOut">
               <a:rPr lang="en-US" smtClean="0"/>
-              <a:t>11/29/12</a:t>
+              <a:pPr/>
+              <a:t>11/29/2012</a:t>
             </a:fld>
             <a:endParaRPr lang="en-US"/>
           </a:p>
@@ -1078,7 +1551,9 @@
         <p:spPr/>
         <p:txBody>
           <a:bodyPr/>
-          <a:lstStyle/>
+          <a:lstStyle>
+            <a:extLst/>
+          </a:lstStyle>
           <a:p>
             <a:endParaRPr lang="en-US"/>
           </a:p>
@@ -1097,25 +1572,183 @@
         <p:spPr/>
         <p:txBody>
           <a:bodyPr/>
-          <a:lstStyle/>
+          <a:lstStyle>
+            <a:extLst/>
+          </a:lstStyle>
           <a:p>
             <a:fld id="{01E9B5BF-8D33-8D4C-BBFA-D2487A3BB635}" type="slidenum">
               <a:rPr lang="en-US" smtClean="0"/>
+              <a:pPr/>
               <a:t>‹#›</a:t>
             </a:fld>
             <a:endParaRPr lang="en-US"/>
           </a:p>
         </p:txBody>
       </p:sp>
+      <p:sp>
+        <p:nvSpPr>
+          <p:cNvPr id="7" name="Chevron 6"/>
+          <p:cNvSpPr/>
+          <p:nvPr/>
+        </p:nvSpPr>
+        <p:spPr>
+          <a:xfrm>
+            <a:off x="3636680" y="3005472"/>
+            <a:ext cx="182880" cy="228600"/>
+          </a:xfrm>
+          <a:prstGeom prst="chevron">
+            <a:avLst>
+              <a:gd name="adj" fmla="val 50000"/>
+            </a:avLst>
+          </a:prstGeom>
+          <a:gradFill flip="none" rotWithShape="1">
+            <a:gsLst>
+              <a:gs pos="0">
+                <a:schemeClr val="accent1">
+                  <a:shade val="60000"/>
+                  <a:satMod val="125000"/>
+                </a:schemeClr>
+              </a:gs>
+              <a:gs pos="72000">
+                <a:schemeClr val="accent1">
+                  <a:tint val="90000"/>
+                  <a:satMod val="138000"/>
+                </a:schemeClr>
+              </a:gs>
+              <a:gs pos="100000">
+                <a:schemeClr val="accent1">
+                  <a:tint val="76000"/>
+                  <a:satMod val="136000"/>
+                </a:schemeClr>
+              </a:gs>
+            </a:gsLst>
+            <a:lin ang="16200000" scaled="0"/>
+          </a:gradFill>
+          <a:ln w="3175" cap="rnd" cmpd="sng" algn="ctr">
+            <a:solidFill>
+              <a:schemeClr val="accent1">
+                <a:shade val="50000"/>
+              </a:schemeClr>
+            </a:solidFill>
+            <a:prstDash val="solid"/>
+          </a:ln>
+          <a:effectLst>
+            <a:outerShdw blurRad="50800" dist="25400" dir="5400000">
+              <a:srgbClr val="000000">
+                <a:alpha val="46000"/>
+              </a:srgbClr>
+            </a:outerShdw>
+          </a:effectLst>
+        </p:spPr>
+        <p:style>
+          <a:lnRef idx="1">
+            <a:schemeClr val="accent1"/>
+          </a:lnRef>
+          <a:fillRef idx="3">
+            <a:schemeClr val="accent1"/>
+          </a:fillRef>
+          <a:effectRef idx="2">
+            <a:schemeClr val="accent1"/>
+          </a:effectRef>
+          <a:fontRef idx="minor">
+            <a:schemeClr val="lt1"/>
+          </a:fontRef>
+        </p:style>
+        <p:txBody>
+          <a:bodyPr anchor="ctr"/>
+          <a:lstStyle>
+            <a:extLst/>
+          </a:lstStyle>
+          <a:p>
+            <a:pPr algn="l" eaLnBrk="1" latinLnBrk="0" hangingPunct="1"/>
+            <a:endParaRPr kumimoji="0" lang="en-US"/>
+          </a:p>
+        </p:txBody>
+      </p:sp>
+      <p:sp>
+        <p:nvSpPr>
+          <p:cNvPr id="8" name="Chevron 7"/>
+          <p:cNvSpPr/>
+          <p:nvPr/>
+        </p:nvSpPr>
+        <p:spPr>
+          <a:xfrm>
+            <a:off x="3450264" y="3005472"/>
+            <a:ext cx="182880" cy="228600"/>
+          </a:xfrm>
+          <a:prstGeom prst="chevron">
+            <a:avLst>
+              <a:gd name="adj" fmla="val 50000"/>
+            </a:avLst>
+          </a:prstGeom>
+          <a:gradFill flip="none" rotWithShape="1">
+            <a:gsLst>
+              <a:gs pos="0">
+                <a:schemeClr val="accent1">
+                  <a:shade val="60000"/>
+                  <a:satMod val="125000"/>
+                </a:schemeClr>
+              </a:gs>
+              <a:gs pos="72000">
+                <a:schemeClr val="accent1">
+                  <a:tint val="90000"/>
+                  <a:satMod val="138000"/>
+                </a:schemeClr>
+              </a:gs>
+              <a:gs pos="100000">
+                <a:schemeClr val="accent1">
+                  <a:tint val="76000"/>
+                  <a:satMod val="136000"/>
+                </a:schemeClr>
+              </a:gs>
+            </a:gsLst>
+            <a:lin ang="16200000" scaled="0"/>
+          </a:gradFill>
+          <a:ln w="3175" cap="rnd" cmpd="sng" algn="ctr">
+            <a:solidFill>
+              <a:schemeClr val="accent1">
+                <a:shade val="50000"/>
+              </a:schemeClr>
+            </a:solidFill>
+            <a:prstDash val="solid"/>
+          </a:ln>
+          <a:effectLst>
+            <a:outerShdw blurRad="50800" dist="25400" dir="5400000">
+              <a:srgbClr val="000000">
+                <a:alpha val="46000"/>
+              </a:srgbClr>
+            </a:outerShdw>
+          </a:effectLst>
+        </p:spPr>
+        <p:style>
+          <a:lnRef idx="1">
+            <a:schemeClr val="accent1"/>
+          </a:lnRef>
+          <a:fillRef idx="3">
+            <a:schemeClr val="accent1"/>
+          </a:fillRef>
+          <a:effectRef idx="2">
+            <a:schemeClr val="accent1"/>
+          </a:effectRef>
+          <a:fontRef idx="minor">
+            <a:schemeClr val="lt1"/>
+          </a:fontRef>
+        </p:style>
+        <p:txBody>
+          <a:bodyPr anchor="ctr"/>
+          <a:lstStyle>
+            <a:extLst/>
+          </a:lstStyle>
+          <a:p>
+            <a:pPr algn="l" eaLnBrk="1" latinLnBrk="0" hangingPunct="1"/>
+            <a:endParaRPr kumimoji="0" lang="en-US"/>
+          </a:p>
+        </p:txBody>
+      </p:sp>
     </p:spTree>
-    <p:extLst>
-      <p:ext uri="{BB962C8B-B14F-4D97-AF65-F5344CB8AC3E}">
-        <p14:creationId xmlns:p14="http://schemas.microsoft.com/office/powerpoint/2010/main" val="1798952600"/>
-      </p:ext>
-    </p:extLst>
   </p:cSld>
   <p:clrMapOvr>
-    <a:masterClrMapping/>
+    <a:overrideClrMapping bg1="dk1" tx1="lt1" bg2="dk2" tx2="lt2" accent1="accent1" accent2="accent2" accent3="accent3" accent4="accent4" accent5="accent5" accent6="accent6" hlink="hlink" folHlink="folHlink"/>
   </p:clrMapOvr>
 </p:sldLayout>
 </file>
@@ -1123,6 +1756,11 @@
 <file path=ppt/slideLayouts/slideLayout4.xml><?xml version="1.0" encoding="utf-8"?>
 <p:sldLayout xmlns:a="http://schemas.openxmlformats.org/drawingml/2006/main" xmlns:r="http://schemas.openxmlformats.org/officeDocument/2006/relationships" xmlns:p="http://schemas.openxmlformats.org/presentationml/2006/main" type="twoObj" preserve="1">
   <p:cSld name="Two Content">
+    <p:bg>
+      <p:bgRef idx="1002">
+        <a:schemeClr val="bg1"/>
+      </p:bgRef>
+    </p:bg>
     <p:spTree>
       <p:nvGrpSpPr>
         <p:cNvPr id="1" name=""/>
@@ -1139,29 +1777,6 @@
       </p:grpSpPr>
       <p:sp>
         <p:nvSpPr>
-          <p:cNvPr id="2" name="Title 1"/>
-          <p:cNvSpPr>
-            <a:spLocks noGrp="1"/>
-          </p:cNvSpPr>
-          <p:nvPr>
-            <p:ph type="title"/>
-          </p:nvPr>
-        </p:nvSpPr>
-        <p:spPr/>
-        <p:txBody>
-          <a:bodyPr/>
-          <a:lstStyle/>
-          <a:p>
-            <a:r>
-              <a:rPr lang="en-US" smtClean="0"/>
-              <a:t>Click to edit Master title style</a:t>
-            </a:r>
-            <a:endParaRPr lang="en-US"/>
-          </a:p>
-        </p:txBody>
-      </p:sp>
-      <p:sp>
-        <p:nvSpPr>
           <p:cNvPr id="3" name="Content Placeholder 2"/>
           <p:cNvSpPr>
             <a:spLocks noGrp="1"/>
@@ -1172,7 +1787,7 @@
         </p:nvSpPr>
         <p:spPr>
           <a:xfrm>
-            <a:off x="457200" y="1600200"/>
+            <a:off x="457200" y="1481328"/>
             <a:ext cx="4038600" cy="4525963"/>
           </a:xfrm>
         </p:spPr>
@@ -1194,54 +1809,43 @@
             <a:lvl5pPr>
               <a:defRPr sz="1800"/>
             </a:lvl5pPr>
-            <a:lvl6pPr>
-              <a:defRPr sz="1800"/>
-            </a:lvl6pPr>
-            <a:lvl7pPr>
-              <a:defRPr sz="1800"/>
-            </a:lvl7pPr>
-            <a:lvl8pPr>
-              <a:defRPr sz="1800"/>
-            </a:lvl8pPr>
-            <a:lvl9pPr>
-              <a:defRPr sz="1800"/>
-            </a:lvl9pPr>
-          </a:lstStyle>
-          <a:p>
-            <a:pPr lvl="0"/>
+            <a:extLst/>
+          </a:lstStyle>
+          <a:p>
+            <a:pPr lvl="0" eaLnBrk="1" latinLnBrk="0" hangingPunct="1"/>
             <a:r>
               <a:rPr lang="en-US" smtClean="0"/>
               <a:t>Click to edit Master text styles</a:t>
             </a:r>
           </a:p>
           <a:p>
-            <a:pPr lvl="1"/>
+            <a:pPr lvl="1" eaLnBrk="1" latinLnBrk="0" hangingPunct="1"/>
             <a:r>
               <a:rPr lang="en-US" smtClean="0"/>
               <a:t>Second level</a:t>
             </a:r>
           </a:p>
           <a:p>
-            <a:pPr lvl="2"/>
+            <a:pPr lvl="2" eaLnBrk="1" latinLnBrk="0" hangingPunct="1"/>
             <a:r>
               <a:rPr lang="en-US" smtClean="0"/>
               <a:t>Third level</a:t>
             </a:r>
           </a:p>
           <a:p>
-            <a:pPr lvl="3"/>
+            <a:pPr lvl="3" eaLnBrk="1" latinLnBrk="0" hangingPunct="1"/>
             <a:r>
               <a:rPr lang="en-US" smtClean="0"/>
               <a:t>Fourth level</a:t>
             </a:r>
           </a:p>
           <a:p>
-            <a:pPr lvl="4"/>
+            <a:pPr lvl="4" eaLnBrk="1" latinLnBrk="0" hangingPunct="1"/>
             <a:r>
               <a:rPr lang="en-US" smtClean="0"/>
               <a:t>Fifth level</a:t>
             </a:r>
-            <a:endParaRPr lang="en-US"/>
+            <a:endParaRPr kumimoji="0" lang="en-US"/>
           </a:p>
         </p:txBody>
       </p:sp>
@@ -1257,7 +1861,7 @@
         </p:nvSpPr>
         <p:spPr>
           <a:xfrm>
-            <a:off x="4648200" y="1600200"/>
+            <a:off x="4648200" y="1481328"/>
             <a:ext cx="4038600" cy="4525963"/>
           </a:xfrm>
         </p:spPr>
@@ -1279,54 +1883,43 @@
             <a:lvl5pPr>
               <a:defRPr sz="1800"/>
             </a:lvl5pPr>
-            <a:lvl6pPr>
-              <a:defRPr sz="1800"/>
-            </a:lvl6pPr>
-            <a:lvl7pPr>
-              <a:defRPr sz="1800"/>
-            </a:lvl7pPr>
-            <a:lvl8pPr>
-              <a:defRPr sz="1800"/>
-            </a:lvl8pPr>
-            <a:lvl9pPr>
-              <a:defRPr sz="1800"/>
-            </a:lvl9pPr>
-          </a:lstStyle>
-          <a:p>
-            <a:pPr lvl="0"/>
+            <a:extLst/>
+          </a:lstStyle>
+          <a:p>
+            <a:pPr lvl="0" eaLnBrk="1" latinLnBrk="0" hangingPunct="1"/>
             <a:r>
               <a:rPr lang="en-US" smtClean="0"/>
               <a:t>Click to edit Master text styles</a:t>
             </a:r>
           </a:p>
           <a:p>
-            <a:pPr lvl="1"/>
+            <a:pPr lvl="1" eaLnBrk="1" latinLnBrk="0" hangingPunct="1"/>
             <a:r>
               <a:rPr lang="en-US" smtClean="0"/>
               <a:t>Second level</a:t>
             </a:r>
           </a:p>
           <a:p>
-            <a:pPr lvl="2"/>
+            <a:pPr lvl="2" eaLnBrk="1" latinLnBrk="0" hangingPunct="1"/>
             <a:r>
               <a:rPr lang="en-US" smtClean="0"/>
               <a:t>Third level</a:t>
             </a:r>
           </a:p>
           <a:p>
-            <a:pPr lvl="3"/>
+            <a:pPr lvl="3" eaLnBrk="1" latinLnBrk="0" hangingPunct="1"/>
             <a:r>
               <a:rPr lang="en-US" smtClean="0"/>
               <a:t>Fourth level</a:t>
             </a:r>
           </a:p>
           <a:p>
-            <a:pPr lvl="4"/>
+            <a:pPr lvl="4" eaLnBrk="1" latinLnBrk="0" hangingPunct="1"/>
             <a:r>
               <a:rPr lang="en-US" smtClean="0"/>
               <a:t>Fifth level</a:t>
             </a:r>
-            <a:endParaRPr lang="en-US"/>
+            <a:endParaRPr kumimoji="0" lang="en-US"/>
           </a:p>
         </p:txBody>
       </p:sp>
@@ -1343,11 +1936,14 @@
         <p:spPr/>
         <p:txBody>
           <a:bodyPr/>
-          <a:lstStyle/>
+          <a:lstStyle>
+            <a:extLst/>
+          </a:lstStyle>
           <a:p>
             <a:fld id="{4C6D5288-1711-894E-96C7-094693E6B174}" type="datetimeFigureOut">
               <a:rPr lang="en-US" smtClean="0"/>
-              <a:t>11/29/12</a:t>
+              <a:pPr/>
+              <a:t>11/29/2012</a:t>
             </a:fld>
             <a:endParaRPr lang="en-US"/>
           </a:p>
@@ -1366,7 +1962,9 @@
         <p:spPr/>
         <p:txBody>
           <a:bodyPr/>
-          <a:lstStyle/>
+          <a:lstStyle>
+            <a:extLst/>
+          </a:lstStyle>
           <a:p>
             <a:endParaRPr lang="en-US"/>
           </a:p>
@@ -1385,32 +1983,60 @@
         <p:spPr/>
         <p:txBody>
           <a:bodyPr/>
-          <a:lstStyle/>
+          <a:lstStyle>
+            <a:extLst/>
+          </a:lstStyle>
           <a:p>
             <a:fld id="{01E9B5BF-8D33-8D4C-BBFA-D2487A3BB635}" type="slidenum">
               <a:rPr lang="en-US" smtClean="0"/>
+              <a:pPr/>
               <a:t>‹#›</a:t>
             </a:fld>
             <a:endParaRPr lang="en-US"/>
           </a:p>
         </p:txBody>
       </p:sp>
+      <p:sp>
+        <p:nvSpPr>
+          <p:cNvPr id="8" name="Title 7"/>
+          <p:cNvSpPr>
+            <a:spLocks noGrp="1"/>
+          </p:cNvSpPr>
+          <p:nvPr>
+            <p:ph type="title"/>
+          </p:nvPr>
+        </p:nvSpPr>
+        <p:spPr/>
+        <p:txBody>
+          <a:bodyPr rtlCol="0"/>
+          <a:lstStyle>
+            <a:extLst/>
+          </a:lstStyle>
+          <a:p>
+            <a:r>
+              <a:rPr kumimoji="0" lang="en-US" smtClean="0"/>
+              <a:t>Click to edit Master title style</a:t>
+            </a:r>
+            <a:endParaRPr kumimoji="0" lang="en-US"/>
+          </a:p>
+        </p:txBody>
+      </p:sp>
     </p:spTree>
-    <p:extLst>
-      <p:ext uri="{BB962C8B-B14F-4D97-AF65-F5344CB8AC3E}">
-        <p14:creationId xmlns:p14="http://schemas.microsoft.com/office/powerpoint/2010/main" val="1034301619"/>
-      </p:ext>
-    </p:extLst>
   </p:cSld>
   <p:clrMapOvr>
-    <a:masterClrMapping/>
+    <a:overrideClrMapping bg1="dk1" tx1="lt1" bg2="dk2" tx2="lt2" accent1="accent1" accent2="accent2" accent3="accent3" accent4="accent4" accent5="accent5" accent6="accent6" hlink="hlink" folHlink="folHlink"/>
   </p:clrMapOvr>
 </p:sldLayout>
 </file>
 
 <file path=ppt/slideLayouts/slideLayout5.xml><?xml version="1.0" encoding="utf-8"?>
-<p:sldLayout xmlns:a="http://schemas.openxmlformats.org/drawingml/2006/main" xmlns:r="http://schemas.openxmlformats.org/officeDocument/2006/relationships" xmlns:p="http://schemas.openxmlformats.org/presentationml/2006/main" type="twoTxTwoObj" preserve="1">
+<p:sldLayout xmlns:a="http://schemas.openxmlformats.org/drawingml/2006/main" xmlns:r="http://schemas.openxmlformats.org/officeDocument/2006/relationships" xmlns:p="http://schemas.openxmlformats.org/presentationml/2006/main" showMasterSp="0" type="twoTxTwoObj" preserve="1">
   <p:cSld name="Comparison">
+    <p:bg>
+      <p:bgRef idx="1003">
+        <a:schemeClr val="bg1"/>
+      </p:bgRef>
+    </p:bg>
     <p:spTree>
       <p:nvGrpSpPr>
         <p:cNvPr id="1" name=""/>
@@ -1435,20 +2061,26 @@
             <p:ph type="title"/>
           </p:nvPr>
         </p:nvSpPr>
-        <p:spPr/>
-        <p:txBody>
-          <a:bodyPr/>
+        <p:spPr>
+          <a:xfrm>
+            <a:off x="457200" y="273050"/>
+            <a:ext cx="8229600" cy="1143000"/>
+          </a:xfrm>
+        </p:spPr>
+        <p:txBody>
+          <a:bodyPr anchor="ctr"/>
           <a:lstStyle>
             <a:lvl1pPr>
               <a:defRPr/>
             </a:lvl1pPr>
-          </a:lstStyle>
-          <a:p>
-            <a:r>
-              <a:rPr lang="en-US" smtClean="0"/>
+            <a:extLst/>
+          </a:lstStyle>
+          <a:p>
+            <a:r>
+              <a:rPr kumimoji="0" lang="en-US" smtClean="0"/>
               <a:t>Click to edit Master title style</a:t>
             </a:r>
-            <a:endParaRPr lang="en-US"/>
+            <a:endParaRPr kumimoji="0" lang="en-US"/>
           </a:p>
         </p:txBody>
       </p:sp>
@@ -1464,54 +2096,115 @@
         </p:nvSpPr>
         <p:spPr>
           <a:xfrm>
-            <a:off x="457200" y="1535113"/>
-            <a:ext cx="4040188" cy="639762"/>
+            <a:off x="457200" y="5410200"/>
+            <a:ext cx="4040188" cy="762000"/>
           </a:xfrm>
+          <a:solidFill>
+            <a:schemeClr val="accent1"/>
+          </a:solidFill>
+          <a:ln w="9652">
+            <a:solidFill>
+              <a:schemeClr val="accent1"/>
+            </a:solidFill>
+            <a:miter lim="800000"/>
+          </a:ln>
         </p:spPr>
         <p:txBody>
-          <a:bodyPr anchor="b"/>
+          <a:bodyPr lIns="182880" anchor="ctr"/>
           <a:lstStyle>
             <a:lvl1pPr marL="0" indent="0">
               <a:buNone/>
-              <a:defRPr sz="2400" b="1"/>
+              <a:defRPr sz="2400" b="0">
+                <a:solidFill>
+                  <a:schemeClr val="bg1"/>
+                </a:solidFill>
+              </a:defRPr>
             </a:lvl1pPr>
-            <a:lvl2pPr marL="457200" indent="0">
+            <a:lvl2pPr>
               <a:buNone/>
               <a:defRPr sz="2000" b="1"/>
             </a:lvl2pPr>
-            <a:lvl3pPr marL="914400" indent="0">
+            <a:lvl3pPr>
               <a:buNone/>
               <a:defRPr sz="1800" b="1"/>
             </a:lvl3pPr>
-            <a:lvl4pPr marL="1371600" indent="0">
+            <a:lvl4pPr>
               <a:buNone/>
               <a:defRPr sz="1600" b="1"/>
             </a:lvl4pPr>
-            <a:lvl5pPr marL="1828800" indent="0">
+            <a:lvl5pPr>
               <a:buNone/>
               <a:defRPr sz="1600" b="1"/>
             </a:lvl5pPr>
-            <a:lvl6pPr marL="2286000" indent="0">
+            <a:extLst/>
+          </a:lstStyle>
+          <a:p>
+            <a:pPr lvl="0" eaLnBrk="1" latinLnBrk="0" hangingPunct="1"/>
+            <a:r>
+              <a:rPr kumimoji="0" lang="en-US" smtClean="0"/>
+              <a:t>Click to edit Master text styles</a:t>
+            </a:r>
+          </a:p>
+        </p:txBody>
+      </p:sp>
+      <p:sp>
+        <p:nvSpPr>
+          <p:cNvPr id="4" name="Text Placeholder 3"/>
+          <p:cNvSpPr>
+            <a:spLocks noGrp="1"/>
+          </p:cNvSpPr>
+          <p:nvPr>
+            <p:ph type="body" sz="half" idx="3"/>
+          </p:nvPr>
+        </p:nvSpPr>
+        <p:spPr>
+          <a:xfrm>
+            <a:off x="4645026" y="5410200"/>
+            <a:ext cx="4041775" cy="762000"/>
+          </a:xfrm>
+          <a:solidFill>
+            <a:schemeClr val="accent1"/>
+          </a:solidFill>
+          <a:ln w="9652">
+            <a:solidFill>
+              <a:schemeClr val="accent1"/>
+            </a:solidFill>
+            <a:miter lim="800000"/>
+          </a:ln>
+        </p:spPr>
+        <p:txBody>
+          <a:bodyPr lIns="182880" anchor="ctr"/>
+          <a:lstStyle>
+            <a:lvl1pPr marL="0" indent="0">
+              <a:buNone/>
+              <a:defRPr sz="2400" b="0">
+                <a:solidFill>
+                  <a:schemeClr val="bg1"/>
+                </a:solidFill>
+              </a:defRPr>
+            </a:lvl1pPr>
+            <a:lvl2pPr>
+              <a:buNone/>
+              <a:defRPr sz="2000" b="1"/>
+            </a:lvl2pPr>
+            <a:lvl3pPr>
+              <a:buNone/>
+              <a:defRPr sz="1800" b="1"/>
+            </a:lvl3pPr>
+            <a:lvl4pPr>
               <a:buNone/>
               <a:defRPr sz="1600" b="1"/>
-            </a:lvl6pPr>
-            <a:lvl7pPr marL="2743200" indent="0">
+            </a:lvl4pPr>
+            <a:lvl5pPr>
               <a:buNone/>
               <a:defRPr sz="1600" b="1"/>
-            </a:lvl7pPr>
-            <a:lvl8pPr marL="3200400" indent="0">
-              <a:buNone/>
-              <a:defRPr sz="1600" b="1"/>
-            </a:lvl8pPr>
-            <a:lvl9pPr marL="3657600" indent="0">
-              <a:buNone/>
-              <a:defRPr sz="1600" b="1"/>
-            </a:lvl9pPr>
-          </a:lstStyle>
-          <a:p>
-            <a:pPr lvl="0"/>
-            <a:r>
-              <a:rPr lang="en-US" smtClean="0"/>
+            </a:lvl5pPr>
+            <a:extLst/>
+          </a:lstStyle>
+          <a:p>
+            <a:pPr lvl="0" eaLnBrk="1" latinLnBrk="0" hangingPunct="1"/>
+            <a:r>
+              <a:rPr kumimoji="0" lang="en-US" smtClean="0"/>
               <a:t>Click to edit Master text styles</a:t>
             </a:r>
           </a:p>
@@ -1519,19 +2212,24 @@
       </p:sp>
       <p:sp>
         <p:nvSpPr>
-          <p:cNvPr id="4" name="Content Placeholder 3"/>
-          <p:cNvSpPr>
-            <a:spLocks noGrp="1"/>
-          </p:cNvSpPr>
-          <p:nvPr>
-            <p:ph sz="half" idx="2"/>
+          <p:cNvPr id="5" name="Content Placeholder 4"/>
+          <p:cNvSpPr>
+            <a:spLocks noGrp="1"/>
+          </p:cNvSpPr>
+          <p:nvPr>
+            <p:ph sz="quarter" idx="2"/>
           </p:nvPr>
         </p:nvSpPr>
         <p:spPr>
           <a:xfrm>
-            <a:off x="457200" y="2174875"/>
-            <a:ext cx="4040188" cy="3951288"/>
+            <a:off x="457200" y="1444294"/>
+            <a:ext cx="4040188" cy="3941763"/>
           </a:xfrm>
+          <a:ln>
+            <a:noFill/>
+            <a:prstDash val="sysDash"/>
+            <a:miter lim="800000"/>
+          </a:ln>
         </p:spPr>
         <p:txBody>
           <a:bodyPr/>
@@ -1551,142 +2249,74 @@
             <a:lvl5pPr>
               <a:defRPr sz="1600"/>
             </a:lvl5pPr>
-            <a:lvl6pPr>
-              <a:defRPr sz="1600"/>
-            </a:lvl6pPr>
-            <a:lvl7pPr>
-              <a:defRPr sz="1600"/>
-            </a:lvl7pPr>
-            <a:lvl8pPr>
-              <a:defRPr sz="1600"/>
-            </a:lvl8pPr>
-            <a:lvl9pPr>
-              <a:defRPr sz="1600"/>
-            </a:lvl9pPr>
-          </a:lstStyle>
-          <a:p>
-            <a:pPr lvl="0"/>
+            <a:extLst/>
+          </a:lstStyle>
+          <a:p>
+            <a:pPr lvl="0" eaLnBrk="1" latinLnBrk="0" hangingPunct="1"/>
             <a:r>
               <a:rPr lang="en-US" smtClean="0"/>
               <a:t>Click to edit Master text styles</a:t>
             </a:r>
           </a:p>
           <a:p>
-            <a:pPr lvl="1"/>
+            <a:pPr lvl="1" eaLnBrk="1" latinLnBrk="0" hangingPunct="1"/>
             <a:r>
               <a:rPr lang="en-US" smtClean="0"/>
               <a:t>Second level</a:t>
             </a:r>
           </a:p>
           <a:p>
-            <a:pPr lvl="2"/>
+            <a:pPr lvl="2" eaLnBrk="1" latinLnBrk="0" hangingPunct="1"/>
             <a:r>
               <a:rPr lang="en-US" smtClean="0"/>
               <a:t>Third level</a:t>
             </a:r>
           </a:p>
           <a:p>
-            <a:pPr lvl="3"/>
+            <a:pPr lvl="3" eaLnBrk="1" latinLnBrk="0" hangingPunct="1"/>
             <a:r>
               <a:rPr lang="en-US" smtClean="0"/>
               <a:t>Fourth level</a:t>
             </a:r>
           </a:p>
           <a:p>
-            <a:pPr lvl="4"/>
+            <a:pPr lvl="4" eaLnBrk="1" latinLnBrk="0" hangingPunct="1"/>
             <a:r>
               <a:rPr lang="en-US" smtClean="0"/>
               <a:t>Fifth level</a:t>
             </a:r>
-            <a:endParaRPr lang="en-US"/>
-          </a:p>
-        </p:txBody>
-      </p:sp>
-      <p:sp>
-        <p:nvSpPr>
-          <p:cNvPr id="5" name="Text Placeholder 4"/>
-          <p:cNvSpPr>
-            <a:spLocks noGrp="1"/>
-          </p:cNvSpPr>
-          <p:nvPr>
-            <p:ph type="body" sz="quarter" idx="3"/>
+            <a:endParaRPr kumimoji="0" lang="en-US"/>
+          </a:p>
+        </p:txBody>
+      </p:sp>
+      <p:sp>
+        <p:nvSpPr>
+          <p:cNvPr id="6" name="Content Placeholder 5"/>
+          <p:cNvSpPr>
+            <a:spLocks noGrp="1"/>
+          </p:cNvSpPr>
+          <p:nvPr>
+            <p:ph sz="quarter" idx="4"/>
           </p:nvPr>
         </p:nvSpPr>
         <p:spPr>
           <a:xfrm>
-            <a:off x="4645025" y="1535113"/>
-            <a:ext cx="4041775" cy="639762"/>
+            <a:off x="4645025" y="1444294"/>
+            <a:ext cx="4041775" cy="3941763"/>
           </a:xfrm>
+          <a:ln>
+            <a:noFill/>
+            <a:prstDash val="sysDash"/>
+            <a:miter lim="800000"/>
+          </a:ln>
         </p:spPr>
         <p:txBody>
-          <a:bodyPr anchor="b"/>
-          <a:lstStyle>
-            <a:lvl1pPr marL="0" indent="0">
-              <a:buNone/>
-              <a:defRPr sz="2400" b="1"/>
-            </a:lvl1pPr>
-            <a:lvl2pPr marL="457200" indent="0">
-              <a:buNone/>
-              <a:defRPr sz="2000" b="1"/>
-            </a:lvl2pPr>
-            <a:lvl3pPr marL="914400" indent="0">
-              <a:buNone/>
-              <a:defRPr sz="1800" b="1"/>
-            </a:lvl3pPr>
-            <a:lvl4pPr marL="1371600" indent="0">
-              <a:buNone/>
-              <a:defRPr sz="1600" b="1"/>
-            </a:lvl4pPr>
-            <a:lvl5pPr marL="1828800" indent="0">
-              <a:buNone/>
-              <a:defRPr sz="1600" b="1"/>
-            </a:lvl5pPr>
-            <a:lvl6pPr marL="2286000" indent="0">
-              <a:buNone/>
-              <a:defRPr sz="1600" b="1"/>
-            </a:lvl6pPr>
-            <a:lvl7pPr marL="2743200" indent="0">
-              <a:buNone/>
-              <a:defRPr sz="1600" b="1"/>
-            </a:lvl7pPr>
-            <a:lvl8pPr marL="3200400" indent="0">
-              <a:buNone/>
-              <a:defRPr sz="1600" b="1"/>
-            </a:lvl8pPr>
-            <a:lvl9pPr marL="3657600" indent="0">
-              <a:buNone/>
-              <a:defRPr sz="1600" b="1"/>
-            </a:lvl9pPr>
-          </a:lstStyle>
-          <a:p>
-            <a:pPr lvl="0"/>
-            <a:r>
-              <a:rPr lang="en-US" smtClean="0"/>
-              <a:t>Click to edit Master text styles</a:t>
-            </a:r>
-          </a:p>
-        </p:txBody>
-      </p:sp>
-      <p:sp>
-        <p:nvSpPr>
-          <p:cNvPr id="6" name="Content Placeholder 5"/>
-          <p:cNvSpPr>
-            <a:spLocks noGrp="1"/>
-          </p:cNvSpPr>
-          <p:nvPr>
-            <p:ph sz="quarter" idx="4"/>
-          </p:nvPr>
-        </p:nvSpPr>
-        <p:spPr>
-          <a:xfrm>
-            <a:off x="4645025" y="2174875"/>
-            <a:ext cx="4041775" cy="3951288"/>
-          </a:xfrm>
-        </p:spPr>
-        <p:txBody>
           <a:bodyPr/>
           <a:lstStyle>
             <a:lvl1pPr>
+              <a:spcBef>
+                <a:spcPts val="0"/>
+              </a:spcBef>
               <a:defRPr sz="2400"/>
             </a:lvl1pPr>
             <a:lvl2pPr>
@@ -1701,54 +2331,43 @@
             <a:lvl5pPr>
               <a:defRPr sz="1600"/>
             </a:lvl5pPr>
-            <a:lvl6pPr>
-              <a:defRPr sz="1600"/>
-            </a:lvl6pPr>
-            <a:lvl7pPr>
-              <a:defRPr sz="1600"/>
-            </a:lvl7pPr>
-            <a:lvl8pPr>
-              <a:defRPr sz="1600"/>
-            </a:lvl8pPr>
-            <a:lvl9pPr>
-              <a:defRPr sz="1600"/>
-            </a:lvl9pPr>
-          </a:lstStyle>
-          <a:p>
-            <a:pPr lvl="0"/>
+            <a:extLst/>
+          </a:lstStyle>
+          <a:p>
+            <a:pPr lvl="0" eaLnBrk="1" latinLnBrk="0" hangingPunct="1"/>
             <a:r>
               <a:rPr lang="en-US" smtClean="0"/>
               <a:t>Click to edit Master text styles</a:t>
             </a:r>
           </a:p>
           <a:p>
-            <a:pPr lvl="1"/>
+            <a:pPr lvl="1" eaLnBrk="1" latinLnBrk="0" hangingPunct="1"/>
             <a:r>
               <a:rPr lang="en-US" smtClean="0"/>
               <a:t>Second level</a:t>
             </a:r>
           </a:p>
           <a:p>
-            <a:pPr lvl="2"/>
+            <a:pPr lvl="2" eaLnBrk="1" latinLnBrk="0" hangingPunct="1"/>
             <a:r>
               <a:rPr lang="en-US" smtClean="0"/>
               <a:t>Third level</a:t>
             </a:r>
           </a:p>
           <a:p>
-            <a:pPr lvl="3"/>
+            <a:pPr lvl="3" eaLnBrk="1" latinLnBrk="0" hangingPunct="1"/>
             <a:r>
               <a:rPr lang="en-US" smtClean="0"/>
               <a:t>Fourth level</a:t>
             </a:r>
           </a:p>
           <a:p>
-            <a:pPr lvl="4"/>
+            <a:pPr lvl="4" eaLnBrk="1" latinLnBrk="0" hangingPunct="1"/>
             <a:r>
               <a:rPr lang="en-US" smtClean="0"/>
               <a:t>Fifth level</a:t>
             </a:r>
-            <a:endParaRPr lang="en-US"/>
+            <a:endParaRPr kumimoji="0" lang="en-US"/>
           </a:p>
         </p:txBody>
       </p:sp>
@@ -1765,11 +2384,14 @@
         <p:spPr/>
         <p:txBody>
           <a:bodyPr/>
-          <a:lstStyle/>
+          <a:lstStyle>
+            <a:extLst/>
+          </a:lstStyle>
           <a:p>
             <a:fld id="{4C6D5288-1711-894E-96C7-094693E6B174}" type="datetimeFigureOut">
               <a:rPr lang="en-US" smtClean="0"/>
-              <a:t>11/29/12</a:t>
+              <a:pPr/>
+              <a:t>11/29/2012</a:t>
             </a:fld>
             <a:endParaRPr lang="en-US"/>
           </a:p>
@@ -1788,7 +2410,9 @@
         <p:spPr/>
         <p:txBody>
           <a:bodyPr/>
-          <a:lstStyle/>
+          <a:lstStyle>
+            <a:extLst/>
+          </a:lstStyle>
           <a:p>
             <a:endParaRPr lang="en-US"/>
           </a:p>
@@ -1807,10 +2431,13 @@
         <p:spPr/>
         <p:txBody>
           <a:bodyPr/>
-          <a:lstStyle/>
+          <a:lstStyle>
+            <a:extLst/>
+          </a:lstStyle>
           <a:p>
             <a:fld id="{01E9B5BF-8D33-8D4C-BBFA-D2487A3BB635}" type="slidenum">
               <a:rPr lang="en-US" smtClean="0"/>
+              <a:pPr/>
               <a:t>‹#›</a:t>
             </a:fld>
             <a:endParaRPr lang="en-US"/>
@@ -1818,14 +2445,9 @@
         </p:txBody>
       </p:sp>
     </p:spTree>
-    <p:extLst>
-      <p:ext uri="{BB962C8B-B14F-4D97-AF65-F5344CB8AC3E}">
-        <p14:creationId xmlns:p14="http://schemas.microsoft.com/office/powerpoint/2010/main" val="1417940929"/>
-      </p:ext>
-    </p:extLst>
   </p:cSld>
   <p:clrMapOvr>
-    <a:masterClrMapping/>
+    <a:overrideClrMapping bg1="lt1" tx1="dk1" bg2="lt2" tx2="dk2" accent1="accent1" accent2="accent2" accent3="accent3" accent4="accent4" accent5="accent5" accent6="accent6" hlink="hlink" folHlink="folHlink"/>
   </p:clrMapOvr>
 </p:sldLayout>
 </file>
@@ -1833,6 +2455,11 @@
 <file path=ppt/slideLayouts/slideLayout6.xml><?xml version="1.0" encoding="utf-8"?>
 <p:sldLayout xmlns:a="http://schemas.openxmlformats.org/drawingml/2006/main" xmlns:r="http://schemas.openxmlformats.org/officeDocument/2006/relationships" xmlns:p="http://schemas.openxmlformats.org/presentationml/2006/main" type="titleOnly" preserve="1">
   <p:cSld name="Title Only">
+    <p:bg>
+      <p:bgRef idx="1002">
+        <a:schemeClr val="bg1"/>
+      </p:bgRef>
+    </p:bg>
     <p:spTree>
       <p:nvGrpSpPr>
         <p:cNvPr id="1" name=""/>
@@ -1849,45 +2476,25 @@
       </p:grpSpPr>
       <p:sp>
         <p:nvSpPr>
-          <p:cNvPr id="2" name="Title 1"/>
-          <p:cNvSpPr>
-            <a:spLocks noGrp="1"/>
-          </p:cNvSpPr>
-          <p:nvPr>
-            <p:ph type="title"/>
+          <p:cNvPr id="3" name="Date Placeholder 2"/>
+          <p:cNvSpPr>
+            <a:spLocks noGrp="1"/>
+          </p:cNvSpPr>
+          <p:nvPr>
+            <p:ph type="dt" sz="half" idx="10"/>
           </p:nvPr>
         </p:nvSpPr>
         <p:spPr/>
         <p:txBody>
           <a:bodyPr/>
-          <a:lstStyle/>
-          <a:p>
-            <a:r>
-              <a:rPr lang="en-US" smtClean="0"/>
-              <a:t>Click to edit Master title style</a:t>
-            </a:r>
-            <a:endParaRPr lang="en-US"/>
-          </a:p>
-        </p:txBody>
-      </p:sp>
-      <p:sp>
-        <p:nvSpPr>
-          <p:cNvPr id="3" name="Date Placeholder 2"/>
-          <p:cNvSpPr>
-            <a:spLocks noGrp="1"/>
-          </p:cNvSpPr>
-          <p:nvPr>
-            <p:ph type="dt" sz="half" idx="10"/>
-          </p:nvPr>
-        </p:nvSpPr>
-        <p:spPr/>
-        <p:txBody>
-          <a:bodyPr/>
-          <a:lstStyle/>
+          <a:lstStyle>
+            <a:extLst/>
+          </a:lstStyle>
           <a:p>
             <a:fld id="{4C6D5288-1711-894E-96C7-094693E6B174}" type="datetimeFigureOut">
               <a:rPr lang="en-US" smtClean="0"/>
-              <a:t>11/29/12</a:t>
+              <a:pPr/>
+              <a:t>11/29/2012</a:t>
             </a:fld>
             <a:endParaRPr lang="en-US"/>
           </a:p>
@@ -1906,7 +2513,9 @@
         <p:spPr/>
         <p:txBody>
           <a:bodyPr/>
-          <a:lstStyle/>
+          <a:lstStyle>
+            <a:extLst/>
+          </a:lstStyle>
           <a:p>
             <a:endParaRPr lang="en-US"/>
           </a:p>
@@ -1925,25 +2534,48 @@
         <p:spPr/>
         <p:txBody>
           <a:bodyPr/>
-          <a:lstStyle/>
+          <a:lstStyle>
+            <a:extLst/>
+          </a:lstStyle>
           <a:p>
             <a:fld id="{01E9B5BF-8D33-8D4C-BBFA-D2487A3BB635}" type="slidenum">
               <a:rPr lang="en-US" smtClean="0"/>
+              <a:pPr/>
               <a:t>‹#›</a:t>
             </a:fld>
             <a:endParaRPr lang="en-US"/>
           </a:p>
         </p:txBody>
       </p:sp>
+      <p:sp>
+        <p:nvSpPr>
+          <p:cNvPr id="6" name="Title 5"/>
+          <p:cNvSpPr>
+            <a:spLocks noGrp="1"/>
+          </p:cNvSpPr>
+          <p:nvPr>
+            <p:ph type="title"/>
+          </p:nvPr>
+        </p:nvSpPr>
+        <p:spPr/>
+        <p:txBody>
+          <a:bodyPr rtlCol="0"/>
+          <a:lstStyle>
+            <a:extLst/>
+          </a:lstStyle>
+          <a:p>
+            <a:r>
+              <a:rPr kumimoji="0" lang="en-US" smtClean="0"/>
+              <a:t>Click to edit Master title style</a:t>
+            </a:r>
+            <a:endParaRPr kumimoji="0" lang="en-US"/>
+          </a:p>
+        </p:txBody>
+      </p:sp>
     </p:spTree>
-    <p:extLst>
-      <p:ext uri="{BB962C8B-B14F-4D97-AF65-F5344CB8AC3E}">
-        <p14:creationId xmlns:p14="http://schemas.microsoft.com/office/powerpoint/2010/main" val="656067729"/>
-      </p:ext>
-    </p:extLst>
   </p:cSld>
   <p:clrMapOvr>
-    <a:masterClrMapping/>
+    <a:overrideClrMapping bg1="dk1" tx1="lt1" bg2="dk2" tx2="lt2" accent1="accent1" accent2="accent2" accent3="accent3" accent4="accent4" accent5="accent5" accent6="accent6" hlink="hlink" folHlink="folHlink"/>
   </p:clrMapOvr>
 </p:sldLayout>
 </file>
@@ -1978,11 +2610,14 @@
         <p:spPr/>
         <p:txBody>
           <a:bodyPr/>
-          <a:lstStyle/>
+          <a:lstStyle>
+            <a:extLst/>
+          </a:lstStyle>
           <a:p>
             <a:fld id="{4C6D5288-1711-894E-96C7-094693E6B174}" type="datetimeFigureOut">
               <a:rPr lang="en-US" smtClean="0"/>
-              <a:t>11/29/12</a:t>
+              <a:pPr/>
+              <a:t>11/29/2012</a:t>
             </a:fld>
             <a:endParaRPr lang="en-US"/>
           </a:p>
@@ -2001,7 +2636,9 @@
         <p:spPr/>
         <p:txBody>
           <a:bodyPr/>
-          <a:lstStyle/>
+          <a:lstStyle>
+            <a:extLst/>
+          </a:lstStyle>
           <a:p>
             <a:endParaRPr lang="en-US"/>
           </a:p>
@@ -2020,10 +2657,13 @@
         <p:spPr/>
         <p:txBody>
           <a:bodyPr/>
-          <a:lstStyle/>
+          <a:lstStyle>
+            <a:extLst/>
+          </a:lstStyle>
           <a:p>
             <a:fld id="{01E9B5BF-8D33-8D4C-BBFA-D2487A3BB635}" type="slidenum">
               <a:rPr lang="en-US" smtClean="0"/>
+              <a:pPr/>
               <a:t>‹#›</a:t>
             </a:fld>
             <a:endParaRPr lang="en-US"/>
@@ -2031,11 +2671,6 @@
         </p:txBody>
       </p:sp>
     </p:spTree>
-    <p:extLst>
-      <p:ext uri="{BB962C8B-B14F-4D97-AF65-F5344CB8AC3E}">
-        <p14:creationId xmlns:p14="http://schemas.microsoft.com/office/powerpoint/2010/main" val="1249128790"/>
-      </p:ext>
-    </p:extLst>
   </p:cSld>
   <p:clrMapOvr>
     <a:masterClrMapping/>
@@ -2044,8 +2679,13 @@
 </file>
 
 <file path=ppt/slideLayouts/slideLayout8.xml><?xml version="1.0" encoding="utf-8"?>
-<p:sldLayout xmlns:a="http://schemas.openxmlformats.org/drawingml/2006/main" xmlns:r="http://schemas.openxmlformats.org/officeDocument/2006/relationships" xmlns:p="http://schemas.openxmlformats.org/presentationml/2006/main" type="objTx" preserve="1">
+<p:sldLayout xmlns:a="http://schemas.openxmlformats.org/drawingml/2006/main" xmlns:r="http://schemas.openxmlformats.org/officeDocument/2006/relationships" xmlns:p="http://schemas.openxmlformats.org/presentationml/2006/main" showMasterSp="0" type="objTx" preserve="1">
   <p:cSld name="Content with Caption">
+    <p:bg>
+      <p:bgRef idx="1003">
+        <a:schemeClr val="bg1"/>
+      </p:bgRef>
+    </p:bg>
     <p:spTree>
       <p:nvGrpSpPr>
         <p:cNvPr id="1" name=""/>
@@ -2072,40 +2712,102 @@
         </p:nvSpPr>
         <p:spPr>
           <a:xfrm>
-            <a:off x="457200" y="273050"/>
-            <a:ext cx="3008313" cy="1162050"/>
+            <a:off x="914400" y="4876800"/>
+            <a:ext cx="7481776" cy="457200"/>
           </a:xfrm>
         </p:spPr>
         <p:txBody>
-          <a:bodyPr anchor="b"/>
-          <a:lstStyle>
-            <a:lvl1pPr algn="l">
-              <a:defRPr sz="2000" b="1"/>
+          <a:bodyPr vert="horz" anchor="t">
+            <a:noAutofit/>
+            <a:sp3d prstMaterial="softEdge">
+              <a:bevelT w="0" h="0"/>
+            </a:sp3d>
+          </a:bodyPr>
+          <a:lstStyle>
+            <a:lvl1pPr algn="r">
+              <a:buNone/>
+              <a:defRPr sz="2500" b="0">
+                <a:solidFill>
+                  <a:schemeClr val="accent1"/>
+                </a:solidFill>
+                <a:effectLst/>
+              </a:defRPr>
             </a:lvl1pPr>
-          </a:lstStyle>
-          <a:p>
-            <a:r>
-              <a:rPr lang="en-US" smtClean="0"/>
+            <a:extLst/>
+          </a:lstStyle>
+          <a:p>
+            <a:r>
+              <a:rPr kumimoji="0" lang="en-US" smtClean="0"/>
               <a:t>Click to edit Master title style</a:t>
             </a:r>
-            <a:endParaRPr lang="en-US"/>
-          </a:p>
-        </p:txBody>
-      </p:sp>
-      <p:sp>
-        <p:nvSpPr>
-          <p:cNvPr id="3" name="Content Placeholder 2"/>
-          <p:cNvSpPr>
-            <a:spLocks noGrp="1"/>
-          </p:cNvSpPr>
-          <p:nvPr>
-            <p:ph idx="1"/>
+            <a:endParaRPr kumimoji="0" lang="en-US"/>
+          </a:p>
+        </p:txBody>
+      </p:sp>
+      <p:sp>
+        <p:nvSpPr>
+          <p:cNvPr id="3" name="Text Placeholder 2"/>
+          <p:cNvSpPr>
+            <a:spLocks noGrp="1"/>
+          </p:cNvSpPr>
+          <p:nvPr>
+            <p:ph type="body" idx="2"/>
           </p:nvPr>
         </p:nvSpPr>
         <p:spPr>
           <a:xfrm>
-            <a:off x="3575050" y="273050"/>
-            <a:ext cx="5111750" cy="5853113"/>
+            <a:off x="4419600" y="5355102"/>
+            <a:ext cx="3974592" cy="914400"/>
+          </a:xfrm>
+        </p:spPr>
+        <p:txBody>
+          <a:bodyPr/>
+          <a:lstStyle>
+            <a:lvl1pPr marL="0" indent="0" algn="r">
+              <a:buNone/>
+              <a:defRPr sz="1600"/>
+            </a:lvl1pPr>
+            <a:lvl2pPr>
+              <a:buNone/>
+              <a:defRPr sz="1200"/>
+            </a:lvl2pPr>
+            <a:lvl3pPr>
+              <a:buNone/>
+              <a:defRPr sz="1000"/>
+            </a:lvl3pPr>
+            <a:lvl4pPr>
+              <a:buNone/>
+              <a:defRPr sz="900"/>
+            </a:lvl4pPr>
+            <a:lvl5pPr>
+              <a:buNone/>
+              <a:defRPr sz="900"/>
+            </a:lvl5pPr>
+            <a:extLst/>
+          </a:lstStyle>
+          <a:p>
+            <a:pPr lvl="0" eaLnBrk="1" latinLnBrk="0" hangingPunct="1"/>
+            <a:r>
+              <a:rPr kumimoji="0" lang="en-US" smtClean="0"/>
+              <a:t>Click to edit Master text styles</a:t>
+            </a:r>
+          </a:p>
+        </p:txBody>
+      </p:sp>
+      <p:sp>
+        <p:nvSpPr>
+          <p:cNvPr id="4" name="Content Placeholder 3"/>
+          <p:cNvSpPr>
+            <a:spLocks noGrp="1"/>
+          </p:cNvSpPr>
+          <p:nvPr>
+            <p:ph sz="half" idx="1"/>
+          </p:nvPr>
+        </p:nvSpPr>
+        <p:spPr>
+          <a:xfrm>
+            <a:off x="914400" y="274320"/>
+            <a:ext cx="7479792" cy="4572000"/>
           </a:xfrm>
         </p:spPr>
         <p:txBody>
@@ -2126,140 +2828,72 @@
             <a:lvl5pPr>
               <a:defRPr sz="2000"/>
             </a:lvl5pPr>
-            <a:lvl6pPr>
-              <a:defRPr sz="2000"/>
-            </a:lvl6pPr>
-            <a:lvl7pPr>
-              <a:defRPr sz="2000"/>
-            </a:lvl7pPr>
-            <a:lvl8pPr>
-              <a:defRPr sz="2000"/>
-            </a:lvl8pPr>
-            <a:lvl9pPr>
-              <a:defRPr sz="2000"/>
-            </a:lvl9pPr>
-          </a:lstStyle>
-          <a:p>
-            <a:pPr lvl="0"/>
+            <a:extLst/>
+          </a:lstStyle>
+          <a:p>
+            <a:pPr lvl="0" eaLnBrk="1" latinLnBrk="0" hangingPunct="1"/>
             <a:r>
               <a:rPr lang="en-US" smtClean="0"/>
               <a:t>Click to edit Master text styles</a:t>
             </a:r>
           </a:p>
           <a:p>
-            <a:pPr lvl="1"/>
+            <a:pPr lvl="1" eaLnBrk="1" latinLnBrk="0" hangingPunct="1"/>
             <a:r>
               <a:rPr lang="en-US" smtClean="0"/>
               <a:t>Second level</a:t>
             </a:r>
           </a:p>
           <a:p>
-            <a:pPr lvl="2"/>
+            <a:pPr lvl="2" eaLnBrk="1" latinLnBrk="0" hangingPunct="1"/>
             <a:r>
               <a:rPr lang="en-US" smtClean="0"/>
               <a:t>Third level</a:t>
             </a:r>
           </a:p>
           <a:p>
-            <a:pPr lvl="3"/>
+            <a:pPr lvl="3" eaLnBrk="1" latinLnBrk="0" hangingPunct="1"/>
             <a:r>
               <a:rPr lang="en-US" smtClean="0"/>
               <a:t>Fourth level</a:t>
             </a:r>
           </a:p>
           <a:p>
-            <a:pPr lvl="4"/>
+            <a:pPr lvl="4" eaLnBrk="1" latinLnBrk="0" hangingPunct="1"/>
             <a:r>
               <a:rPr lang="en-US" smtClean="0"/>
               <a:t>Fifth level</a:t>
             </a:r>
-            <a:endParaRPr lang="en-US"/>
-          </a:p>
-        </p:txBody>
-      </p:sp>
-      <p:sp>
-        <p:nvSpPr>
-          <p:cNvPr id="4" name="Text Placeholder 3"/>
-          <p:cNvSpPr>
-            <a:spLocks noGrp="1"/>
-          </p:cNvSpPr>
-          <p:nvPr>
-            <p:ph type="body" sz="half" idx="2"/>
+            <a:endParaRPr kumimoji="0" lang="en-US"/>
+          </a:p>
+        </p:txBody>
+      </p:sp>
+      <p:sp>
+        <p:nvSpPr>
+          <p:cNvPr id="5" name="Date Placeholder 4"/>
+          <p:cNvSpPr>
+            <a:spLocks noGrp="1"/>
+          </p:cNvSpPr>
+          <p:nvPr>
+            <p:ph type="dt" sz="half" idx="10"/>
           </p:nvPr>
         </p:nvSpPr>
         <p:spPr>
           <a:xfrm>
-            <a:off x="457200" y="1435100"/>
-            <a:ext cx="3008313" cy="4691063"/>
+            <a:off x="6727032" y="6407944"/>
+            <a:ext cx="1920240" cy="365760"/>
           </a:xfrm>
         </p:spPr>
         <p:txBody>
           <a:bodyPr/>
           <a:lstStyle>
-            <a:lvl1pPr marL="0" indent="0">
-              <a:buNone/>
-              <a:defRPr sz="1400"/>
-            </a:lvl1pPr>
-            <a:lvl2pPr marL="457200" indent="0">
-              <a:buNone/>
-              <a:defRPr sz="1200"/>
-            </a:lvl2pPr>
-            <a:lvl3pPr marL="914400" indent="0">
-              <a:buNone/>
-              <a:defRPr sz="1000"/>
-            </a:lvl3pPr>
-            <a:lvl4pPr marL="1371600" indent="0">
-              <a:buNone/>
-              <a:defRPr sz="900"/>
-            </a:lvl4pPr>
-            <a:lvl5pPr marL="1828800" indent="0">
-              <a:buNone/>
-              <a:defRPr sz="900"/>
-            </a:lvl5pPr>
-            <a:lvl6pPr marL="2286000" indent="0">
-              <a:buNone/>
-              <a:defRPr sz="900"/>
-            </a:lvl6pPr>
-            <a:lvl7pPr marL="2743200" indent="0">
-              <a:buNone/>
-              <a:defRPr sz="900"/>
-            </a:lvl7pPr>
-            <a:lvl8pPr marL="3200400" indent="0">
-              <a:buNone/>
-              <a:defRPr sz="900"/>
-            </a:lvl8pPr>
-            <a:lvl9pPr marL="3657600" indent="0">
-              <a:buNone/>
-              <a:defRPr sz="900"/>
-            </a:lvl9pPr>
-          </a:lstStyle>
-          <a:p>
-            <a:pPr lvl="0"/>
-            <a:r>
-              <a:rPr lang="en-US" smtClean="0"/>
-              <a:t>Click to edit Master text styles</a:t>
-            </a:r>
-          </a:p>
-        </p:txBody>
-      </p:sp>
-      <p:sp>
-        <p:nvSpPr>
-          <p:cNvPr id="5" name="Date Placeholder 4"/>
-          <p:cNvSpPr>
-            <a:spLocks noGrp="1"/>
-          </p:cNvSpPr>
-          <p:nvPr>
-            <p:ph type="dt" sz="half" idx="10"/>
-          </p:nvPr>
-        </p:nvSpPr>
-        <p:spPr/>
-        <p:txBody>
-          <a:bodyPr/>
-          <a:lstStyle/>
+            <a:extLst/>
+          </a:lstStyle>
           <a:p>
             <a:fld id="{4C6D5288-1711-894E-96C7-094693E6B174}" type="datetimeFigureOut">
               <a:rPr lang="en-US" smtClean="0"/>
-              <a:t>11/29/12</a:t>
+              <a:pPr/>
+              <a:t>11/29/2012</a:t>
             </a:fld>
             <a:endParaRPr lang="en-US"/>
           </a:p>
@@ -2278,7 +2912,9 @@
         <p:spPr/>
         <p:txBody>
           <a:bodyPr/>
-          <a:lstStyle/>
+          <a:lstStyle>
+            <a:extLst/>
+          </a:lstStyle>
           <a:p>
             <a:endParaRPr lang="en-US"/>
           </a:p>
@@ -2297,10 +2933,13 @@
         <p:spPr/>
         <p:txBody>
           <a:bodyPr/>
-          <a:lstStyle/>
+          <a:lstStyle>
+            <a:extLst/>
+          </a:lstStyle>
           <a:p>
             <a:fld id="{01E9B5BF-8D33-8D4C-BBFA-D2487A3BB635}" type="slidenum">
               <a:rPr lang="en-US" smtClean="0"/>
+              <a:pPr/>
               <a:t>‹#›</a:t>
             </a:fld>
             <a:endParaRPr lang="en-US"/>
@@ -2308,21 +2947,21 @@
         </p:txBody>
       </p:sp>
     </p:spTree>
-    <p:extLst>
-      <p:ext uri="{BB962C8B-B14F-4D97-AF65-F5344CB8AC3E}">
-        <p14:creationId xmlns:p14="http://schemas.microsoft.com/office/powerpoint/2010/main" val="2730116199"/>
-      </p:ext>
-    </p:extLst>
   </p:cSld>
   <p:clrMapOvr>
-    <a:masterClrMapping/>
+    <a:overrideClrMapping bg1="lt1" tx1="dk1" bg2="lt2" tx2="dk2" accent1="accent1" accent2="accent2" accent3="accent3" accent4="accent4" accent5="accent5" accent6="accent6" hlink="hlink" folHlink="folHlink"/>
   </p:clrMapOvr>
 </p:sldLayout>
 </file>
 
 <file path=ppt/slideLayouts/slideLayout9.xml><?xml version="1.0" encoding="utf-8"?>
-<p:sldLayout xmlns:a="http://schemas.openxmlformats.org/drawingml/2006/main" xmlns:r="http://schemas.openxmlformats.org/officeDocument/2006/relationships" xmlns:p="http://schemas.openxmlformats.org/presentationml/2006/main" type="picTx" preserve="1">
+<p:sldLayout xmlns:a="http://schemas.openxmlformats.org/drawingml/2006/main" xmlns:r="http://schemas.openxmlformats.org/officeDocument/2006/relationships" xmlns:p="http://schemas.openxmlformats.org/presentationml/2006/main" showMasterSp="0" type="picTx" preserve="1">
   <p:cSld name="Picture with Caption">
+    <p:bg>
+      <p:bgRef idx="1002">
+        <a:schemeClr val="bg1"/>
+      </p:bgRef>
+    </p:bg>
     <p:spTree>
       <p:nvGrpSpPr>
         <p:cNvPr id="1" name=""/>
@@ -2339,33 +2978,48 @@
       </p:grpSpPr>
       <p:sp>
         <p:nvSpPr>
-          <p:cNvPr id="2" name="Title 1"/>
-          <p:cNvSpPr>
-            <a:spLocks noGrp="1"/>
-          </p:cNvSpPr>
-          <p:nvPr>
-            <p:ph type="title"/>
+          <p:cNvPr id="4" name="Text Placeholder 3"/>
+          <p:cNvSpPr>
+            <a:spLocks noGrp="1"/>
+          </p:cNvSpPr>
+          <p:nvPr>
+            <p:ph type="body" sz="half" idx="2"/>
           </p:nvPr>
         </p:nvSpPr>
         <p:spPr>
           <a:xfrm>
-            <a:off x="1792288" y="4800600"/>
-            <a:ext cx="5486400" cy="566738"/>
+            <a:off x="1141232" y="5443402"/>
+            <a:ext cx="7162800" cy="648232"/>
           </a:xfrm>
+          <a:noFill/>
         </p:spPr>
         <p:txBody>
-          <a:bodyPr anchor="b"/>
-          <a:lstStyle>
-            <a:lvl1pPr algn="l">
-              <a:defRPr sz="2000" b="1"/>
+          <a:bodyPr lIns="91440" tIns="0" rIns="91440" anchor="t"/>
+          <a:lstStyle>
+            <a:lvl1pPr marL="0" marR="18288" indent="0" algn="r">
+              <a:buNone/>
+              <a:defRPr sz="1400"/>
             </a:lvl1pPr>
-          </a:lstStyle>
-          <a:p>
-            <a:r>
-              <a:rPr lang="en-US" smtClean="0"/>
-              <a:t>Click to edit Master title style</a:t>
-            </a:r>
-            <a:endParaRPr lang="en-US"/>
+            <a:lvl2pPr>
+              <a:defRPr sz="1200"/>
+            </a:lvl2pPr>
+            <a:lvl3pPr>
+              <a:defRPr sz="1000"/>
+            </a:lvl3pPr>
+            <a:lvl4pPr>
+              <a:defRPr sz="900"/>
+            </a:lvl4pPr>
+            <a:lvl5pPr>
+              <a:defRPr sz="900"/>
+            </a:lvl5pPr>
+            <a:extLst/>
+          </a:lstStyle>
+          <a:p>
+            <a:pPr lvl="0" eaLnBrk="1" latinLnBrk="0" hangingPunct="1"/>
+            <a:r>
+              <a:rPr kumimoji="0" lang="en-US" smtClean="0"/>
+              <a:t>Click to edit Master text styles</a:t>
+            </a:r>
           </a:p>
         </p:txBody>
       </p:sp>
@@ -2381,9 +3035,25 @@
         </p:nvSpPr>
         <p:spPr>
           <a:xfrm>
-            <a:off x="1792288" y="612775"/>
-            <a:ext cx="5486400" cy="4114800"/>
+            <a:off x="228600" y="189968"/>
+            <a:ext cx="8686800" cy="4389120"/>
           </a:xfrm>
+          <a:prstGeom prst="rect">
+            <a:avLst/>
+          </a:prstGeom>
+          <a:solidFill>
+            <a:schemeClr val="bg2"/>
+          </a:solidFill>
+          <a:ln>
+            <a:solidFill>
+              <a:schemeClr val="bg1"/>
+            </a:solidFill>
+          </a:ln>
+          <a:effectLst>
+            <a:innerShdw blurRad="95250">
+              <a:srgbClr val="000000"/>
+            </a:innerShdw>
+          </a:effectLst>
         </p:spPr>
         <p:txBody>
           <a:bodyPr/>
@@ -2392,187 +3062,658 @@
               <a:buNone/>
               <a:defRPr sz="3200"/>
             </a:lvl1pPr>
-            <a:lvl2pPr marL="457200" indent="0">
-              <a:buNone/>
-              <a:defRPr sz="2800"/>
-            </a:lvl2pPr>
-            <a:lvl3pPr marL="914400" indent="0">
-              <a:buNone/>
-              <a:defRPr sz="2400"/>
-            </a:lvl3pPr>
-            <a:lvl4pPr marL="1371600" indent="0">
-              <a:buNone/>
-              <a:defRPr sz="2000"/>
-            </a:lvl4pPr>
-            <a:lvl5pPr marL="1828800" indent="0">
-              <a:buNone/>
-              <a:defRPr sz="2000"/>
-            </a:lvl5pPr>
-            <a:lvl6pPr marL="2286000" indent="0">
-              <a:buNone/>
-              <a:defRPr sz="2000"/>
-            </a:lvl6pPr>
-            <a:lvl7pPr marL="2743200" indent="0">
-              <a:buNone/>
-              <a:defRPr sz="2000"/>
-            </a:lvl7pPr>
-            <a:lvl8pPr marL="3200400" indent="0">
-              <a:buNone/>
-              <a:defRPr sz="2000"/>
-            </a:lvl8pPr>
-            <a:lvl9pPr marL="3657600" indent="0">
-              <a:buNone/>
-              <a:defRPr sz="2000"/>
-            </a:lvl9pPr>
-          </a:lstStyle>
-          <a:p>
-            <a:r>
-              <a:rPr lang="en-US" smtClean="0"/>
-              <a:t>Drag picture to placeholder or click icon to add</a:t>
-            </a:r>
+            <a:extLst/>
+          </a:lstStyle>
+          <a:p>
+            <a:r>
+              <a:rPr kumimoji="0" lang="en-US" smtClean="0"/>
+              <a:t>Click icon to add picture</a:t>
+            </a:r>
+            <a:endParaRPr kumimoji="0" lang="en-US" dirty="0"/>
+          </a:p>
+        </p:txBody>
+      </p:sp>
+      <p:sp>
+        <p:nvSpPr>
+          <p:cNvPr id="5" name="Date Placeholder 4"/>
+          <p:cNvSpPr>
+            <a:spLocks noGrp="1"/>
+          </p:cNvSpPr>
+          <p:nvPr>
+            <p:ph type="dt" sz="half" idx="10"/>
+          </p:nvPr>
+        </p:nvSpPr>
+        <p:spPr/>
+        <p:txBody>
+          <a:bodyPr/>
+          <a:lstStyle>
+            <a:lvl1pPr>
+              <a:defRPr>
+                <a:solidFill>
+                  <a:schemeClr val="tx1"/>
+                </a:solidFill>
+              </a:defRPr>
+            </a:lvl1pPr>
+            <a:extLst/>
+          </a:lstStyle>
+          <a:p>
+            <a:fld id="{4C6D5288-1711-894E-96C7-094693E6B174}" type="datetimeFigureOut">
+              <a:rPr lang="en-US" smtClean="0"/>
+              <a:pPr/>
+              <a:t>11/29/2012</a:t>
+            </a:fld>
             <a:endParaRPr lang="en-US"/>
           </a:p>
         </p:txBody>
       </p:sp>
       <p:sp>
         <p:nvSpPr>
-          <p:cNvPr id="4" name="Text Placeholder 3"/>
-          <p:cNvSpPr>
-            <a:spLocks noGrp="1"/>
-          </p:cNvSpPr>
-          <p:nvPr>
-            <p:ph type="body" sz="half" idx="2"/>
+          <p:cNvPr id="6" name="Footer Placeholder 5"/>
+          <p:cNvSpPr>
+            <a:spLocks noGrp="1"/>
+          </p:cNvSpPr>
+          <p:nvPr>
+            <p:ph type="ftr" sz="quarter" idx="11"/>
           </p:nvPr>
         </p:nvSpPr>
         <p:spPr>
           <a:xfrm>
-            <a:off x="1792288" y="5367338"/>
-            <a:ext cx="5486400" cy="804862"/>
+            <a:off x="4380072" y="6407944"/>
+            <a:ext cx="2350681" cy="365125"/>
           </a:xfrm>
         </p:spPr>
         <p:txBody>
           <a:bodyPr/>
           <a:lstStyle>
-            <a:lvl1pPr marL="0" indent="0">
-              <a:buNone/>
-              <a:defRPr sz="1400"/>
+            <a:lvl1pPr>
+              <a:defRPr>
+                <a:solidFill>
+                  <a:schemeClr val="tx1"/>
+                </a:solidFill>
+              </a:defRPr>
             </a:lvl1pPr>
-            <a:lvl2pPr marL="457200" indent="0">
-              <a:buNone/>
-              <a:defRPr sz="1200"/>
-            </a:lvl2pPr>
-            <a:lvl3pPr marL="914400" indent="0">
-              <a:buNone/>
-              <a:defRPr sz="1000"/>
-            </a:lvl3pPr>
-            <a:lvl4pPr marL="1371600" indent="0">
-              <a:buNone/>
-              <a:defRPr sz="900"/>
-            </a:lvl4pPr>
-            <a:lvl5pPr marL="1828800" indent="0">
-              <a:buNone/>
-              <a:defRPr sz="900"/>
-            </a:lvl5pPr>
-            <a:lvl6pPr marL="2286000" indent="0">
-              <a:buNone/>
-              <a:defRPr sz="900"/>
-            </a:lvl6pPr>
-            <a:lvl7pPr marL="2743200" indent="0">
-              <a:buNone/>
-              <a:defRPr sz="900"/>
-            </a:lvl7pPr>
-            <a:lvl8pPr marL="3200400" indent="0">
-              <a:buNone/>
-              <a:defRPr sz="900"/>
-            </a:lvl8pPr>
-            <a:lvl9pPr marL="3657600" indent="0">
-              <a:buNone/>
-              <a:defRPr sz="900"/>
-            </a:lvl9pPr>
-          </a:lstStyle>
-          <a:p>
-            <a:pPr lvl="0"/>
-            <a:r>
-              <a:rPr lang="en-US" smtClean="0"/>
-              <a:t>Click to edit Master text styles</a:t>
-            </a:r>
-          </a:p>
-        </p:txBody>
-      </p:sp>
-      <p:sp>
-        <p:nvSpPr>
-          <p:cNvPr id="5" name="Date Placeholder 4"/>
-          <p:cNvSpPr>
-            <a:spLocks noGrp="1"/>
-          </p:cNvSpPr>
-          <p:nvPr>
-            <p:ph type="dt" sz="half" idx="10"/>
+            <a:extLst/>
+          </a:lstStyle>
+          <a:p>
+            <a:endParaRPr lang="en-US"/>
+          </a:p>
+        </p:txBody>
+      </p:sp>
+      <p:sp>
+        <p:nvSpPr>
+          <p:cNvPr id="7" name="Slide Number Placeholder 6"/>
+          <p:cNvSpPr>
+            <a:spLocks noGrp="1"/>
+          </p:cNvSpPr>
+          <p:nvPr>
+            <p:ph type="sldNum" sz="quarter" idx="12"/>
           </p:nvPr>
         </p:nvSpPr>
         <p:spPr/>
         <p:txBody>
           <a:bodyPr/>
-          <a:lstStyle/>
-          <a:p>
-            <a:fld id="{4C6D5288-1711-894E-96C7-094693E6B174}" type="datetimeFigureOut">
-              <a:rPr lang="en-US" smtClean="0"/>
-              <a:t>11/29/12</a:t>
-            </a:fld>
-            <a:endParaRPr lang="en-US"/>
-          </a:p>
-        </p:txBody>
-      </p:sp>
-      <p:sp>
-        <p:nvSpPr>
-          <p:cNvPr id="6" name="Footer Placeholder 5"/>
-          <p:cNvSpPr>
-            <a:spLocks noGrp="1"/>
-          </p:cNvSpPr>
-          <p:nvPr>
-            <p:ph type="ftr" sz="quarter" idx="11"/>
-          </p:nvPr>
-        </p:nvSpPr>
-        <p:spPr/>
-        <p:txBody>
-          <a:bodyPr/>
-          <a:lstStyle/>
-          <a:p>
-            <a:endParaRPr lang="en-US"/>
-          </a:p>
-        </p:txBody>
-      </p:sp>
-      <p:sp>
-        <p:nvSpPr>
-          <p:cNvPr id="7" name="Slide Number Placeholder 6"/>
-          <p:cNvSpPr>
-            <a:spLocks noGrp="1"/>
-          </p:cNvSpPr>
-          <p:nvPr>
-            <p:ph type="sldNum" sz="quarter" idx="12"/>
-          </p:nvPr>
-        </p:nvSpPr>
-        <p:spPr/>
-        <p:txBody>
-          <a:bodyPr/>
-          <a:lstStyle/>
+          <a:lstStyle>
+            <a:lvl1pPr>
+              <a:defRPr>
+                <a:solidFill>
+                  <a:schemeClr val="tx1"/>
+                </a:solidFill>
+              </a:defRPr>
+            </a:lvl1pPr>
+            <a:extLst/>
+          </a:lstStyle>
           <a:p>
             <a:fld id="{01E9B5BF-8D33-8D4C-BBFA-D2487A3BB635}" type="slidenum">
               <a:rPr lang="en-US" smtClean="0"/>
+              <a:pPr/>
               <a:t>‹#›</a:t>
             </a:fld>
             <a:endParaRPr lang="en-US"/>
           </a:p>
         </p:txBody>
       </p:sp>
+      <p:sp>
+        <p:nvSpPr>
+          <p:cNvPr id="2" name="Title 1"/>
+          <p:cNvSpPr>
+            <a:spLocks noGrp="1"/>
+          </p:cNvSpPr>
+          <p:nvPr>
+            <p:ph type="title"/>
+          </p:nvPr>
+        </p:nvSpPr>
+        <p:spPr>
+          <a:xfrm>
+            <a:off x="228600" y="4865122"/>
+            <a:ext cx="8075432" cy="562672"/>
+          </a:xfrm>
+          <a:noFill/>
+        </p:spPr>
+        <p:txBody>
+          <a:bodyPr anchor="t">
+            <a:sp3d prstMaterial="softEdge"/>
+          </a:bodyPr>
+          <a:lstStyle>
+            <a:lvl1pPr marR="0" algn="r">
+              <a:buNone/>
+              <a:defRPr sz="3000" b="0">
+                <a:solidFill>
+                  <a:schemeClr val="accent1"/>
+                </a:solidFill>
+                <a:effectLst>
+                  <a:outerShdw blurRad="50800" dist="25000" dir="5400000" algn="t" rotWithShape="0">
+                    <a:prstClr val="black">
+                      <a:alpha val="45000"/>
+                    </a:prstClr>
+                  </a:outerShdw>
+                </a:effectLst>
+              </a:defRPr>
+            </a:lvl1pPr>
+            <a:extLst/>
+          </a:lstStyle>
+          <a:p>
+            <a:r>
+              <a:rPr kumimoji="0" lang="en-US" smtClean="0"/>
+              <a:t>Click to edit Master title style</a:t>
+            </a:r>
+            <a:endParaRPr kumimoji="0" lang="en-US"/>
+          </a:p>
+        </p:txBody>
+      </p:sp>
+      <p:sp>
+        <p:nvSpPr>
+          <p:cNvPr id="8" name="Freeform 7"/>
+          <p:cNvSpPr>
+            <a:spLocks/>
+          </p:cNvSpPr>
+          <p:nvPr/>
+        </p:nvSpPr>
+        <p:spPr bwMode="auto">
+          <a:xfrm>
+            <a:off x="499273" y="5944936"/>
+            <a:ext cx="4940624" cy="921076"/>
+          </a:xfrm>
+          <a:custGeom>
+            <a:avLst>
+              <a:gd name="A1" fmla="val 0"/>
+              <a:gd name="A2" fmla="val 0"/>
+              <a:gd name="A3" fmla="val 0"/>
+              <a:gd name="A4" fmla="val 0"/>
+              <a:gd name="A5" fmla="val 0"/>
+              <a:gd name="A6" fmla="val 0"/>
+              <a:gd name="A7" fmla="val 0"/>
+              <a:gd name="A8" fmla="val 0"/>
+            </a:avLst>
+            <a:gdLst/>
+            <a:ahLst/>
+            <a:cxnLst>
+              <a:cxn ang="0">
+                <a:pos x="0" y="0"/>
+              </a:cxn>
+              <a:cxn ang="0">
+                <a:pos x="5760" y="0"/>
+              </a:cxn>
+              <a:cxn ang="0">
+                <a:pos x="5760" y="528"/>
+              </a:cxn>
+              <a:cxn ang="0">
+                <a:pos x="48" y="0"/>
+              </a:cxn>
+            </a:cxnLst>
+            <a:rect l="0" t="0" r="0" b="0"/>
+            <a:pathLst>
+              <a:path w="7485" h="337">
+                <a:moveTo>
+                  <a:pt x="0" y="2"/>
+                </a:moveTo>
+                <a:lnTo>
+                  <a:pt x="7485" y="337"/>
+                </a:lnTo>
+                <a:lnTo>
+                  <a:pt x="5558" y="337"/>
+                </a:lnTo>
+                <a:lnTo>
+                  <a:pt x="1" y="0"/>
+                </a:lnTo>
+              </a:path>
+            </a:pathLst>
+          </a:custGeom>
+          <a:solidFill>
+            <a:schemeClr val="accent1">
+              <a:tint val="65000"/>
+              <a:satMod val="115000"/>
+              <a:alpha val="40000"/>
+            </a:schemeClr>
+          </a:solidFill>
+          <a:ln w="9525" cap="flat" cmpd="sng" algn="ctr">
+            <a:noFill/>
+            <a:prstDash val="solid"/>
+            <a:round/>
+            <a:headEnd type="none" w="med" len="med"/>
+            <a:tailEnd type="none" w="med" len="med"/>
+          </a:ln>
+          <a:effectLst/>
+        </p:spPr>
+        <p:txBody>
+          <a:bodyPr vert="horz" wrap="square" lIns="91440" tIns="45720" rIns="91440" bIns="45720" anchor="t" compatLnSpc="1"/>
+          <a:lstStyle>
+            <a:extLst/>
+          </a:lstStyle>
+          <a:p>
+            <a:endParaRPr kumimoji="0" lang="en-US"/>
+          </a:p>
+        </p:txBody>
+      </p:sp>
+      <p:sp>
+        <p:nvSpPr>
+          <p:cNvPr id="9" name="Freeform 8"/>
+          <p:cNvSpPr>
+            <a:spLocks/>
+          </p:cNvSpPr>
+          <p:nvPr/>
+        </p:nvSpPr>
+        <p:spPr bwMode="auto">
+          <a:xfrm>
+            <a:off x="485717" y="5939011"/>
+            <a:ext cx="3690451" cy="933450"/>
+          </a:xfrm>
+          <a:custGeom>
+            <a:avLst>
+              <a:gd name="A1" fmla="val 0"/>
+              <a:gd name="A2" fmla="val 0"/>
+              <a:gd name="A3" fmla="val 0"/>
+              <a:gd name="A4" fmla="val 0"/>
+              <a:gd name="A5" fmla="val 0"/>
+              <a:gd name="A6" fmla="val 0"/>
+              <a:gd name="A7" fmla="val 0"/>
+              <a:gd name="A8" fmla="val 0"/>
+            </a:avLst>
+            <a:gdLst/>
+            <a:ahLst/>
+            <a:cxnLst>
+              <a:cxn ang="0">
+                <a:pos x="0" y="0"/>
+              </a:cxn>
+              <a:cxn ang="0">
+                <a:pos x="5760" y="0"/>
+              </a:cxn>
+              <a:cxn ang="0">
+                <a:pos x="5760" y="528"/>
+              </a:cxn>
+              <a:cxn ang="0">
+                <a:pos x="48" y="0"/>
+              </a:cxn>
+            </a:cxnLst>
+            <a:rect l="0" t="0" r="0" b="0"/>
+            <a:pathLst>
+              <a:path w="5591" h="588">
+                <a:moveTo>
+                  <a:pt x="0" y="0"/>
+                </a:moveTo>
+                <a:lnTo>
+                  <a:pt x="5591" y="585"/>
+                </a:lnTo>
+                <a:lnTo>
+                  <a:pt x="4415" y="588"/>
+                </a:lnTo>
+                <a:lnTo>
+                  <a:pt x="12" y="4"/>
+                </a:lnTo>
+              </a:path>
+            </a:pathLst>
+          </a:custGeom>
+          <a:solidFill>
+            <a:srgbClr val="000000">
+              <a:alpha val="100000"/>
+            </a:srgbClr>
+          </a:solidFill>
+          <a:ln w="9525" cap="flat" cmpd="sng" algn="ctr">
+            <a:noFill/>
+            <a:prstDash val="solid"/>
+            <a:round/>
+            <a:headEnd type="none" w="med" len="med"/>
+            <a:tailEnd type="none" w="med" len="med"/>
+          </a:ln>
+          <a:effectLst/>
+        </p:spPr>
+        <p:txBody>
+          <a:bodyPr vert="horz" wrap="square" lIns="91440" tIns="45720" rIns="91440" bIns="45720" anchor="t" compatLnSpc="1"/>
+          <a:lstStyle>
+            <a:extLst/>
+          </a:lstStyle>
+          <a:p>
+            <a:endParaRPr kumimoji="0" lang="en-US"/>
+          </a:p>
+        </p:txBody>
+      </p:sp>
+      <p:sp>
+        <p:nvSpPr>
+          <p:cNvPr id="10" name="Right Triangle 9"/>
+          <p:cNvSpPr>
+            <a:spLocks/>
+          </p:cNvSpPr>
+          <p:nvPr/>
+        </p:nvSpPr>
+        <p:spPr bwMode="auto">
+          <a:xfrm>
+            <a:off x="-6042" y="5791253"/>
+            <a:ext cx="3402314" cy="1080868"/>
+          </a:xfrm>
+          <a:prstGeom prst="rtTriangle">
+            <a:avLst/>
+          </a:prstGeom>
+          <a:blipFill>
+            <a:blip r:embed="rId2">
+              <a:alphaModFix amt="50000"/>
+            </a:blip>
+            <a:tile tx="0" ty="0" sx="50000" sy="50000" flip="none" algn="t"/>
+          </a:blipFill>
+          <a:ln w="12700" cap="rnd" cmpd="thickThin" algn="ctr">
+            <a:noFill/>
+            <a:prstDash val="solid"/>
+          </a:ln>
+          <a:effectLst>
+            <a:fillOverlay blend="mult">
+              <a:gradFill flip="none" rotWithShape="1">
+                <a:gsLst>
+                  <a:gs pos="0">
+                    <a:schemeClr val="accent1">
+                      <a:shade val="20000"/>
+                      <a:satMod val="176000"/>
+                      <a:alpha val="100000"/>
+                    </a:schemeClr>
+                  </a:gs>
+                  <a:gs pos="18000">
+                    <a:schemeClr val="accent1">
+                      <a:shade val="48000"/>
+                      <a:satMod val="153000"/>
+                      <a:alpha val="100000"/>
+                    </a:schemeClr>
+                  </a:gs>
+                  <a:gs pos="43000">
+                    <a:schemeClr val="accent1">
+                      <a:tint val="86000"/>
+                      <a:satMod val="149000"/>
+                      <a:alpha val="100000"/>
+                    </a:schemeClr>
+                  </a:gs>
+                  <a:gs pos="45000">
+                    <a:schemeClr val="accent1">
+                      <a:tint val="85000"/>
+                      <a:satMod val="150000"/>
+                      <a:alpha val="100000"/>
+                    </a:schemeClr>
+                  </a:gs>
+                  <a:gs pos="50000">
+                    <a:schemeClr val="accent1">
+                      <a:tint val="86000"/>
+                      <a:satMod val="149000"/>
+                      <a:alpha val="100000"/>
+                    </a:schemeClr>
+                  </a:gs>
+                  <a:gs pos="79000">
+                    <a:schemeClr val="accent1">
+                      <a:shade val="53000"/>
+                      <a:satMod val="150000"/>
+                      <a:alpha val="100000"/>
+                    </a:schemeClr>
+                  </a:gs>
+                  <a:gs pos="100000">
+                    <a:schemeClr val="accent1">
+                      <a:shade val="25000"/>
+                      <a:satMod val="170000"/>
+                      <a:alpha val="100000"/>
+                    </a:schemeClr>
+                  </a:gs>
+                </a:gsLst>
+                <a:lin ang="450000" scaled="1"/>
+                <a:tileRect/>
+              </a:gradFill>
+            </a:fillOverlay>
+          </a:effectLst>
+        </p:spPr>
+        <p:style>
+          <a:lnRef idx="3">
+            <a:schemeClr val="lt1"/>
+          </a:lnRef>
+          <a:fillRef idx="1">
+            <a:schemeClr val="accent1"/>
+          </a:fillRef>
+          <a:effectRef idx="1">
+            <a:schemeClr val="accent1"/>
+          </a:effectRef>
+          <a:fontRef idx="minor">
+            <a:schemeClr val="lt1"/>
+          </a:fontRef>
+        </p:style>
+        <p:txBody>
+          <a:bodyPr vert="horz" wrap="square" lIns="91440" tIns="45720" rIns="91440" bIns="45720" anchor="ctr" compatLnSpc="1"/>
+          <a:lstStyle>
+            <a:extLst/>
+          </a:lstStyle>
+          <a:p>
+            <a:pPr algn="ctr" eaLnBrk="1" latinLnBrk="0" hangingPunct="1"/>
+            <a:endParaRPr kumimoji="0" lang="en-US"/>
+          </a:p>
+        </p:txBody>
+      </p:sp>
+      <p:cxnSp>
+        <p:nvCxnSpPr>
+          <p:cNvPr id="11" name="Straight Connector 10"/>
+          <p:cNvCxnSpPr/>
+          <p:nvPr/>
+        </p:nvCxnSpPr>
+        <p:spPr>
+          <a:xfrm>
+            <a:off x="-9237" y="5787738"/>
+            <a:ext cx="3405509" cy="1084383"/>
+          </a:xfrm>
+          <a:prstGeom prst="line">
+            <a:avLst/>
+          </a:prstGeom>
+          <a:noFill/>
+          <a:ln w="12065" cap="flat" cmpd="sng" algn="ctr">
+            <a:gradFill>
+              <a:gsLst>
+                <a:gs pos="45000">
+                  <a:schemeClr val="accent1">
+                    <a:tint val="70000"/>
+                    <a:satMod val="110000"/>
+                  </a:schemeClr>
+                </a:gs>
+                <a:gs pos="15000">
+                  <a:schemeClr val="accent1">
+                    <a:shade val="40000"/>
+                    <a:satMod val="110000"/>
+                  </a:schemeClr>
+                </a:gs>
+              </a:gsLst>
+              <a:lin ang="5400000" scaled="1"/>
+            </a:gradFill>
+            <a:prstDash val="solid"/>
+            <a:miter lim="800000"/>
+          </a:ln>
+          <a:effectLst/>
+        </p:spPr>
+        <p:style>
+          <a:lnRef idx="2">
+            <a:schemeClr val="accent1"/>
+          </a:lnRef>
+          <a:fillRef idx="0">
+            <a:schemeClr val="accent1"/>
+          </a:fillRef>
+          <a:effectRef idx="1">
+            <a:schemeClr val="accent1"/>
+          </a:effectRef>
+          <a:fontRef idx="minor">
+            <a:schemeClr val="tx1"/>
+          </a:fontRef>
+        </p:style>
+      </p:cxnSp>
+      <p:sp>
+        <p:nvSpPr>
+          <p:cNvPr id="12" name="Chevron 11"/>
+          <p:cNvSpPr/>
+          <p:nvPr/>
+        </p:nvSpPr>
+        <p:spPr>
+          <a:xfrm>
+            <a:off x="8664112" y="4988440"/>
+            <a:ext cx="182880" cy="228600"/>
+          </a:xfrm>
+          <a:prstGeom prst="chevron">
+            <a:avLst>
+              <a:gd name="adj" fmla="val 50000"/>
+            </a:avLst>
+          </a:prstGeom>
+          <a:gradFill flip="none" rotWithShape="1">
+            <a:gsLst>
+              <a:gs pos="0">
+                <a:schemeClr val="accent1">
+                  <a:shade val="60000"/>
+                  <a:satMod val="125000"/>
+                </a:schemeClr>
+              </a:gs>
+              <a:gs pos="72000">
+                <a:schemeClr val="accent1">
+                  <a:tint val="90000"/>
+                  <a:satMod val="138000"/>
+                </a:schemeClr>
+              </a:gs>
+              <a:gs pos="100000">
+                <a:schemeClr val="accent1">
+                  <a:tint val="76000"/>
+                  <a:satMod val="136000"/>
+                </a:schemeClr>
+              </a:gs>
+            </a:gsLst>
+            <a:lin ang="16200000" scaled="0"/>
+          </a:gradFill>
+          <a:ln w="3175" cap="rnd" cmpd="sng" algn="ctr">
+            <a:solidFill>
+              <a:schemeClr val="accent1">
+                <a:shade val="50000"/>
+              </a:schemeClr>
+            </a:solidFill>
+            <a:prstDash val="solid"/>
+          </a:ln>
+          <a:effectLst>
+            <a:outerShdw blurRad="50800" dist="25400" dir="5400000">
+              <a:srgbClr val="000000">
+                <a:alpha val="46000"/>
+              </a:srgbClr>
+            </a:outerShdw>
+          </a:effectLst>
+        </p:spPr>
+        <p:style>
+          <a:lnRef idx="1">
+            <a:schemeClr val="accent1"/>
+          </a:lnRef>
+          <a:fillRef idx="3">
+            <a:schemeClr val="accent1"/>
+          </a:fillRef>
+          <a:effectRef idx="2">
+            <a:schemeClr val="accent1"/>
+          </a:effectRef>
+          <a:fontRef idx="minor">
+            <a:schemeClr val="lt1"/>
+          </a:fontRef>
+        </p:style>
+        <p:txBody>
+          <a:bodyPr anchor="ctr"/>
+          <a:lstStyle>
+            <a:extLst/>
+          </a:lstStyle>
+          <a:p>
+            <a:pPr algn="l" eaLnBrk="1" latinLnBrk="0" hangingPunct="1"/>
+            <a:endParaRPr kumimoji="0" lang="en-US"/>
+          </a:p>
+        </p:txBody>
+      </p:sp>
+      <p:sp>
+        <p:nvSpPr>
+          <p:cNvPr id="13" name="Chevron 12"/>
+          <p:cNvSpPr/>
+          <p:nvPr/>
+        </p:nvSpPr>
+        <p:spPr>
+          <a:xfrm>
+            <a:off x="8477696" y="4988440"/>
+            <a:ext cx="182880" cy="228600"/>
+          </a:xfrm>
+          <a:prstGeom prst="chevron">
+            <a:avLst>
+              <a:gd name="adj" fmla="val 50000"/>
+            </a:avLst>
+          </a:prstGeom>
+          <a:gradFill flip="none" rotWithShape="1">
+            <a:gsLst>
+              <a:gs pos="0">
+                <a:schemeClr val="accent1">
+                  <a:shade val="60000"/>
+                  <a:satMod val="125000"/>
+                </a:schemeClr>
+              </a:gs>
+              <a:gs pos="72000">
+                <a:schemeClr val="accent1">
+                  <a:tint val="90000"/>
+                  <a:satMod val="138000"/>
+                </a:schemeClr>
+              </a:gs>
+              <a:gs pos="100000">
+                <a:schemeClr val="accent1">
+                  <a:tint val="76000"/>
+                  <a:satMod val="136000"/>
+                </a:schemeClr>
+              </a:gs>
+            </a:gsLst>
+            <a:lin ang="16200000" scaled="0"/>
+          </a:gradFill>
+          <a:ln w="3175" cap="rnd" cmpd="sng" algn="ctr">
+            <a:solidFill>
+              <a:schemeClr val="accent1">
+                <a:shade val="50000"/>
+              </a:schemeClr>
+            </a:solidFill>
+            <a:prstDash val="solid"/>
+          </a:ln>
+          <a:effectLst>
+            <a:outerShdw blurRad="50800" dist="25400" dir="5400000">
+              <a:srgbClr val="000000">
+                <a:alpha val="46000"/>
+              </a:srgbClr>
+            </a:outerShdw>
+          </a:effectLst>
+        </p:spPr>
+        <p:style>
+          <a:lnRef idx="1">
+            <a:schemeClr val="accent1"/>
+          </a:lnRef>
+          <a:fillRef idx="3">
+            <a:schemeClr val="accent1"/>
+          </a:fillRef>
+          <a:effectRef idx="2">
+            <a:schemeClr val="accent1"/>
+          </a:effectRef>
+          <a:fontRef idx="minor">
+            <a:schemeClr val="lt1"/>
+          </a:fontRef>
+        </p:style>
+        <p:txBody>
+          <a:bodyPr anchor="ctr"/>
+          <a:lstStyle>
+            <a:extLst/>
+          </a:lstStyle>
+          <a:p>
+            <a:pPr algn="l" eaLnBrk="1" latinLnBrk="0" hangingPunct="1"/>
+            <a:endParaRPr kumimoji="0" lang="en-US"/>
+          </a:p>
+        </p:txBody>
+      </p:sp>
     </p:spTree>
-    <p:extLst>
-      <p:ext uri="{BB962C8B-B14F-4D97-AF65-F5344CB8AC3E}">
-        <p14:creationId xmlns:p14="http://schemas.microsoft.com/office/powerpoint/2010/main" val="506574558"/>
-      </p:ext>
-    </p:extLst>
   </p:cSld>
   <p:clrMapOvr>
-    <a:masterClrMapping/>
+    <a:overrideClrMapping bg1="dk1" tx1="lt1" bg2="dk2" tx2="lt2" accent1="accent1" accent2="accent2" accent3="accent3" accent4="accent4" accent5="accent5" accent6="accent6" hlink="hlink" folHlink="folHlink"/>
   </p:clrMapOvr>
 </p:sldLayout>
 </file>
@@ -2601,7 +3742,337 @@
       </p:grpSpPr>
       <p:sp>
         <p:nvSpPr>
-          <p:cNvPr id="2" name="Title Placeholder 1"/>
+          <p:cNvPr id="13" name="Freeform 12"/>
+          <p:cNvSpPr>
+            <a:spLocks/>
+          </p:cNvSpPr>
+          <p:nvPr/>
+        </p:nvSpPr>
+        <p:spPr bwMode="auto">
+          <a:xfrm>
+            <a:off x="499273" y="5944936"/>
+            <a:ext cx="4940624" cy="921076"/>
+          </a:xfrm>
+          <a:custGeom>
+            <a:avLst>
+              <a:gd name="A1" fmla="val 0"/>
+              <a:gd name="A2" fmla="val 0"/>
+              <a:gd name="A3" fmla="val 0"/>
+              <a:gd name="A4" fmla="val 0"/>
+              <a:gd name="A5" fmla="val 0"/>
+              <a:gd name="A6" fmla="val 0"/>
+              <a:gd name="A7" fmla="val 0"/>
+              <a:gd name="A8" fmla="val 0"/>
+            </a:avLst>
+            <a:gdLst/>
+            <a:ahLst/>
+            <a:cxnLst>
+              <a:cxn ang="0">
+                <a:pos x="0" y="0"/>
+              </a:cxn>
+              <a:cxn ang="0">
+                <a:pos x="5760" y="0"/>
+              </a:cxn>
+              <a:cxn ang="0">
+                <a:pos x="5760" y="528"/>
+              </a:cxn>
+              <a:cxn ang="0">
+                <a:pos x="48" y="0"/>
+              </a:cxn>
+            </a:cxnLst>
+            <a:rect l="0" t="0" r="0" b="0"/>
+            <a:pathLst>
+              <a:path w="7485" h="337">
+                <a:moveTo>
+                  <a:pt x="0" y="2"/>
+                </a:moveTo>
+                <a:lnTo>
+                  <a:pt x="7485" y="337"/>
+                </a:lnTo>
+                <a:lnTo>
+                  <a:pt x="5558" y="337"/>
+                </a:lnTo>
+                <a:lnTo>
+                  <a:pt x="1" y="0"/>
+                </a:lnTo>
+              </a:path>
+            </a:pathLst>
+          </a:custGeom>
+          <a:solidFill>
+            <a:schemeClr val="accent1">
+              <a:tint val="65000"/>
+              <a:satMod val="115000"/>
+              <a:alpha val="40000"/>
+            </a:schemeClr>
+          </a:solidFill>
+          <a:ln w="9525" cap="flat" cmpd="sng" algn="ctr">
+            <a:noFill/>
+            <a:prstDash val="solid"/>
+            <a:round/>
+            <a:headEnd type="none" w="med" len="med"/>
+            <a:tailEnd type="none" w="med" len="med"/>
+          </a:ln>
+          <a:effectLst/>
+        </p:spPr>
+        <p:txBody>
+          <a:bodyPr vert="horz" wrap="square" lIns="91440" tIns="45720" rIns="91440" bIns="45720" anchor="t" compatLnSpc="1"/>
+          <a:lstStyle>
+            <a:extLst/>
+          </a:lstStyle>
+          <a:p>
+            <a:endParaRPr kumimoji="0" lang="en-US"/>
+          </a:p>
+        </p:txBody>
+      </p:sp>
+      <p:sp>
+        <p:nvSpPr>
+          <p:cNvPr id="12" name="Freeform 11"/>
+          <p:cNvSpPr>
+            <a:spLocks/>
+          </p:cNvSpPr>
+          <p:nvPr/>
+        </p:nvSpPr>
+        <p:spPr bwMode="auto">
+          <a:xfrm>
+            <a:off x="485717" y="5939011"/>
+            <a:ext cx="3690451" cy="933450"/>
+          </a:xfrm>
+          <a:custGeom>
+            <a:avLst>
+              <a:gd name="A1" fmla="val 0"/>
+              <a:gd name="A2" fmla="val 0"/>
+              <a:gd name="A3" fmla="val 0"/>
+              <a:gd name="A4" fmla="val 0"/>
+              <a:gd name="A5" fmla="val 0"/>
+              <a:gd name="A6" fmla="val 0"/>
+              <a:gd name="A7" fmla="val 0"/>
+              <a:gd name="A8" fmla="val 0"/>
+            </a:avLst>
+            <a:gdLst/>
+            <a:ahLst/>
+            <a:cxnLst>
+              <a:cxn ang="0">
+                <a:pos x="0" y="0"/>
+              </a:cxn>
+              <a:cxn ang="0">
+                <a:pos x="5760" y="0"/>
+              </a:cxn>
+              <a:cxn ang="0">
+                <a:pos x="5760" y="528"/>
+              </a:cxn>
+              <a:cxn ang="0">
+                <a:pos x="48" y="0"/>
+              </a:cxn>
+            </a:cxnLst>
+            <a:rect l="0" t="0" r="0" b="0"/>
+            <a:pathLst>
+              <a:path w="5591" h="588">
+                <a:moveTo>
+                  <a:pt x="0" y="0"/>
+                </a:moveTo>
+                <a:lnTo>
+                  <a:pt x="5591" y="585"/>
+                </a:lnTo>
+                <a:lnTo>
+                  <a:pt x="4415" y="588"/>
+                </a:lnTo>
+                <a:lnTo>
+                  <a:pt x="12" y="4"/>
+                </a:lnTo>
+              </a:path>
+            </a:pathLst>
+          </a:custGeom>
+          <a:solidFill>
+            <a:srgbClr val="000000">
+              <a:alpha val="100000"/>
+            </a:srgbClr>
+          </a:solidFill>
+          <a:ln w="9525" cap="flat" cmpd="sng" algn="ctr">
+            <a:noFill/>
+            <a:prstDash val="solid"/>
+            <a:round/>
+            <a:headEnd type="none" w="med" len="med"/>
+            <a:tailEnd type="none" w="med" len="med"/>
+          </a:ln>
+          <a:effectLst/>
+        </p:spPr>
+        <p:txBody>
+          <a:bodyPr vert="horz" wrap="square" lIns="91440" tIns="45720" rIns="91440" bIns="45720" anchor="t" compatLnSpc="1"/>
+          <a:lstStyle>
+            <a:extLst/>
+          </a:lstStyle>
+          <a:p>
+            <a:endParaRPr kumimoji="0" lang="en-US"/>
+          </a:p>
+        </p:txBody>
+      </p:sp>
+      <p:sp>
+        <p:nvSpPr>
+          <p:cNvPr id="14" name="Right Triangle 13"/>
+          <p:cNvSpPr>
+            <a:spLocks/>
+          </p:cNvSpPr>
+          <p:nvPr/>
+        </p:nvSpPr>
+        <p:spPr bwMode="auto">
+          <a:xfrm>
+            <a:off x="-6042" y="5791253"/>
+            <a:ext cx="3402314" cy="1080868"/>
+          </a:xfrm>
+          <a:prstGeom prst="rtTriangle">
+            <a:avLst/>
+          </a:prstGeom>
+          <a:blipFill>
+            <a:blip r:embed="rId13">
+              <a:alphaModFix amt="50000"/>
+            </a:blip>
+            <a:tile tx="0" ty="0" sx="50000" sy="50000" flip="none" algn="t"/>
+          </a:blipFill>
+          <a:ln w="12700" cap="rnd" cmpd="thickThin" algn="ctr">
+            <a:noFill/>
+            <a:prstDash val="solid"/>
+          </a:ln>
+          <a:effectLst>
+            <a:fillOverlay blend="mult">
+              <a:gradFill flip="none" rotWithShape="1">
+                <a:gsLst>
+                  <a:gs pos="0">
+                    <a:schemeClr val="accent1">
+                      <a:shade val="20000"/>
+                      <a:satMod val="176000"/>
+                      <a:alpha val="100000"/>
+                    </a:schemeClr>
+                  </a:gs>
+                  <a:gs pos="18000">
+                    <a:schemeClr val="accent1">
+                      <a:shade val="48000"/>
+                      <a:satMod val="153000"/>
+                      <a:alpha val="100000"/>
+                    </a:schemeClr>
+                  </a:gs>
+                  <a:gs pos="43000">
+                    <a:schemeClr val="accent1">
+                      <a:tint val="86000"/>
+                      <a:satMod val="149000"/>
+                      <a:alpha val="100000"/>
+                    </a:schemeClr>
+                  </a:gs>
+                  <a:gs pos="45000">
+                    <a:schemeClr val="accent1">
+                      <a:tint val="85000"/>
+                      <a:satMod val="150000"/>
+                      <a:alpha val="100000"/>
+                    </a:schemeClr>
+                  </a:gs>
+                  <a:gs pos="50000">
+                    <a:schemeClr val="accent1">
+                      <a:tint val="86000"/>
+                      <a:satMod val="149000"/>
+                      <a:alpha val="100000"/>
+                    </a:schemeClr>
+                  </a:gs>
+                  <a:gs pos="79000">
+                    <a:schemeClr val="accent1">
+                      <a:shade val="53000"/>
+                      <a:satMod val="150000"/>
+                      <a:alpha val="100000"/>
+                    </a:schemeClr>
+                  </a:gs>
+                  <a:gs pos="100000">
+                    <a:schemeClr val="accent1">
+                      <a:shade val="25000"/>
+                      <a:satMod val="170000"/>
+                      <a:alpha val="100000"/>
+                    </a:schemeClr>
+                  </a:gs>
+                </a:gsLst>
+                <a:lin ang="450000" scaled="1"/>
+                <a:tileRect/>
+              </a:gradFill>
+            </a:fillOverlay>
+          </a:effectLst>
+        </p:spPr>
+        <p:style>
+          <a:lnRef idx="3">
+            <a:schemeClr val="lt1"/>
+          </a:lnRef>
+          <a:fillRef idx="1">
+            <a:schemeClr val="accent1"/>
+          </a:fillRef>
+          <a:effectRef idx="1">
+            <a:schemeClr val="accent1"/>
+          </a:effectRef>
+          <a:fontRef idx="minor">
+            <a:schemeClr val="lt1"/>
+          </a:fontRef>
+        </p:style>
+        <p:txBody>
+          <a:bodyPr vert="horz" wrap="square" lIns="91440" tIns="45720" rIns="91440" bIns="45720" anchor="ctr" compatLnSpc="1"/>
+          <a:lstStyle>
+            <a:extLst/>
+          </a:lstStyle>
+          <a:p>
+            <a:pPr algn="ctr" eaLnBrk="1" latinLnBrk="0" hangingPunct="1"/>
+            <a:endParaRPr kumimoji="0" lang="en-US"/>
+          </a:p>
+        </p:txBody>
+      </p:sp>
+      <p:cxnSp>
+        <p:nvCxnSpPr>
+          <p:cNvPr id="15" name="Straight Connector 14"/>
+          <p:cNvCxnSpPr/>
+          <p:nvPr/>
+        </p:nvCxnSpPr>
+        <p:spPr>
+          <a:xfrm>
+            <a:off x="-9237" y="5787738"/>
+            <a:ext cx="3405509" cy="1084383"/>
+          </a:xfrm>
+          <a:prstGeom prst="line">
+            <a:avLst/>
+          </a:prstGeom>
+          <a:noFill/>
+          <a:ln w="12065" cap="flat" cmpd="sng" algn="ctr">
+            <a:gradFill>
+              <a:gsLst>
+                <a:gs pos="45000">
+                  <a:schemeClr val="accent1">
+                    <a:tint val="70000"/>
+                    <a:satMod val="110000"/>
+                  </a:schemeClr>
+                </a:gs>
+                <a:gs pos="15000">
+                  <a:schemeClr val="accent1">
+                    <a:shade val="40000"/>
+                    <a:satMod val="110000"/>
+                  </a:schemeClr>
+                </a:gs>
+              </a:gsLst>
+              <a:lin ang="5400000" scaled="1"/>
+            </a:gradFill>
+            <a:prstDash val="solid"/>
+            <a:miter lim="800000"/>
+          </a:ln>
+          <a:effectLst/>
+        </p:spPr>
+        <p:style>
+          <a:lnRef idx="2">
+            <a:schemeClr val="accent1"/>
+          </a:lnRef>
+          <a:fillRef idx="0">
+            <a:schemeClr val="accent1"/>
+          </a:fillRef>
+          <a:effectRef idx="1">
+            <a:schemeClr val="accent1"/>
+          </a:effectRef>
+          <a:fontRef idx="minor">
+            <a:schemeClr val="tx1"/>
+          </a:fontRef>
+        </p:style>
+      </p:cxnSp>
+      <p:sp>
+        <p:nvSpPr>
+          <p:cNvPr id="9" name="Title Placeholder 8"/>
           <p:cNvSpPr>
             <a:spLocks noGrp="1"/>
           </p:cNvSpPr>
@@ -2619,22 +4090,31 @@
           </a:prstGeom>
         </p:spPr>
         <p:txBody>
-          <a:bodyPr vert="horz" lIns="91440" tIns="45720" rIns="91440" bIns="45720" rtlCol="0" anchor="ctr">
+          <a:bodyPr vert="horz" anchor="ctr">
             <a:normAutofit/>
+            <a:scene3d>
+              <a:camera prst="orthographicFront"/>
+              <a:lightRig rig="soft" dir="t"/>
+            </a:scene3d>
+            <a:sp3d prstMaterial="softEdge">
+              <a:bevelT w="25400" h="25400"/>
+            </a:sp3d>
           </a:bodyPr>
-          <a:lstStyle/>
-          <a:p>
-            <a:r>
-              <a:rPr lang="en-US" smtClean="0"/>
+          <a:lstStyle>
+            <a:extLst/>
+          </a:lstStyle>
+          <a:p>
+            <a:r>
+              <a:rPr kumimoji="0" lang="en-US" smtClean="0"/>
               <a:t>Click to edit Master title style</a:t>
             </a:r>
-            <a:endParaRPr lang="en-US"/>
-          </a:p>
-        </p:txBody>
-      </p:sp>
-      <p:sp>
-        <p:nvSpPr>
-          <p:cNvPr id="3" name="Text Placeholder 2"/>
+            <a:endParaRPr kumimoji="0" lang="en-US"/>
+          </a:p>
+        </p:txBody>
+      </p:sp>
+      <p:sp>
+        <p:nvSpPr>
+          <p:cNvPr id="30" name="Text Placeholder 29"/>
           <p:cNvSpPr>
             <a:spLocks noGrp="1"/>
           </p:cNvSpPr>
@@ -2644,7 +4124,7 @@
         </p:nvSpPr>
         <p:spPr>
           <a:xfrm>
-            <a:off x="457200" y="1600200"/>
+            <a:off x="457200" y="1481328"/>
             <a:ext cx="8229600" cy="4525963"/>
           </a:xfrm>
           <a:prstGeom prst="rect">
@@ -2652,51 +4132,53 @@
           </a:prstGeom>
         </p:spPr>
         <p:txBody>
-          <a:bodyPr vert="horz" lIns="91440" tIns="45720" rIns="91440" bIns="45720" rtlCol="0">
+          <a:bodyPr vert="horz">
             <a:normAutofit/>
           </a:bodyPr>
-          <a:lstStyle/>
-          <a:p>
-            <a:pPr lvl="0"/>
-            <a:r>
-              <a:rPr lang="en-US" smtClean="0"/>
+          <a:lstStyle>
+            <a:extLst/>
+          </a:lstStyle>
+          <a:p>
+            <a:pPr lvl="0" eaLnBrk="1" latinLnBrk="0" hangingPunct="1"/>
+            <a:r>
+              <a:rPr kumimoji="0" lang="en-US" smtClean="0"/>
               <a:t>Click to edit Master text styles</a:t>
             </a:r>
           </a:p>
           <a:p>
-            <a:pPr lvl="1"/>
-            <a:r>
-              <a:rPr lang="en-US" smtClean="0"/>
+            <a:pPr lvl="1" eaLnBrk="1" latinLnBrk="0" hangingPunct="1"/>
+            <a:r>
+              <a:rPr kumimoji="0" lang="en-US" smtClean="0"/>
               <a:t>Second level</a:t>
             </a:r>
           </a:p>
           <a:p>
-            <a:pPr lvl="2"/>
-            <a:r>
-              <a:rPr lang="en-US" smtClean="0"/>
+            <a:pPr lvl="2" eaLnBrk="1" latinLnBrk="0" hangingPunct="1"/>
+            <a:r>
+              <a:rPr kumimoji="0" lang="en-US" smtClean="0"/>
               <a:t>Third level</a:t>
             </a:r>
           </a:p>
           <a:p>
-            <a:pPr lvl="3"/>
-            <a:r>
-              <a:rPr lang="en-US" smtClean="0"/>
+            <a:pPr lvl="3" eaLnBrk="1" latinLnBrk="0" hangingPunct="1"/>
+            <a:r>
+              <a:rPr kumimoji="0" lang="en-US" smtClean="0"/>
               <a:t>Fourth level</a:t>
             </a:r>
           </a:p>
           <a:p>
-            <a:pPr lvl="4"/>
-            <a:r>
-              <a:rPr lang="en-US" smtClean="0"/>
+            <a:pPr lvl="4" eaLnBrk="1" latinLnBrk="0" hangingPunct="1"/>
+            <a:r>
+              <a:rPr kumimoji="0" lang="en-US" smtClean="0"/>
               <a:t>Fifth level</a:t>
             </a:r>
-            <a:endParaRPr lang="en-US"/>
-          </a:p>
-        </p:txBody>
-      </p:sp>
-      <p:sp>
-        <p:nvSpPr>
-          <p:cNvPr id="4" name="Date Placeholder 3"/>
+            <a:endParaRPr kumimoji="0" lang="en-US"/>
+          </a:p>
+        </p:txBody>
+      </p:sp>
+      <p:sp>
+        <p:nvSpPr>
+          <p:cNvPr id="10" name="Date Placeholder 9"/>
           <p:cNvSpPr>
             <a:spLocks noGrp="1"/>
           </p:cNvSpPr>
@@ -2706,30 +4188,30 @@
         </p:nvSpPr>
         <p:spPr>
           <a:xfrm>
-            <a:off x="457200" y="6356350"/>
-            <a:ext cx="2133600" cy="365125"/>
+            <a:off x="6727032" y="6407944"/>
+            <a:ext cx="1920240" cy="365760"/>
           </a:xfrm>
           <a:prstGeom prst="rect">
             <a:avLst/>
           </a:prstGeom>
         </p:spPr>
         <p:txBody>
-          <a:bodyPr vert="horz" lIns="91440" tIns="45720" rIns="91440" bIns="45720" rtlCol="0" anchor="ctr"/>
-          <a:lstStyle>
-            <a:lvl1pPr algn="l">
-              <a:defRPr sz="1200">
+          <a:bodyPr vert="horz" anchor="b"/>
+          <a:lstStyle>
+            <a:lvl1pPr algn="l" eaLnBrk="1" latinLnBrk="0" hangingPunct="1">
+              <a:defRPr kumimoji="0" sz="1000">
                 <a:solidFill>
-                  <a:schemeClr val="tx1">
-                    <a:tint val="75000"/>
-                  </a:schemeClr>
+                  <a:schemeClr val="tx1"/>
                 </a:solidFill>
               </a:defRPr>
             </a:lvl1pPr>
+            <a:extLst/>
           </a:lstStyle>
           <a:p>
             <a:fld id="{4C6D5288-1711-894E-96C7-094693E6B174}" type="datetimeFigureOut">
               <a:rPr lang="en-US" smtClean="0"/>
-              <a:t>11/29/12</a:t>
+              <a:pPr/>
+              <a:t>11/29/2012</a:t>
             </a:fld>
             <a:endParaRPr lang="en-US"/>
           </a:p>
@@ -2737,7 +4219,7 @@
       </p:sp>
       <p:sp>
         <p:nvSpPr>
-          <p:cNvPr id="5" name="Footer Placeholder 4"/>
+          <p:cNvPr id="22" name="Footer Placeholder 21"/>
           <p:cNvSpPr>
             <a:spLocks noGrp="1"/>
           </p:cNvSpPr>
@@ -2747,25 +4229,24 @@
         </p:nvSpPr>
         <p:spPr>
           <a:xfrm>
-            <a:off x="3124200" y="6356350"/>
-            <a:ext cx="2895600" cy="365125"/>
+            <a:off x="4380072" y="6407944"/>
+            <a:ext cx="2350681" cy="365125"/>
           </a:xfrm>
           <a:prstGeom prst="rect">
             <a:avLst/>
           </a:prstGeom>
         </p:spPr>
         <p:txBody>
-          <a:bodyPr vert="horz" lIns="91440" tIns="45720" rIns="91440" bIns="45720" rtlCol="0" anchor="ctr"/>
-          <a:lstStyle>
-            <a:lvl1pPr algn="ctr">
-              <a:defRPr sz="1200">
+          <a:bodyPr vert="horz" anchor="b"/>
+          <a:lstStyle>
+            <a:lvl1pPr algn="r" eaLnBrk="1" latinLnBrk="0" hangingPunct="1">
+              <a:defRPr kumimoji="0" sz="1000">
                 <a:solidFill>
-                  <a:schemeClr val="tx1">
-                    <a:tint val="75000"/>
-                  </a:schemeClr>
+                  <a:schemeClr val="tx1"/>
                 </a:solidFill>
               </a:defRPr>
             </a:lvl1pPr>
+            <a:extLst/>
           </a:lstStyle>
           <a:p>
             <a:endParaRPr lang="en-US"/>
@@ -2774,7 +4255,7 @@
       </p:sp>
       <p:sp>
         <p:nvSpPr>
-          <p:cNvPr id="6" name="Slide Number Placeholder 5"/>
+          <p:cNvPr id="18" name="Slide Number Placeholder 17"/>
           <p:cNvSpPr>
             <a:spLocks noGrp="1"/>
           </p:cNvSpPr>
@@ -2784,29 +4265,29 @@
         </p:nvSpPr>
         <p:spPr>
           <a:xfrm>
-            <a:off x="6553200" y="6356350"/>
-            <a:ext cx="2133600" cy="365125"/>
+            <a:off x="8647272" y="6407944"/>
+            <a:ext cx="365760" cy="365125"/>
           </a:xfrm>
           <a:prstGeom prst="rect">
             <a:avLst/>
           </a:prstGeom>
         </p:spPr>
         <p:txBody>
-          <a:bodyPr vert="horz" lIns="91440" tIns="45720" rIns="91440" bIns="45720" rtlCol="0" anchor="ctr"/>
-          <a:lstStyle>
-            <a:lvl1pPr algn="r">
-              <a:defRPr sz="1200">
+          <a:bodyPr vert="horz" anchor="b"/>
+          <a:lstStyle>
+            <a:lvl1pPr algn="r" eaLnBrk="1" latinLnBrk="0" hangingPunct="1">
+              <a:defRPr kumimoji="0" sz="1000" b="0">
                 <a:solidFill>
-                  <a:schemeClr val="tx1">
-                    <a:tint val="75000"/>
-                  </a:schemeClr>
+                  <a:schemeClr val="tx1"/>
                 </a:solidFill>
               </a:defRPr>
             </a:lvl1pPr>
+            <a:extLst/>
           </a:lstStyle>
           <a:p>
             <a:fld id="{01E9B5BF-8D33-8D4C-BBFA-D2487A3BB635}" type="slidenum">
               <a:rPr lang="en-US" smtClean="0"/>
+              <a:pPr/>
               <a:t>‹#›</a:t>
             </a:fld>
             <a:endParaRPr lang="en-US"/>
@@ -2814,51 +4295,61 @@
         </p:txBody>
       </p:sp>
     </p:spTree>
-    <p:extLst>
-      <p:ext uri="{BB962C8B-B14F-4D97-AF65-F5344CB8AC3E}">
-        <p14:creationId xmlns:p14="http://schemas.microsoft.com/office/powerpoint/2010/main" val="2557711237"/>
-      </p:ext>
-    </p:extLst>
   </p:cSld>
-  <p:clrMap bg1="dk1" tx1="lt1" bg2="dk2" tx2="lt2" accent1="accent1" accent2="accent2" accent3="accent3" accent4="accent4" accent5="accent5" accent6="accent6" hlink="hlink" folHlink="folHlink"/>
+  <p:clrMap bg1="lt1" tx1="dk1" bg2="lt2" tx2="dk2" accent1="accent1" accent2="accent2" accent3="accent3" accent4="accent4" accent5="accent5" accent6="accent6" hlink="hlink" folHlink="folHlink"/>
   <p:sldLayoutIdLst>
-    <p:sldLayoutId id="2147483685" r:id="rId1"/>
-    <p:sldLayoutId id="2147483686" r:id="rId2"/>
-    <p:sldLayoutId id="2147483687" r:id="rId3"/>
-    <p:sldLayoutId id="2147483688" r:id="rId4"/>
-    <p:sldLayoutId id="2147483689" r:id="rId5"/>
-    <p:sldLayoutId id="2147483690" r:id="rId6"/>
-    <p:sldLayoutId id="2147483691" r:id="rId7"/>
-    <p:sldLayoutId id="2147483692" r:id="rId8"/>
-    <p:sldLayoutId id="2147483693" r:id="rId9"/>
-    <p:sldLayoutId id="2147483694" r:id="rId10"/>
-    <p:sldLayoutId id="2147483695" r:id="rId11"/>
+    <p:sldLayoutId id="2147483697" r:id="rId1"/>
+    <p:sldLayoutId id="2147483698" r:id="rId2"/>
+    <p:sldLayoutId id="2147483699" r:id="rId3"/>
+    <p:sldLayoutId id="2147483700" r:id="rId4"/>
+    <p:sldLayoutId id="2147483701" r:id="rId5"/>
+    <p:sldLayoutId id="2147483702" r:id="rId6"/>
+    <p:sldLayoutId id="2147483703" r:id="rId7"/>
+    <p:sldLayoutId id="2147483704" r:id="rId8"/>
+    <p:sldLayoutId id="2147483705" r:id="rId9"/>
+    <p:sldLayoutId id="2147483706" r:id="rId10"/>
+    <p:sldLayoutId id="2147483707" r:id="rId11"/>
   </p:sldLayoutIdLst>
   <p:txStyles>
     <p:titleStyle>
-      <a:lvl1pPr algn="ctr" defTabSz="914400" rtl="0" eaLnBrk="1" latinLnBrk="0" hangingPunct="1">
+      <a:lvl1pPr algn="l" rtl="0" eaLnBrk="1" latinLnBrk="0" hangingPunct="1">
         <a:spcBef>
           <a:spcPct val="0"/>
         </a:spcBef>
         <a:buNone/>
-        <a:defRPr sz="4400" kern="1200">
+        <a:defRPr kumimoji="0" sz="4100" b="1" kern="1200">
           <a:solidFill>
-            <a:schemeClr val="tx1"/>
+            <a:schemeClr val="tx2"/>
           </a:solidFill>
+          <a:effectLst>
+            <a:outerShdw blurRad="31750" dist="25400" dir="5400000" algn="tl" rotWithShape="0">
+              <a:srgbClr val="000000">
+                <a:alpha val="25000"/>
+              </a:srgbClr>
+            </a:outerShdw>
+          </a:effectLst>
           <a:latin typeface="+mj-lt"/>
           <a:ea typeface="+mj-ea"/>
           <a:cs typeface="+mj-cs"/>
         </a:defRPr>
       </a:lvl1pPr>
+      <a:extLst/>
     </p:titleStyle>
     <p:bodyStyle>
-      <a:lvl1pPr marL="342900" indent="-342900" algn="l" defTabSz="914400" rtl="0" eaLnBrk="1" latinLnBrk="0" hangingPunct="1">
+      <a:lvl1pPr marL="365760" indent="-256032" algn="l" rtl="0" eaLnBrk="1" latinLnBrk="0" hangingPunct="1">
         <a:spcBef>
-          <a:spcPct val="20000"/>
+          <a:spcPts val="400"/>
         </a:spcBef>
-        <a:buFont typeface="Arial" pitchFamily="34" charset="0"/>
-        <a:buChar char="•"/>
-        <a:defRPr sz="3200" kern="1200">
+        <a:spcAft>
+          <a:spcPts val="0"/>
+        </a:spcAft>
+        <a:buClr>
+          <a:schemeClr val="accent1"/>
+        </a:buClr>
+        <a:buSzPct val="68000"/>
+        <a:buFont typeface="Wingdings 3"/>
+        <a:buChar char=""/>
+        <a:defRPr kumimoji="0" sz="2700" kern="1200">
           <a:solidFill>
             <a:schemeClr val="tx1"/>
           </a:solidFill>
@@ -2867,13 +4358,16 @@
           <a:cs typeface="+mn-cs"/>
         </a:defRPr>
       </a:lvl1pPr>
-      <a:lvl2pPr marL="742950" indent="-285750" algn="l" defTabSz="914400" rtl="0" eaLnBrk="1" latinLnBrk="0" hangingPunct="1">
+      <a:lvl2pPr marL="621792" indent="-228600" algn="l" rtl="0" eaLnBrk="1" latinLnBrk="0" hangingPunct="1">
         <a:spcBef>
-          <a:spcPct val="20000"/>
+          <a:spcPts val="324"/>
         </a:spcBef>
-        <a:buFont typeface="Arial" pitchFamily="34" charset="0"/>
-        <a:buChar char="–"/>
-        <a:defRPr sz="2800" kern="1200">
+        <a:buClr>
+          <a:schemeClr val="accent1"/>
+        </a:buClr>
+        <a:buFont typeface="Verdana"/>
+        <a:buChar char="◦"/>
+        <a:defRPr kumimoji="0" sz="2300" kern="1200">
           <a:solidFill>
             <a:schemeClr val="tx1"/>
           </a:solidFill>
@@ -2882,13 +4376,17 @@
           <a:cs typeface="+mn-cs"/>
         </a:defRPr>
       </a:lvl2pPr>
-      <a:lvl3pPr marL="1143000" indent="-228600" algn="l" defTabSz="914400" rtl="0" eaLnBrk="1" latinLnBrk="0" hangingPunct="1">
+      <a:lvl3pPr marL="859536" indent="-228600" algn="l" rtl="0" eaLnBrk="1" latinLnBrk="0" hangingPunct="1">
         <a:spcBef>
-          <a:spcPct val="20000"/>
+          <a:spcPts val="350"/>
         </a:spcBef>
-        <a:buFont typeface="Arial" pitchFamily="34" charset="0"/>
-        <a:buChar char="•"/>
-        <a:defRPr sz="2400" kern="1200">
+        <a:buClr>
+          <a:schemeClr val="accent2"/>
+        </a:buClr>
+        <a:buSzPct val="100000"/>
+        <a:buFont typeface="Wingdings 2"/>
+        <a:buChar char=""/>
+        <a:defRPr kumimoji="0" sz="2100" kern="1200">
           <a:solidFill>
             <a:schemeClr val="tx1"/>
           </a:solidFill>
@@ -2897,13 +4395,16 @@
           <a:cs typeface="+mn-cs"/>
         </a:defRPr>
       </a:lvl3pPr>
-      <a:lvl4pPr marL="1600200" indent="-228600" algn="l" defTabSz="914400" rtl="0" eaLnBrk="1" latinLnBrk="0" hangingPunct="1">
+      <a:lvl4pPr marL="1143000" indent="-228600" algn="l" rtl="0" eaLnBrk="1" latinLnBrk="0" hangingPunct="1">
         <a:spcBef>
-          <a:spcPct val="20000"/>
+          <a:spcPts val="350"/>
         </a:spcBef>
-        <a:buFont typeface="Arial" pitchFamily="34" charset="0"/>
-        <a:buChar char="–"/>
-        <a:defRPr sz="2000" kern="1200">
+        <a:buClr>
+          <a:schemeClr val="accent2"/>
+        </a:buClr>
+        <a:buFont typeface="Wingdings 2"/>
+        <a:buChar char=""/>
+        <a:defRPr kumimoji="0" sz="1900" kern="1200">
           <a:solidFill>
             <a:schemeClr val="tx1"/>
           </a:solidFill>
@@ -2912,13 +4413,16 @@
           <a:cs typeface="+mn-cs"/>
         </a:defRPr>
       </a:lvl4pPr>
-      <a:lvl5pPr marL="2057400" indent="-228600" algn="l" defTabSz="914400" rtl="0" eaLnBrk="1" latinLnBrk="0" hangingPunct="1">
+      <a:lvl5pPr marL="1371600" indent="-228600" algn="l" rtl="0" eaLnBrk="1" latinLnBrk="0" hangingPunct="1">
         <a:spcBef>
-          <a:spcPct val="20000"/>
+          <a:spcPts val="350"/>
         </a:spcBef>
-        <a:buFont typeface="Arial" pitchFamily="34" charset="0"/>
-        <a:buChar char="»"/>
-        <a:defRPr sz="2000" kern="1200">
+        <a:buClr>
+          <a:schemeClr val="accent2"/>
+        </a:buClr>
+        <a:buFont typeface="Wingdings 2"/>
+        <a:buChar char=""/>
+        <a:defRPr kumimoji="0" sz="1800" kern="1200">
           <a:solidFill>
             <a:schemeClr val="tx1"/>
           </a:solidFill>
@@ -2927,13 +4431,16 @@
           <a:cs typeface="+mn-cs"/>
         </a:defRPr>
       </a:lvl5pPr>
-      <a:lvl6pPr marL="2514600" indent="-228600" algn="l" defTabSz="914400" rtl="0" eaLnBrk="1" latinLnBrk="0" hangingPunct="1">
+      <a:lvl6pPr marL="1600200" indent="-228600" algn="l" rtl="0" eaLnBrk="1" latinLnBrk="0" hangingPunct="1">
         <a:spcBef>
-          <a:spcPct val="20000"/>
+          <a:spcPts val="350"/>
         </a:spcBef>
-        <a:buFont typeface="Arial" pitchFamily="34" charset="0"/>
-        <a:buChar char="•"/>
-        <a:defRPr sz="2000" kern="1200">
+        <a:buClr>
+          <a:schemeClr val="accent3"/>
+        </a:buClr>
+        <a:buFont typeface="Wingdings 2"/>
+        <a:buChar char=""/>
+        <a:defRPr kumimoji="0" sz="1800" kern="1200">
           <a:solidFill>
             <a:schemeClr val="tx1"/>
           </a:solidFill>
@@ -2942,13 +4449,16 @@
           <a:cs typeface="+mn-cs"/>
         </a:defRPr>
       </a:lvl6pPr>
-      <a:lvl7pPr marL="2971800" indent="-228600" algn="l" defTabSz="914400" rtl="0" eaLnBrk="1" latinLnBrk="0" hangingPunct="1">
+      <a:lvl7pPr marL="1828800" indent="-228600" algn="l" rtl="0" eaLnBrk="1" latinLnBrk="0" hangingPunct="1">
         <a:spcBef>
-          <a:spcPct val="20000"/>
+          <a:spcPts val="350"/>
         </a:spcBef>
-        <a:buFont typeface="Arial" pitchFamily="34" charset="0"/>
-        <a:buChar char="•"/>
-        <a:defRPr sz="2000" kern="1200">
+        <a:buClr>
+          <a:schemeClr val="accent3"/>
+        </a:buClr>
+        <a:buFont typeface="Wingdings 2"/>
+        <a:buChar char=""/>
+        <a:defRPr kumimoji="0" sz="1600" kern="1200">
           <a:solidFill>
             <a:schemeClr val="tx1"/>
           </a:solidFill>
@@ -2957,13 +4467,16 @@
           <a:cs typeface="+mn-cs"/>
         </a:defRPr>
       </a:lvl7pPr>
-      <a:lvl8pPr marL="3429000" indent="-228600" algn="l" defTabSz="914400" rtl="0" eaLnBrk="1" latinLnBrk="0" hangingPunct="1">
+      <a:lvl8pPr marL="2057400" indent="-228600" algn="l" rtl="0" eaLnBrk="1" latinLnBrk="0" hangingPunct="1">
         <a:spcBef>
-          <a:spcPct val="20000"/>
+          <a:spcPts val="350"/>
         </a:spcBef>
-        <a:buFont typeface="Arial" pitchFamily="34" charset="0"/>
-        <a:buChar char="•"/>
-        <a:defRPr sz="2000" kern="1200">
+        <a:buClr>
+          <a:schemeClr val="accent3"/>
+        </a:buClr>
+        <a:buFont typeface="Wingdings 2"/>
+        <a:buChar char=""/>
+        <a:defRPr kumimoji="0" sz="1600" kern="1200">
           <a:solidFill>
             <a:schemeClr val="tx1"/>
           </a:solidFill>
@@ -2972,13 +4485,16 @@
           <a:cs typeface="+mn-cs"/>
         </a:defRPr>
       </a:lvl8pPr>
-      <a:lvl9pPr marL="3886200" indent="-228600" algn="l" defTabSz="914400" rtl="0" eaLnBrk="1" latinLnBrk="0" hangingPunct="1">
+      <a:lvl9pPr marL="2286000" indent="-228600" algn="l" rtl="0" eaLnBrk="1" latinLnBrk="0" hangingPunct="1">
         <a:spcBef>
-          <a:spcPct val="20000"/>
+          <a:spcPts val="350"/>
         </a:spcBef>
-        <a:buFont typeface="Arial" pitchFamily="34" charset="0"/>
-        <a:buChar char="•"/>
-        <a:defRPr sz="2000" kern="1200">
+        <a:buClr>
+          <a:schemeClr val="accent3"/>
+        </a:buClr>
+        <a:buFont typeface="Wingdings 2"/>
+        <a:buChar char=""/>
+        <a:defRPr kumimoji="0" sz="1600" kern="1200" baseline="0">
           <a:solidFill>
             <a:schemeClr val="tx1"/>
           </a:solidFill>
@@ -2987,13 +4503,11 @@
           <a:cs typeface="+mn-cs"/>
         </a:defRPr>
       </a:lvl9pPr>
+      <a:extLst/>
     </p:bodyStyle>
     <p:otherStyle>
-      <a:defPPr>
-        <a:defRPr lang="en-US"/>
-      </a:defPPr>
-      <a:lvl1pPr marL="0" algn="l" defTabSz="914400" rtl="0" eaLnBrk="1" latinLnBrk="0" hangingPunct="1">
-        <a:defRPr sz="1800" kern="1200">
+      <a:lvl1pPr marL="0" algn="l" rtl="0" eaLnBrk="1" latinLnBrk="0" hangingPunct="1">
+        <a:defRPr kumimoji="0" kern="1200">
           <a:solidFill>
             <a:schemeClr val="tx1"/>
           </a:solidFill>
@@ -3002,8 +4516,8 @@
           <a:cs typeface="+mn-cs"/>
         </a:defRPr>
       </a:lvl1pPr>
-      <a:lvl2pPr marL="457200" algn="l" defTabSz="914400" rtl="0" eaLnBrk="1" latinLnBrk="0" hangingPunct="1">
-        <a:defRPr sz="1800" kern="1200">
+      <a:lvl2pPr marL="457200" algn="l" rtl="0" eaLnBrk="1" latinLnBrk="0" hangingPunct="1">
+        <a:defRPr kumimoji="0" kern="1200">
           <a:solidFill>
             <a:schemeClr val="tx1"/>
           </a:solidFill>
@@ -3012,8 +4526,8 @@
           <a:cs typeface="+mn-cs"/>
         </a:defRPr>
       </a:lvl2pPr>
-      <a:lvl3pPr marL="914400" algn="l" defTabSz="914400" rtl="0" eaLnBrk="1" latinLnBrk="0" hangingPunct="1">
-        <a:defRPr sz="1800" kern="1200">
+      <a:lvl3pPr marL="914400" algn="l" rtl="0" eaLnBrk="1" latinLnBrk="0" hangingPunct="1">
+        <a:defRPr kumimoji="0" kern="1200">
           <a:solidFill>
             <a:schemeClr val="tx1"/>
           </a:solidFill>
@@ -3022,8 +4536,8 @@
           <a:cs typeface="+mn-cs"/>
         </a:defRPr>
       </a:lvl3pPr>
-      <a:lvl4pPr marL="1371600" algn="l" defTabSz="914400" rtl="0" eaLnBrk="1" latinLnBrk="0" hangingPunct="1">
-        <a:defRPr sz="1800" kern="1200">
+      <a:lvl4pPr marL="1371600" algn="l" rtl="0" eaLnBrk="1" latinLnBrk="0" hangingPunct="1">
+        <a:defRPr kumimoji="0" kern="1200">
           <a:solidFill>
             <a:schemeClr val="tx1"/>
           </a:solidFill>
@@ -3032,8 +4546,8 @@
           <a:cs typeface="+mn-cs"/>
         </a:defRPr>
       </a:lvl4pPr>
-      <a:lvl5pPr marL="1828800" algn="l" defTabSz="914400" rtl="0" eaLnBrk="1" latinLnBrk="0" hangingPunct="1">
-        <a:defRPr sz="1800" kern="1200">
+      <a:lvl5pPr marL="1828800" algn="l" rtl="0" eaLnBrk="1" latinLnBrk="0" hangingPunct="1">
+        <a:defRPr kumimoji="0" kern="1200">
           <a:solidFill>
             <a:schemeClr val="tx1"/>
           </a:solidFill>
@@ -3042,8 +4556,8 @@
           <a:cs typeface="+mn-cs"/>
         </a:defRPr>
       </a:lvl5pPr>
-      <a:lvl6pPr marL="2286000" algn="l" defTabSz="914400" rtl="0" eaLnBrk="1" latinLnBrk="0" hangingPunct="1">
-        <a:defRPr sz="1800" kern="1200">
+      <a:lvl6pPr marL="2286000" algn="l" rtl="0" eaLnBrk="1" latinLnBrk="0" hangingPunct="1">
+        <a:defRPr kumimoji="0" kern="1200">
           <a:solidFill>
             <a:schemeClr val="tx1"/>
           </a:solidFill>
@@ -3052,8 +4566,8 @@
           <a:cs typeface="+mn-cs"/>
         </a:defRPr>
       </a:lvl6pPr>
-      <a:lvl7pPr marL="2743200" algn="l" defTabSz="914400" rtl="0" eaLnBrk="1" latinLnBrk="0" hangingPunct="1">
-        <a:defRPr sz="1800" kern="1200">
+      <a:lvl7pPr marL="2743200" algn="l" rtl="0" eaLnBrk="1" latinLnBrk="0" hangingPunct="1">
+        <a:defRPr kumimoji="0" kern="1200">
           <a:solidFill>
             <a:schemeClr val="tx1"/>
           </a:solidFill>
@@ -3062,8 +4576,8 @@
           <a:cs typeface="+mn-cs"/>
         </a:defRPr>
       </a:lvl7pPr>
-      <a:lvl8pPr marL="3200400" algn="l" defTabSz="914400" rtl="0" eaLnBrk="1" latinLnBrk="0" hangingPunct="1">
-        <a:defRPr sz="1800" kern="1200">
+      <a:lvl8pPr marL="3200400" algn="l" rtl="0" eaLnBrk="1" latinLnBrk="0" hangingPunct="1">
+        <a:defRPr kumimoji="0" kern="1200">
           <a:solidFill>
             <a:schemeClr val="tx1"/>
           </a:solidFill>
@@ -3072,8 +4586,8 @@
           <a:cs typeface="+mn-cs"/>
         </a:defRPr>
       </a:lvl8pPr>
-      <a:lvl9pPr marL="3657600" algn="l" defTabSz="914400" rtl="0" eaLnBrk="1" latinLnBrk="0" hangingPunct="1">
-        <a:defRPr sz="1800" kern="1200">
+      <a:lvl9pPr marL="3657600" algn="l" rtl="0" eaLnBrk="1" latinLnBrk="0" hangingPunct="1">
+        <a:defRPr kumimoji="0" kern="1200">
           <a:solidFill>
             <a:schemeClr val="tx1"/>
           </a:solidFill>
@@ -3082,6 +4596,7 @@
           <a:cs typeface="+mn-cs"/>
         </a:defRPr>
       </a:lvl9pPr>
+      <a:extLst/>
     </p:otherStyle>
   </p:txStyles>
 </p:sldMaster>
@@ -3361,20 +4876,20 @@
     </p:spTree>
     <p:extLst>
       <p:ext uri="{BB962C8B-B14F-4D97-AF65-F5344CB8AC3E}">
-        <p14:creationId xmlns:p14="http://schemas.microsoft.com/office/powerpoint/2010/main" val="3379584495"/>
+        <p14:creationId xmlns:p14="http://schemas.microsoft.com/office/powerpoint/2010/main" xmlns="" val="3379584495"/>
       </p:ext>
     </p:extLst>
   </p:cSld>
   <p:clrMapOvr>
     <a:masterClrMapping/>
   </p:clrMapOvr>
-  <p:transition xmlns:p14="http://schemas.microsoft.com/office/powerpoint/2010/main">
+  <p:transition>
     <p:dissolve/>
   </p:transition>
   <p:timing>
     <p:tnLst>
       <p:par>
-        <p:cTn xmlns:p14="http://schemas.microsoft.com/office/powerpoint/2010/main" id="1" dur="indefinite" restart="never" nodeType="tmRoot"/>
+        <p:cTn id="1" dur="indefinite" restart="never" nodeType="tmRoot"/>
       </p:par>
     </p:tnLst>
   </p:timing>
@@ -3400,34 +4915,6 @@
       </p:grpSpPr>
       <p:sp>
         <p:nvSpPr>
-          <p:cNvPr id="3" name="Title 2"/>
-          <p:cNvSpPr>
-            <a:spLocks noGrp="1"/>
-          </p:cNvSpPr>
-          <p:nvPr>
-            <p:ph type="title"/>
-          </p:nvPr>
-        </p:nvSpPr>
-        <p:spPr/>
-        <p:txBody>
-          <a:bodyPr/>
-          <a:lstStyle/>
-          <a:p>
-            <a:pPr algn="ctr"/>
-            <a:r>
-              <a:rPr lang="en-US" b="0" u="sng" dirty="0" smtClean="0">
-                <a:latin typeface="Alien Encounters Solid" pitchFamily="2" charset="0"/>
-              </a:rPr>
-              <a:t>The Inspiration</a:t>
-            </a:r>
-            <a:endParaRPr lang="en-US" b="0" dirty="0">
-              <a:latin typeface="Lucida Console" pitchFamily="49" charset="0"/>
-            </a:endParaRPr>
-          </a:p>
-        </p:txBody>
-      </p:sp>
-      <p:sp>
-        <p:nvSpPr>
           <p:cNvPr id="2" name="Content Placeholder 1"/>
           <p:cNvSpPr>
             <a:spLocks noGrp="1"/>
@@ -3458,10 +4945,42 @@
           </a:p>
         </p:txBody>
       </p:sp>
+      <p:sp>
+        <p:nvSpPr>
+          <p:cNvPr id="3" name="Title 2"/>
+          <p:cNvSpPr>
+            <a:spLocks noGrp="1"/>
+          </p:cNvSpPr>
+          <p:nvPr>
+            <p:ph type="title"/>
+          </p:nvPr>
+        </p:nvSpPr>
+        <p:spPr/>
+        <p:txBody>
+          <a:bodyPr/>
+          <a:lstStyle/>
+          <a:p>
+            <a:pPr algn="ctr"/>
+            <a:r>
+              <a:rPr lang="en-US" b="0" u="sng" dirty="0" smtClean="0">
+                <a:latin typeface="Times New Roman" pitchFamily="18" charset="0"/>
+                <a:ea typeface="Adobe Heiti Std R" pitchFamily="34" charset="-128"/>
+                <a:cs typeface="Times New Roman" pitchFamily="18" charset="0"/>
+              </a:rPr>
+              <a:t>The Inspiration</a:t>
+            </a:r>
+            <a:endParaRPr lang="en-US" b="0" dirty="0">
+              <a:latin typeface="Times New Roman" pitchFamily="18" charset="0"/>
+              <a:ea typeface="Adobe Heiti Std R" pitchFamily="34" charset="-128"/>
+              <a:cs typeface="Times New Roman" pitchFamily="18" charset="0"/>
+            </a:endParaRPr>
+          </a:p>
+        </p:txBody>
+      </p:sp>
     </p:spTree>
     <p:extLst>
       <p:ext uri="{BB962C8B-B14F-4D97-AF65-F5344CB8AC3E}">
-        <p14:creationId xmlns:p14="http://schemas.microsoft.com/office/powerpoint/2010/main" val="3639230981"/>
+        <p14:creationId xmlns:p14="http://schemas.microsoft.com/office/powerpoint/2010/main" xmlns="" val="3639230981"/>
       </p:ext>
     </p:extLst>
   </p:cSld>
@@ -3471,7 +4990,7 @@
   <p:timing>
     <p:tnLst>
       <p:par>
-        <p:cTn xmlns:p14="http://schemas.microsoft.com/office/powerpoint/2010/main" id="1" dur="indefinite" restart="never" nodeType="tmRoot"/>
+        <p:cTn id="1" dur="indefinite" restart="never" nodeType="tmRoot"/>
       </p:par>
     </p:tnLst>
   </p:timing>
@@ -3497,12 +5016,12 @@
       </p:grpSpPr>
       <p:sp>
         <p:nvSpPr>
-          <p:cNvPr id="3" name="Title 2"/>
-          <p:cNvSpPr>
-            <a:spLocks noGrp="1"/>
-          </p:cNvSpPr>
-          <p:nvPr>
-            <p:ph type="title"/>
+          <p:cNvPr id="2" name="Content Placeholder 1"/>
+          <p:cNvSpPr>
+            <a:spLocks noGrp="1"/>
+          </p:cNvSpPr>
+          <p:nvPr>
+            <p:ph idx="1"/>
           </p:nvPr>
         </p:nvSpPr>
         <p:spPr/>
@@ -3510,27 +5029,28 @@
           <a:bodyPr/>
           <a:lstStyle/>
           <a:p>
-            <a:pPr algn="ctr"/>
-            <a:r>
-              <a:rPr lang="en-US" u="sng" dirty="0" smtClean="0">
-                <a:latin typeface="Alien Encounters Solid" pitchFamily="2" charset="0"/>
-              </a:rPr>
-              <a:t>THE IDEA</a:t>
-            </a:r>
-            <a:endParaRPr lang="en-US" u="sng" dirty="0">
-              <a:latin typeface="Alien Encounters Solid" pitchFamily="2" charset="0"/>
-            </a:endParaRPr>
-          </a:p>
-        </p:txBody>
-      </p:sp>
-      <p:sp>
-        <p:nvSpPr>
-          <p:cNvPr id="2" name="Content Placeholder 1"/>
-          <p:cNvSpPr>
-            <a:spLocks noGrp="1"/>
-          </p:cNvSpPr>
-          <p:nvPr>
-            <p:ph idx="1"/>
+            <a:r>
+              <a:rPr lang="en-US" dirty="0" smtClean="0"/>
+              <a:t>By implementing a small amount of code in a device, developers can enable their products to be controlled remotely with little set up and backend development. </a:t>
+            </a:r>
+          </a:p>
+          <a:p>
+            <a:r>
+              <a:rPr lang="en-US" dirty="0" smtClean="0"/>
+              <a:t>The RAICHU API will allow developers to easily implement the cloud services to new projects as well inject the capabilities into existing source code.</a:t>
+            </a:r>
+            <a:endParaRPr lang="en-US" dirty="0"/>
+          </a:p>
+        </p:txBody>
+      </p:sp>
+      <p:sp>
+        <p:nvSpPr>
+          <p:cNvPr id="3" name="Title 2"/>
+          <p:cNvSpPr>
+            <a:spLocks noGrp="1"/>
+          </p:cNvSpPr>
+          <p:nvPr>
+            <p:ph type="title"/>
           </p:nvPr>
         </p:nvSpPr>
         <p:spPr/>
@@ -3538,24 +5058,25 @@
           <a:bodyPr/>
           <a:lstStyle/>
           <a:p>
-            <a:r>
-              <a:rPr lang="en-US" dirty="0" smtClean="0"/>
-              <a:t>By implementing a small amount of code in a device, developers can enable their products to be controlled remotely with little set up and backend development. </a:t>
-            </a:r>
-          </a:p>
-          <a:p>
-            <a:r>
-              <a:rPr lang="en-US" dirty="0" smtClean="0"/>
-              <a:t>The RAICHU API will allow developers to easily implement the cloud services to new projects as well inject the capabilities into existing source code.</a:t>
-            </a:r>
-            <a:endParaRPr lang="en-US" dirty="0"/>
+            <a:pPr algn="ctr"/>
+            <a:r>
+              <a:rPr lang="en-US" b="0" u="sng" dirty="0" smtClean="0">
+                <a:latin typeface="Times New Roman" pitchFamily="18" charset="0"/>
+                <a:cs typeface="Times New Roman" pitchFamily="18" charset="0"/>
+              </a:rPr>
+              <a:t>The Idea</a:t>
+            </a:r>
+            <a:endParaRPr lang="en-US" b="0" u="sng" dirty="0">
+              <a:latin typeface="Times New Roman" pitchFamily="18" charset="0"/>
+              <a:cs typeface="Times New Roman" pitchFamily="18" charset="0"/>
+            </a:endParaRPr>
           </a:p>
         </p:txBody>
       </p:sp>
     </p:spTree>
     <p:extLst>
       <p:ext uri="{BB962C8B-B14F-4D97-AF65-F5344CB8AC3E}">
-        <p14:creationId xmlns:p14="http://schemas.microsoft.com/office/powerpoint/2010/main" val="2851943384"/>
+        <p14:creationId xmlns:p14="http://schemas.microsoft.com/office/powerpoint/2010/main" xmlns="" val="2851943384"/>
       </p:ext>
     </p:extLst>
   </p:cSld>
@@ -3565,7 +5086,7 @@
   <p:timing>
     <p:tnLst>
       <p:par>
-        <p:cTn xmlns:p14="http://schemas.microsoft.com/office/powerpoint/2010/main" id="1" dur="indefinite" restart="never" nodeType="tmRoot"/>
+        <p:cTn id="1" dur="indefinite" restart="never" nodeType="tmRoot"/>
       </p:par>
     </p:tnLst>
   </p:timing>
@@ -3607,124 +5128,58 @@
             <a:pPr algn="ctr"/>
             <a:r>
               <a:rPr lang="en-US" b="0" u="sng" dirty="0" smtClean="0">
-                <a:latin typeface="Alien Encounters Solid" pitchFamily="2" charset="0"/>
+                <a:latin typeface="Times New Roman" pitchFamily="18" charset="0"/>
+                <a:cs typeface="Times New Roman" pitchFamily="18" charset="0"/>
               </a:rPr>
-              <a:t>The RAICHU API</a:t>
-            </a:r>
-            <a:endParaRPr lang="en-US" b="0" dirty="0">
-              <a:latin typeface="Lucida Console" pitchFamily="49" charset="0"/>
+              <a:t>Server Architecture</a:t>
+            </a:r>
+            <a:endParaRPr lang="en-US" b="0" u="sng" dirty="0">
+              <a:latin typeface="Times New Roman" pitchFamily="18" charset="0"/>
+              <a:cs typeface="Times New Roman" pitchFamily="18" charset="0"/>
             </a:endParaRPr>
           </a:p>
         </p:txBody>
       </p:sp>
-      <p:sp>
-        <p:nvSpPr>
-          <p:cNvPr id="2" name="Content Placeholder 1"/>
-          <p:cNvSpPr>
-            <a:spLocks noGrp="1"/>
-          </p:cNvSpPr>
-          <p:nvPr>
-            <p:ph idx="1"/>
-          </p:nvPr>
-        </p:nvSpPr>
-        <p:spPr/>
-        <p:txBody>
-          <a:bodyPr>
-            <a:normAutofit fontScale="92500" lnSpcReduction="20000"/>
-          </a:bodyPr>
-          <a:lstStyle/>
-          <a:p>
-            <a:r>
-              <a:rPr lang="en-US" sz="2800" dirty="0" smtClean="0"/>
-              <a:t>A key aspect to RAICHU is a simple to use API that will allow for developers to integrate our system as either an initial building block in their code or inject into a living code source.</a:t>
-            </a:r>
-          </a:p>
-          <a:p>
-            <a:r>
-              <a:rPr lang="en-US" sz="2800" dirty="0" smtClean="0"/>
-              <a:t>Function naming schemes and common API conventions make the API easy to navigate:</a:t>
-            </a:r>
-          </a:p>
-          <a:p>
-            <a:pPr lvl="1"/>
-            <a:r>
-              <a:rPr lang="en-US" sz="2400" dirty="0" err="1" smtClean="0"/>
-              <a:t>Raichu_setDeviceName</a:t>
-            </a:r>
-            <a:r>
-              <a:rPr lang="en-US" sz="2400" dirty="0" smtClean="0"/>
-              <a:t>();</a:t>
-            </a:r>
-          </a:p>
-          <a:p>
-            <a:pPr lvl="1"/>
-            <a:r>
-              <a:rPr lang="en-US" sz="2400" dirty="0" err="1" smtClean="0"/>
-              <a:t>Raichu_setDeviceCommands</a:t>
-            </a:r>
-            <a:r>
-              <a:rPr lang="en-US" sz="2400" dirty="0" smtClean="0"/>
-              <a:t>();</a:t>
-            </a:r>
-          </a:p>
-          <a:p>
-            <a:pPr lvl="1"/>
-            <a:r>
-              <a:rPr lang="en-US" sz="2400" dirty="0" err="1" smtClean="0"/>
-              <a:t>Riachu_setStatusParameters</a:t>
-            </a:r>
-            <a:r>
-              <a:rPr lang="en-US" sz="2400" dirty="0" smtClean="0"/>
-              <a:t>();</a:t>
-            </a:r>
-          </a:p>
-          <a:p>
-            <a:pPr lvl="1"/>
-            <a:r>
-              <a:rPr lang="en-US" sz="2400" dirty="0" err="1" smtClean="0"/>
-              <a:t>Riachu_getConnectedClient</a:t>
-            </a:r>
-            <a:r>
-              <a:rPr lang="en-US" sz="2400" dirty="0" smtClean="0"/>
-              <a:t>();</a:t>
-            </a:r>
-          </a:p>
-          <a:p>
-            <a:pPr lvl="1"/>
-            <a:r>
-              <a:rPr lang="en-US" sz="2400" dirty="0" err="1" smtClean="0"/>
-              <a:t>Riachu_getServerStatus</a:t>
-            </a:r>
-            <a:r>
-              <a:rPr lang="en-US" sz="2400" dirty="0" smtClean="0"/>
-              <a:t>();</a:t>
-            </a:r>
-          </a:p>
-          <a:p>
-            <a:r>
-              <a:rPr lang="en-US" sz="2800" dirty="0" smtClean="0"/>
-              <a:t>API documentation provides users with detailed information on RAICHU methods and variables.</a:t>
-            </a:r>
-          </a:p>
-        </p:txBody>
-      </p:sp>
+      <p:pic>
+        <p:nvPicPr>
+          <p:cNvPr id="6" name="Picture 5" descr="CMPE146_195 Project.png"/>
+          <p:cNvPicPr>
+            <a:picLocks noChangeAspect="1"/>
+          </p:cNvPicPr>
+          <p:nvPr/>
+        </p:nvPicPr>
+        <p:blipFill>
+          <a:blip r:embed="rId2" cstate="print">
+            <a:extLst>
+              <a:ext uri="{28A0092B-C50C-407E-A947-70E740481C1C}">
+                <a14:useLocalDpi xmlns:a14="http://schemas.microsoft.com/office/drawing/2010/main" xmlns="" val="0"/>
+              </a:ext>
+            </a:extLst>
+          </a:blip>
+          <a:stretch>
+            <a:fillRect/>
+          </a:stretch>
+        </p:blipFill>
+        <p:spPr>
+          <a:xfrm>
+            <a:off x="609600" y="1219200"/>
+            <a:ext cx="8305800" cy="5106318"/>
+          </a:xfrm>
+          <a:prstGeom prst="rect">
+            <a:avLst/>
+          </a:prstGeom>
+        </p:spPr>
+      </p:pic>
     </p:spTree>
     <p:extLst>
       <p:ext uri="{BB962C8B-B14F-4D97-AF65-F5344CB8AC3E}">
-        <p14:creationId xmlns:p14="http://schemas.microsoft.com/office/powerpoint/2010/main" val="2673029718"/>
+        <p14:creationId xmlns:p14="http://schemas.microsoft.com/office/powerpoint/2010/main" xmlns="" val="1035486124"/>
       </p:ext>
     </p:extLst>
   </p:cSld>
   <p:clrMapOvr>
     <a:masterClrMapping/>
   </p:clrMapOvr>
-  <p:timing>
-    <p:tnLst>
-      <p:par>
-        <p:cTn xmlns:p14="http://schemas.microsoft.com/office/powerpoint/2010/main" id="1" dur="indefinite" restart="never" nodeType="tmRoot"/>
-      </p:par>
-    </p:tnLst>
-  </p:timing>
 </p:sld>
 </file>
 
@@ -3747,6 +5202,97 @@
       </p:grpSpPr>
       <p:sp>
         <p:nvSpPr>
+          <p:cNvPr id="2" name="Content Placeholder 1"/>
+          <p:cNvSpPr>
+            <a:spLocks noGrp="1"/>
+          </p:cNvSpPr>
+          <p:nvPr>
+            <p:ph idx="1"/>
+          </p:nvPr>
+        </p:nvSpPr>
+        <p:spPr/>
+        <p:txBody>
+          <a:bodyPr>
+            <a:normAutofit fontScale="92500" lnSpcReduction="20000"/>
+          </a:bodyPr>
+          <a:lstStyle/>
+          <a:p>
+            <a:r>
+              <a:rPr lang="en-US" sz="2800" dirty="0" smtClean="0"/>
+              <a:t>A key aspect to RAICHU is a simple to use API that will allow for developers to integrate our system as either an initial building block in their code or inject into a living code source.</a:t>
+            </a:r>
+          </a:p>
+          <a:p>
+            <a:r>
+              <a:rPr lang="en-US" sz="2800" dirty="0" smtClean="0"/>
+              <a:t>Function naming schemes and common API conventions make the API easy to navigate:</a:t>
+            </a:r>
+          </a:p>
+          <a:p>
+            <a:pPr lvl="1"/>
+            <a:r>
+              <a:rPr lang="en-US" sz="2400" dirty="0" err="1" smtClean="0"/>
+              <a:t>Raichu_setDeviceName</a:t>
+            </a:r>
+            <a:r>
+              <a:rPr lang="en-US" sz="2400" dirty="0" smtClean="0"/>
+              <a:t>();</a:t>
+            </a:r>
+          </a:p>
+          <a:p>
+            <a:pPr lvl="1"/>
+            <a:r>
+              <a:rPr lang="en-US" sz="2400" dirty="0" err="1" smtClean="0"/>
+              <a:t>Raichu_setDeviceCommands</a:t>
+            </a:r>
+            <a:r>
+              <a:rPr lang="en-US" sz="2400" dirty="0" smtClean="0"/>
+              <a:t>();</a:t>
+            </a:r>
+          </a:p>
+          <a:p>
+            <a:pPr lvl="1"/>
+            <a:r>
+              <a:rPr lang="en-US" sz="2400" dirty="0" err="1" smtClean="0"/>
+              <a:t>Riachu_setStatusParameters</a:t>
+            </a:r>
+            <a:r>
+              <a:rPr lang="en-US" sz="2400" dirty="0" smtClean="0"/>
+              <a:t>();</a:t>
+            </a:r>
+          </a:p>
+          <a:p>
+            <a:pPr lvl="1"/>
+            <a:r>
+              <a:rPr lang="en-US" sz="2400" dirty="0" err="1" smtClean="0"/>
+              <a:t>Riachu_getConnectedClient</a:t>
+            </a:r>
+            <a:r>
+              <a:rPr lang="en-US" sz="2400" dirty="0" smtClean="0"/>
+              <a:t>();</a:t>
+            </a:r>
+          </a:p>
+          <a:p>
+            <a:pPr lvl="1"/>
+            <a:r>
+              <a:rPr lang="en-US" sz="2400" dirty="0" err="1" smtClean="0"/>
+              <a:t>Riachu_getServerStatus</a:t>
+            </a:r>
+            <a:r>
+              <a:rPr lang="en-US" sz="2400" dirty="0" smtClean="0"/>
+              <a:t>();</a:t>
+            </a:r>
+          </a:p>
+          <a:p>
+            <a:r>
+              <a:rPr lang="en-US" sz="2800" dirty="0" smtClean="0"/>
+              <a:t>API documentation provides users with detailed information on RAICHU methods and variables.</a:t>
+            </a:r>
+          </a:p>
+        </p:txBody>
+      </p:sp>
+      <p:sp>
+        <p:nvSpPr>
           <p:cNvPr id="3" name="Title 2"/>
           <p:cNvSpPr>
             <a:spLocks noGrp="1"/>
@@ -3762,57 +5308,36 @@
           <a:p>
             <a:pPr algn="ctr"/>
             <a:r>
-              <a:rPr lang="en-US" u="sng" dirty="0" smtClean="0">
-                <a:latin typeface="Alien Encounters Solid" pitchFamily="2" charset="0"/>
+              <a:rPr lang="en-US" b="0" u="sng" dirty="0" smtClean="0">
+                <a:latin typeface="Times New Roman" pitchFamily="18" charset="0"/>
+                <a:cs typeface="Times New Roman" pitchFamily="18" charset="0"/>
               </a:rPr>
-              <a:t>Server Architecture</a:t>
-            </a:r>
-            <a:endParaRPr lang="en-US" u="sng" dirty="0">
-              <a:latin typeface="Alien Encounters Solid" pitchFamily="2" charset="0"/>
+              <a:t>The RAICHU API</a:t>
+            </a:r>
+            <a:endParaRPr lang="en-US" b="0" dirty="0">
+              <a:latin typeface="Times New Roman" pitchFamily="18" charset="0"/>
+              <a:cs typeface="Times New Roman" pitchFamily="18" charset="0"/>
             </a:endParaRPr>
           </a:p>
         </p:txBody>
       </p:sp>
-      <p:pic>
-        <p:nvPicPr>
-          <p:cNvPr id="6" name="Picture 5" descr="CMPE146_195 Project.png"/>
-          <p:cNvPicPr>
-            <a:picLocks noChangeAspect="1"/>
-          </p:cNvPicPr>
-          <p:nvPr/>
-        </p:nvPicPr>
-        <p:blipFill>
-          <a:blip r:embed="rId2" cstate="print">
-            <a:extLst>
-              <a:ext uri="{28A0092B-C50C-407E-A947-70E740481C1C}">
-                <a14:useLocalDpi xmlns:a14="http://schemas.microsoft.com/office/drawing/2010/main" val="0"/>
-              </a:ext>
-            </a:extLst>
-          </a:blip>
-          <a:stretch>
-            <a:fillRect/>
-          </a:stretch>
-        </p:blipFill>
-        <p:spPr>
-          <a:xfrm>
-            <a:off x="609600" y="1219200"/>
-            <a:ext cx="8305800" cy="5106318"/>
-          </a:xfrm>
-          <a:prstGeom prst="rect">
-            <a:avLst/>
-          </a:prstGeom>
-        </p:spPr>
-      </p:pic>
     </p:spTree>
     <p:extLst>
       <p:ext uri="{BB962C8B-B14F-4D97-AF65-F5344CB8AC3E}">
-        <p14:creationId xmlns:p14="http://schemas.microsoft.com/office/powerpoint/2010/main" val="1035486124"/>
+        <p14:creationId xmlns:p14="http://schemas.microsoft.com/office/powerpoint/2010/main" xmlns="" val="2673029718"/>
       </p:ext>
     </p:extLst>
   </p:cSld>
   <p:clrMapOvr>
     <a:masterClrMapping/>
   </p:clrMapOvr>
+  <p:timing>
+    <p:tnLst>
+      <p:par>
+        <p:cTn id="1" dur="indefinite" restart="never" nodeType="tmRoot"/>
+      </p:par>
+    </p:tnLst>
+  </p:timing>
 </p:sld>
 </file>
 
@@ -3878,7 +5403,7 @@
     </p:spTree>
     <p:extLst>
       <p:ext uri="{BB962C8B-B14F-4D97-AF65-F5344CB8AC3E}">
-        <p14:creationId xmlns:p14="http://schemas.microsoft.com/office/powerpoint/2010/main" val="1169526632"/>
+        <p14:creationId xmlns:p14="http://schemas.microsoft.com/office/powerpoint/2010/main" xmlns="" val="1169526632"/>
       </p:ext>
     </p:extLst>
   </p:cSld>
@@ -3889,9 +5414,9 @@
 </file>
 
 <file path=ppt/theme/theme1.xml><?xml version="1.0" encoding="utf-8"?>
-<a:theme xmlns:a="http://schemas.openxmlformats.org/drawingml/2006/main" name="Black">
+<a:theme xmlns:a="http://schemas.openxmlformats.org/drawingml/2006/main" name="Concourse">
   <a:themeElements>
-    <a:clrScheme name="Office">
+    <a:clrScheme name="Concourse">
       <a:dk1>
         <a:sysClr val="windowText" lastClr="000000"/>
       </a:dk1>
@@ -3899,80 +5424,45 @@
         <a:sysClr val="window" lastClr="FFFFFF"/>
       </a:lt1>
       <a:dk2>
-        <a:srgbClr val="1F497D"/>
+        <a:srgbClr val="464646"/>
       </a:dk2>
       <a:lt2>
-        <a:srgbClr val="EEECE1"/>
+        <a:srgbClr val="DEF5FA"/>
       </a:lt2>
       <a:accent1>
-        <a:srgbClr val="4F81BD"/>
+        <a:srgbClr val="2DA2BF"/>
       </a:accent1>
       <a:accent2>
-        <a:srgbClr val="C0504D"/>
+        <a:srgbClr val="DA1F28"/>
       </a:accent2>
       <a:accent3>
-        <a:srgbClr val="9BBB59"/>
+        <a:srgbClr val="EB641B"/>
       </a:accent3>
       <a:accent4>
-        <a:srgbClr val="8064A2"/>
+        <a:srgbClr val="39639D"/>
       </a:accent4>
       <a:accent5>
-        <a:srgbClr val="4BACC6"/>
+        <a:srgbClr val="474B78"/>
       </a:accent5>
       <a:accent6>
-        <a:srgbClr val="F79646"/>
+        <a:srgbClr val="7D3C4A"/>
       </a:accent6>
       <a:hlink>
-        <a:srgbClr val="0000FF"/>
+        <a:srgbClr val="FF8119"/>
       </a:hlink>
       <a:folHlink>
-        <a:srgbClr val="800080"/>
+        <a:srgbClr val="44B9E8"/>
       </a:folHlink>
     </a:clrScheme>
-    <a:fontScheme name="Office">
+    <a:fontScheme name="Concourse">
       <a:majorFont>
-        <a:latin typeface="Calibri"/>
+        <a:latin typeface="Lucida Sans Unicode"/>
         <a:ea typeface=""/>
         <a:cs typeface=""/>
         <a:font script="Jpan" typeface="ＭＳ Ｐゴシック"/>
         <a:font script="Hang" typeface="맑은 고딕"/>
-        <a:font script="Hans" typeface="宋体"/>
-        <a:font script="Hant" typeface="新細明體"/>
-        <a:font script="Arab" typeface="Times New Roman"/>
-        <a:font script="Hebr" typeface="Times New Roman"/>
-        <a:font script="Thai" typeface="Angsana New"/>
-        <a:font script="Ethi" typeface="Nyala"/>
-        <a:font script="Beng" typeface="Vrinda"/>
-        <a:font script="Gujr" typeface="Shruti"/>
-        <a:font script="Khmr" typeface="MoolBoran"/>
-        <a:font script="Knda" typeface="Tunga"/>
-        <a:font script="Guru" typeface="Raavi"/>
-        <a:font script="Cans" typeface="Euphemia"/>
-        <a:font script="Cher" typeface="Plantagenet Cherokee"/>
-        <a:font script="Yiii" typeface="Microsoft Yi Baiti"/>
-        <a:font script="Tibt" typeface="Microsoft Himalaya"/>
-        <a:font script="Thaa" typeface="MV Boli"/>
-        <a:font script="Deva" typeface="Mangal"/>
-        <a:font script="Telu" typeface="Gautami"/>
-        <a:font script="Taml" typeface="Latha"/>
-        <a:font script="Syrc" typeface="Estrangelo Edessa"/>
-        <a:font script="Orya" typeface="Kalinga"/>
-        <a:font script="Mlym" typeface="Kartika"/>
-        <a:font script="Laoo" typeface="DokChampa"/>
-        <a:font script="Sinh" typeface="Iskoola Pota"/>
-        <a:font script="Mong" typeface="Mongolian Baiti"/>
-        <a:font script="Viet" typeface="Times New Roman"/>
-        <a:font script="Uigh" typeface="Microsoft Uighur"/>
-        <a:font script="Geor" typeface="Sylfaen"/>
-      </a:majorFont>
-      <a:minorFont>
-        <a:latin typeface="Calibri"/>
-        <a:ea typeface=""/>
-        <a:cs typeface=""/>
-        <a:font script="Jpan" typeface="ＭＳ Ｐゴシック"/>
-        <a:font script="Hang" typeface="맑은 고딕"/>
-        <a:font script="Hans" typeface="宋体"/>
-        <a:font script="Hant" typeface="新細明體"/>
+        <a:font script="Hans" typeface="黑体"/>
+        <a:font script="Hant" typeface="微軟正黑體"/>
         <a:font script="Arab" typeface="Arial"/>
         <a:font script="Hebr" typeface="Arial"/>
         <a:font script="Thai" typeface="Cordia New"/>
@@ -3996,12 +5486,43 @@
         <a:font script="Laoo" typeface="DokChampa"/>
         <a:font script="Sinh" typeface="Iskoola Pota"/>
         <a:font script="Mong" typeface="Mongolian Baiti"/>
-        <a:font script="Viet" typeface="Arial"/>
         <a:font script="Uigh" typeface="Microsoft Uighur"/>
-        <a:font script="Geor" typeface="Sylfaen"/>
+      </a:majorFont>
+      <a:minorFont>
+        <a:latin typeface="Lucida Sans Unicode"/>
+        <a:ea typeface=""/>
+        <a:cs typeface=""/>
+        <a:font script="Jpan" typeface="ＭＳ Ｐゴシック"/>
+        <a:font script="Hang" typeface="맑은 고딕"/>
+        <a:font script="Hans" typeface="黑体"/>
+        <a:font script="Hant" typeface="微軟正黑體"/>
+        <a:font script="Arab" typeface="Arial"/>
+        <a:font script="Hebr" typeface="Arial"/>
+        <a:font script="Thai" typeface="Cordia New"/>
+        <a:font script="Ethi" typeface="Nyala"/>
+        <a:font script="Beng" typeface="Vrinda"/>
+        <a:font script="Gujr" typeface="Shruti"/>
+        <a:font script="Khmr" typeface="DaunPenh"/>
+        <a:font script="Knda" typeface="Tunga"/>
+        <a:font script="Guru" typeface="Raavi"/>
+        <a:font script="Cans" typeface="Euphemia"/>
+        <a:font script="Cher" typeface="Plantagenet Cherokee"/>
+        <a:font script="Yiii" typeface="Microsoft Yi Baiti"/>
+        <a:font script="Tibt" typeface="Microsoft Himalaya"/>
+        <a:font script="Thaa" typeface="MV Boli"/>
+        <a:font script="Deva" typeface="Mangal"/>
+        <a:font script="Telu" typeface="Gautami"/>
+        <a:font script="Taml" typeface="Latha"/>
+        <a:font script="Syrc" typeface="Estrangelo Edessa"/>
+        <a:font script="Orya" typeface="Kalinga"/>
+        <a:font script="Mlym" typeface="Kartika"/>
+        <a:font script="Laoo" typeface="DokChampa"/>
+        <a:font script="Sinh" typeface="Iskoola Pota"/>
+        <a:font script="Mong" typeface="Mongolian Baiti"/>
+        <a:font script="Uigh" typeface="Microsoft Uighur"/>
       </a:minorFont>
     </a:fontScheme>
-    <a:fmtScheme name="Office">
+    <a:fmtScheme name="Concourse">
       <a:fillStyleLst>
         <a:solidFill>
           <a:schemeClr val="phClr"/>
@@ -4010,43 +5531,51 @@
           <a:gsLst>
             <a:gs pos="0">
               <a:schemeClr val="phClr">
-                <a:tint val="50000"/>
-                <a:satMod val="300000"/>
+                <a:tint val="62000"/>
+                <a:satMod val="180000"/>
               </a:schemeClr>
             </a:gs>
-            <a:gs pos="35000">
+            <a:gs pos="65000">
               <a:schemeClr val="phClr">
-                <a:tint val="37000"/>
-                <a:satMod val="300000"/>
+                <a:tint val="32000"/>
+                <a:satMod val="250000"/>
               </a:schemeClr>
             </a:gs>
             <a:gs pos="100000">
               <a:schemeClr val="phClr">
-                <a:tint val="15000"/>
-                <a:satMod val="350000"/>
+                <a:tint val="23000"/>
+                <a:satMod val="300000"/>
               </a:schemeClr>
             </a:gs>
           </a:gsLst>
-          <a:lin ang="16200000" scaled="1"/>
+          <a:lin ang="16200000" scaled="0"/>
         </a:gradFill>
         <a:gradFill rotWithShape="1">
           <a:gsLst>
             <a:gs pos="0">
               <a:schemeClr val="phClr">
-                <a:shade val="51000"/>
-                <a:satMod val="130000"/>
+                <a:shade val="15000"/>
+                <a:satMod val="180000"/>
               </a:schemeClr>
             </a:gs>
-            <a:gs pos="80000">
+            <a:gs pos="50000">
               <a:schemeClr val="phClr">
-                <a:shade val="93000"/>
-                <a:satMod val="130000"/>
+                <a:shade val="45000"/>
+                <a:satMod val="170000"/>
+              </a:schemeClr>
+            </a:gs>
+            <a:gs pos="70000">
+              <a:schemeClr val="phClr">
+                <a:tint val="99000"/>
+                <a:shade val="65000"/>
+                <a:satMod val="155000"/>
               </a:schemeClr>
             </a:gs>
             <a:gs pos="100000">
               <a:schemeClr val="phClr">
-                <a:shade val="94000"/>
-                <a:satMod val="135000"/>
+                <a:tint val="95500"/>
+                <a:shade val="100000"/>
+                <a:satMod val="155000"/>
               </a:schemeClr>
             </a:gs>
           </a:gsLst>
@@ -4056,20 +5585,17 @@
       <a:lnStyleLst>
         <a:ln w="9525" cap="flat" cmpd="sng" algn="ctr">
           <a:solidFill>
-            <a:schemeClr val="phClr">
-              <a:shade val="95000"/>
-              <a:satMod val="105000"/>
-            </a:schemeClr>
+            <a:schemeClr val="phClr"/>
           </a:solidFill>
           <a:prstDash val="solid"/>
         </a:ln>
-        <a:ln w="25400" cap="flat" cmpd="sng" algn="ctr">
+        <a:ln w="55000" cap="flat" cmpd="thickThin" algn="ctr">
           <a:solidFill>
             <a:schemeClr val="phClr"/>
           </a:solidFill>
           <a:prstDash val="solid"/>
         </a:ln>
-        <a:ln w="38100" cap="flat" cmpd="sng" algn="ctr">
+        <a:ln w="63500" cap="flat" cmpd="thickThin" algn="ctr">
           <a:solidFill>
             <a:schemeClr val="phClr"/>
           </a:solidFill>
@@ -4079,16 +5605,7 @@
       <a:effectStyleLst>
         <a:effectStyle>
           <a:effectLst>
-            <a:outerShdw blurRad="40000" dist="20000" dir="5400000" rotWithShape="0">
-              <a:srgbClr val="000000">
-                <a:alpha val="38000"/>
-              </a:srgbClr>
-            </a:outerShdw>
-          </a:effectLst>
-        </a:effectStyle>
-        <a:effectStyle>
-          <a:effectLst>
-            <a:outerShdw blurRad="40000" dist="23000" dir="5400000" rotWithShape="0">
+            <a:outerShdw blurRad="50800" dist="38100" dir="5400000" rotWithShape="0">
               <a:srgbClr val="000000">
                 <a:alpha val="35000"/>
               </a:srgbClr>
@@ -4097,22 +5614,36 @@
         </a:effectStyle>
         <a:effectStyle>
           <a:effectLst>
-            <a:outerShdw blurRad="40000" dist="23000" dir="5400000" rotWithShape="0">
+            <a:outerShdw blurRad="50800" dist="38100" dir="5400000" rotWithShape="0">
               <a:srgbClr val="000000">
                 <a:alpha val="35000"/>
               </a:srgbClr>
             </a:outerShdw>
           </a:effectLst>
+        </a:effectStyle>
+        <a:effectStyle>
+          <a:effectLst>
+            <a:outerShdw blurRad="63500" dist="38100" dir="5400000" rotWithShape="0">
+              <a:srgbClr val="000000">
+                <a:alpha val="45000"/>
+              </a:srgbClr>
+            </a:outerShdw>
+          </a:effectLst>
           <a:scene3d>
-            <a:camera prst="orthographicFront">
+            <a:camera prst="orthographicFront" fov="0">
               <a:rot lat="0" lon="0" rev="0"/>
             </a:camera>
-            <a:lightRig rig="threePt" dir="t">
-              <a:rot lat="0" lon="0" rev="1200000"/>
+            <a:lightRig rig="glow" dir="t">
+              <a:rot lat="0" lon="0" rev="6360000"/>
             </a:lightRig>
           </a:scene3d>
-          <a:sp3d>
-            <a:bevelT w="63500" h="25400"/>
+          <a:sp3d contourW="1000" prstMaterial="flat">
+            <a:bevelT w="95250" h="101600"/>
+            <a:contourClr>
+              <a:schemeClr val="phClr">
+                <a:satMod val="300000"/>
+              </a:schemeClr>
+            </a:contourClr>
           </a:sp3d>
         </a:effectStyle>
       </a:effectStyleLst>
@@ -4124,47 +5655,41 @@
           <a:gsLst>
             <a:gs pos="0">
               <a:schemeClr val="phClr">
-                <a:tint val="40000"/>
-                <a:satMod val="350000"/>
+                <a:tint val="55000"/>
+                <a:satMod val="300000"/>
               </a:schemeClr>
             </a:gs>
             <a:gs pos="40000">
               <a:schemeClr val="phClr">
-                <a:tint val="45000"/>
-                <a:shade val="99000"/>
-                <a:satMod val="350000"/>
-              </a:schemeClr>
-            </a:gs>
-            <a:gs pos="100000">
-              <a:schemeClr val="phClr">
-                <a:shade val="20000"/>
-                <a:satMod val="255000"/>
-              </a:schemeClr>
-            </a:gs>
-          </a:gsLst>
-          <a:path path="circle">
-            <a:fillToRect l="50000" t="-80000" r="50000" b="180000"/>
-          </a:path>
-        </a:gradFill>
-        <a:gradFill rotWithShape="1">
-          <a:gsLst>
-            <a:gs pos="0">
-              <a:schemeClr val="phClr">
-                <a:tint val="80000"/>
+                <a:tint val="65000"/>
                 <a:satMod val="300000"/>
               </a:schemeClr>
             </a:gs>
             <a:gs pos="100000">
               <a:schemeClr val="phClr">
-                <a:shade val="30000"/>
-                <a:satMod val="200000"/>
+                <a:shade val="65000"/>
+                <a:satMod val="300000"/>
               </a:schemeClr>
             </a:gs>
           </a:gsLst>
           <a:path path="circle">
-            <a:fillToRect l="50000" t="50000" r="50000" b="50000"/>
+            <a:fillToRect l="65000" b="98000"/>
           </a:path>
         </a:gradFill>
+        <a:blipFill>
+          <a:blip xmlns:r="http://schemas.openxmlformats.org/officeDocument/2006/relationships" r:embed="rId1">
+            <a:duotone>
+              <a:schemeClr val="phClr">
+                <a:shade val="60000"/>
+                <a:satMod val="110000"/>
+              </a:schemeClr>
+              <a:schemeClr val="phClr">
+                <a:tint val="95000"/>
+              </a:schemeClr>
+            </a:duotone>
+          </a:blip>
+          <a:tile tx="0" ty="0" sx="50000" sy="50000" flip="none" algn="tl"/>
+        </a:blipFill>
       </a:bgFillStyleLst>
     </a:fmtScheme>
   </a:themeElements>

--- a/docs/final_presentation_class.pptx
+++ b/docs/final_presentation_class.pptx
@@ -738,7 +738,7 @@
             <a:fld id="{4C6D5288-1711-894E-96C7-094693E6B174}" type="datetimeFigureOut">
               <a:rPr lang="en-US" smtClean="0"/>
               <a:pPr/>
-              <a:t>11/29/2012</a:t>
+              <a:t>11/29/12</a:t>
             </a:fld>
             <a:endParaRPr lang="en-US"/>
           </a:p>
@@ -936,7 +936,7 @@
             <a:fld id="{4C6D5288-1711-894E-96C7-094693E6B174}" type="datetimeFigureOut">
               <a:rPr lang="en-US" smtClean="0"/>
               <a:pPr/>
-              <a:t>11/29/2012</a:t>
+              <a:t>11/29/12</a:t>
             </a:fld>
             <a:endParaRPr lang="en-US"/>
           </a:p>
@@ -1123,7 +1123,7 @@
             <a:fld id="{4C6D5288-1711-894E-96C7-094693E6B174}" type="datetimeFigureOut">
               <a:rPr lang="en-US" smtClean="0"/>
               <a:pPr/>
-              <a:t>11/29/2012</a:t>
+              <a:t>11/29/12</a:t>
             </a:fld>
             <a:endParaRPr lang="en-US"/>
           </a:p>
@@ -1275,7 +1275,7 @@
             <a:fld id="{4C6D5288-1711-894E-96C7-094693E6B174}" type="datetimeFigureOut">
               <a:rPr lang="en-US" smtClean="0"/>
               <a:pPr/>
-              <a:t>11/29/2012</a:t>
+              <a:t>11/29/12</a:t>
             </a:fld>
             <a:endParaRPr lang="en-US"/>
           </a:p>
@@ -1532,7 +1532,7 @@
             <a:fld id="{4C6D5288-1711-894E-96C7-094693E6B174}" type="datetimeFigureOut">
               <a:rPr lang="en-US" smtClean="0"/>
               <a:pPr/>
-              <a:t>11/29/2012</a:t>
+              <a:t>11/29/12</a:t>
             </a:fld>
             <a:endParaRPr lang="en-US"/>
           </a:p>
@@ -1943,7 +1943,7 @@
             <a:fld id="{4C6D5288-1711-894E-96C7-094693E6B174}" type="datetimeFigureOut">
               <a:rPr lang="en-US" smtClean="0"/>
               <a:pPr/>
-              <a:t>11/29/2012</a:t>
+              <a:t>11/29/12</a:t>
             </a:fld>
             <a:endParaRPr lang="en-US"/>
           </a:p>
@@ -2391,7 +2391,7 @@
             <a:fld id="{4C6D5288-1711-894E-96C7-094693E6B174}" type="datetimeFigureOut">
               <a:rPr lang="en-US" smtClean="0"/>
               <a:pPr/>
-              <a:t>11/29/2012</a:t>
+              <a:t>11/29/12</a:t>
             </a:fld>
             <a:endParaRPr lang="en-US"/>
           </a:p>
@@ -2494,7 +2494,7 @@
             <a:fld id="{4C6D5288-1711-894E-96C7-094693E6B174}" type="datetimeFigureOut">
               <a:rPr lang="en-US" smtClean="0"/>
               <a:pPr/>
-              <a:t>11/29/2012</a:t>
+              <a:t>11/29/12</a:t>
             </a:fld>
             <a:endParaRPr lang="en-US"/>
           </a:p>
@@ -2617,7 +2617,7 @@
             <a:fld id="{4C6D5288-1711-894E-96C7-094693E6B174}" type="datetimeFigureOut">
               <a:rPr lang="en-US" smtClean="0"/>
               <a:pPr/>
-              <a:t>11/29/2012</a:t>
+              <a:t>11/29/12</a:t>
             </a:fld>
             <a:endParaRPr lang="en-US"/>
           </a:p>
@@ -2893,7 +2893,7 @@
             <a:fld id="{4C6D5288-1711-894E-96C7-094693E6B174}" type="datetimeFigureOut">
               <a:rPr lang="en-US" smtClean="0"/>
               <a:pPr/>
-              <a:t>11/29/2012</a:t>
+              <a:t>11/29/12</a:t>
             </a:fld>
             <a:endParaRPr lang="en-US"/>
           </a:p>
@@ -3100,7 +3100,7 @@
             <a:fld id="{4C6D5288-1711-894E-96C7-094693E6B174}" type="datetimeFigureOut">
               <a:rPr lang="en-US" smtClean="0"/>
               <a:pPr/>
-              <a:t>11/29/2012</a:t>
+              <a:t>11/29/12</a:t>
             </a:fld>
             <a:endParaRPr lang="en-US"/>
           </a:p>
@@ -4211,7 +4211,7 @@
             <a:fld id="{4C6D5288-1711-894E-96C7-094693E6B174}" type="datetimeFigureOut">
               <a:rPr lang="en-US" smtClean="0"/>
               <a:pPr/>
-              <a:t>11/29/2012</a:t>
+              <a:t>11/29/12</a:t>
             </a:fld>
             <a:endParaRPr lang="en-US"/>
           </a:p>
@@ -4876,20 +4876,20 @@
     </p:spTree>
     <p:extLst>
       <p:ext uri="{BB962C8B-B14F-4D97-AF65-F5344CB8AC3E}">
-        <p14:creationId xmlns:p14="http://schemas.microsoft.com/office/powerpoint/2010/main" xmlns="" val="3379584495"/>
+        <p14:creationId xmlns:p14="http://schemas.microsoft.com/office/powerpoint/2010/main" val="3379584495"/>
       </p:ext>
     </p:extLst>
   </p:cSld>
   <p:clrMapOvr>
     <a:masterClrMapping/>
   </p:clrMapOvr>
-  <p:transition>
+  <p:transition xmlns:p14="http://schemas.microsoft.com/office/powerpoint/2010/main">
     <p:dissolve/>
   </p:transition>
   <p:timing>
     <p:tnLst>
       <p:par>
-        <p:cTn id="1" dur="indefinite" restart="never" nodeType="tmRoot"/>
+        <p:cTn xmlns:p14="http://schemas.microsoft.com/office/powerpoint/2010/main" id="1" dur="indefinite" restart="never" nodeType="tmRoot"/>
       </p:par>
     </p:tnLst>
   </p:timing>
@@ -4932,7 +4932,15 @@
           <a:p>
             <a:r>
               <a:rPr lang="en-US" sz="2800" dirty="0" smtClean="0"/>
-              <a:t>The internet is almost everywhere we go, whether it be via Smartphone, PC or other internet connected devices, we rarely find ourselves more than an arms length away from our next status update, bill payment or shoe purchase. </a:t>
+              <a:t>The internet is almost everywhere we go, whether it be via </a:t>
+            </a:r>
+            <a:r>
+              <a:rPr lang="en-US" sz="2800" dirty="0" smtClean="0"/>
+              <a:t>smartphone</a:t>
+            </a:r>
+            <a:r>
+              <a:rPr lang="en-US" sz="2800" dirty="0" smtClean="0"/>
+              <a:t>, PC or other internet connected devices, we rarely find ourselves more than an arms length away from our next status update, bill payment or shoe purchase. </a:t>
             </a:r>
             <a:endParaRPr lang="en-US" dirty="0" smtClean="0"/>
           </a:p>
@@ -4980,7 +4988,7 @@
     </p:spTree>
     <p:extLst>
       <p:ext uri="{BB962C8B-B14F-4D97-AF65-F5344CB8AC3E}">
-        <p14:creationId xmlns:p14="http://schemas.microsoft.com/office/powerpoint/2010/main" xmlns="" val="3639230981"/>
+        <p14:creationId xmlns:p14="http://schemas.microsoft.com/office/powerpoint/2010/main" val="3639230981"/>
       </p:ext>
     </p:extLst>
   </p:cSld>
@@ -4990,7 +4998,7 @@
   <p:timing>
     <p:tnLst>
       <p:par>
-        <p:cTn id="1" dur="indefinite" restart="never" nodeType="tmRoot"/>
+        <p:cTn xmlns:p14="http://schemas.microsoft.com/office/powerpoint/2010/main" id="1" dur="indefinite" restart="never" nodeType="tmRoot"/>
       </p:par>
     </p:tnLst>
   </p:timing>
@@ -5031,13 +5039,37 @@
           <a:p>
             <a:r>
               <a:rPr lang="en-US" dirty="0" smtClean="0"/>
-              <a:t>By implementing a small amount of code in a device, developers can enable their products to be controlled remotely with little set up and backend development. </a:t>
-            </a:r>
-          </a:p>
-          <a:p>
+              <a:t>By implementing a small amount of code in a device, developers can enable their products to be controlled remotely with little </a:t>
+            </a:r>
             <a:r>
               <a:rPr lang="en-US" dirty="0" smtClean="0"/>
-              <a:t>The RAICHU API will allow developers to easily implement the cloud services to new projects as well inject the capabilities into existing source code.</a:t>
+              <a:t>setup </a:t>
+            </a:r>
+            <a:r>
+              <a:rPr lang="en-US" dirty="0" smtClean="0"/>
+              <a:t>and backend development. </a:t>
+            </a:r>
+          </a:p>
+          <a:p>
+            <a:r>
+              <a:rPr lang="en-US" dirty="0" smtClean="0"/>
+              <a:t>The RAICHU API will allow developers to easily implement </a:t>
+            </a:r>
+            <a:r>
+              <a:rPr lang="en-US" dirty="0" smtClean="0"/>
+              <a:t>cloud </a:t>
+            </a:r>
+            <a:r>
+              <a:rPr lang="en-US" dirty="0" smtClean="0"/>
+              <a:t>services </a:t>
+            </a:r>
+            <a:r>
+              <a:rPr lang="en-US" dirty="0" smtClean="0"/>
+              <a:t>into </a:t>
+            </a:r>
+            <a:r>
+              <a:rPr lang="en-US" dirty="0" smtClean="0"/>
+              <a:t>new projects as well inject the capabilities into existing source code.</a:t>
             </a:r>
             <a:endParaRPr lang="en-US" dirty="0"/>
           </a:p>
@@ -5076,7 +5108,7 @@
     </p:spTree>
     <p:extLst>
       <p:ext uri="{BB962C8B-B14F-4D97-AF65-F5344CB8AC3E}">
-        <p14:creationId xmlns:p14="http://schemas.microsoft.com/office/powerpoint/2010/main" xmlns="" val="2851943384"/>
+        <p14:creationId xmlns:p14="http://schemas.microsoft.com/office/powerpoint/2010/main" val="2851943384"/>
       </p:ext>
     </p:extLst>
   </p:cSld>
@@ -5086,7 +5118,7 @@
   <p:timing>
     <p:tnLst>
       <p:par>
-        <p:cTn id="1" dur="indefinite" restart="never" nodeType="tmRoot"/>
+        <p:cTn xmlns:p14="http://schemas.microsoft.com/office/powerpoint/2010/main" id="1" dur="indefinite" restart="never" nodeType="tmRoot"/>
       </p:par>
     </p:tnLst>
   </p:timing>
@@ -5152,7 +5184,7 @@
           <a:blip r:embed="rId2" cstate="print">
             <a:extLst>
               <a:ext uri="{28A0092B-C50C-407E-A947-70E740481C1C}">
-                <a14:useLocalDpi xmlns:a14="http://schemas.microsoft.com/office/drawing/2010/main" xmlns="" val="0"/>
+                <a14:useLocalDpi xmlns:a14="http://schemas.microsoft.com/office/drawing/2010/main" val="0"/>
               </a:ext>
             </a:extLst>
           </a:blip>
@@ -5173,7 +5205,7 @@
     </p:spTree>
     <p:extLst>
       <p:ext uri="{BB962C8B-B14F-4D97-AF65-F5344CB8AC3E}">
-        <p14:creationId xmlns:p14="http://schemas.microsoft.com/office/powerpoint/2010/main" xmlns="" val="1035486124"/>
+        <p14:creationId xmlns:p14="http://schemas.microsoft.com/office/powerpoint/2010/main" val="1035486124"/>
       </p:ext>
     </p:extLst>
   </p:cSld>
@@ -5324,7 +5356,7 @@
     </p:spTree>
     <p:extLst>
       <p:ext uri="{BB962C8B-B14F-4D97-AF65-F5344CB8AC3E}">
-        <p14:creationId xmlns:p14="http://schemas.microsoft.com/office/powerpoint/2010/main" xmlns="" val="2673029718"/>
+        <p14:creationId xmlns:p14="http://schemas.microsoft.com/office/powerpoint/2010/main" val="2673029718"/>
       </p:ext>
     </p:extLst>
   </p:cSld>
@@ -5334,7 +5366,7 @@
   <p:timing>
     <p:tnLst>
       <p:par>
-        <p:cTn id="1" dur="indefinite" restart="never" nodeType="tmRoot"/>
+        <p:cTn xmlns:p14="http://schemas.microsoft.com/office/powerpoint/2010/main" id="1" dur="indefinite" restart="never" nodeType="tmRoot"/>
       </p:par>
     </p:tnLst>
   </p:timing>
@@ -5403,7 +5435,7 @@
     </p:spTree>
     <p:extLst>
       <p:ext uri="{BB962C8B-B14F-4D97-AF65-F5344CB8AC3E}">
-        <p14:creationId xmlns:p14="http://schemas.microsoft.com/office/powerpoint/2010/main" xmlns="" val="1169526632"/>
+        <p14:creationId xmlns:p14="http://schemas.microsoft.com/office/powerpoint/2010/main" val="1169526632"/>
       </p:ext>
     </p:extLst>
   </p:cSld>
